--- a/doc/Project Presentation - Ra 2017-03.pptx
+++ b/doc/Project Presentation - Ra 2017-03.pptx
@@ -206,7 +206,7 @@
           <a:p>
             <a:fld id="{34A4B345-081C-4B36-8A2B-252C2F6BF39C}" type="datetimeFigureOut">
               <a:rPr lang="en-US" smtClean="0"/>
-              <a:t>3/6/2017</a:t>
+              <a:t>3/7/2017</a:t>
             </a:fld>
             <a:endParaRPr lang="en-US"/>
           </a:p>
@@ -301,7 +301,6 @@
               <a:rPr lang="en-US"/>
               <a:t>Fifth level</a:t>
             </a:r>
-            <a:endParaRPr lang="en-US"/>
           </a:p>
         </p:txBody>
       </p:sp>
@@ -702,13 +701,8 @@
             </a:br>
             <a:r>
               <a:rPr lang="en-US" dirty="0"/>
-              <a:t>Available at: </a:t>
-            </a:r>
-            <a:r>
-              <a:rPr lang="en-US" dirty="0"/>
-              <a:t>http://snapper.rooms.cwal.net/games.html</a:t>
-            </a:r>
-            <a:endParaRPr lang="en-US" dirty="0"/>
+              <a:t>Available at: http://snapper.rooms.cwal.net/games.html</a:t>
+            </a:r>
           </a:p>
         </p:txBody>
       </p:sp>
@@ -885,7 +879,7 @@
           <a:noFill/>
           <a:extLst>
             <a:ext uri="{909E8E84-426E-40dd-AFC4-6F175D3DCCD1}">
-              <a14:hiddenFill xmlns="" xmlns:a14="http://schemas.microsoft.com/office/drawing/2010/main">
+              <a14:hiddenFill xmlns:a14="http://schemas.microsoft.com/office/drawing/2010/main" xmlns="">
                 <a:solidFill>
                   <a:srgbClr val="FFFFFF"/>
                 </a:solidFill>
@@ -945,7 +939,7 @@
             </a:ln>
             <a:extLst>
               <a:ext uri="{91240B29-F687-4f45-9708-019B960494DF}">
-                <a14:hiddenLine xmlns="" xmlns:a14="http://schemas.microsoft.com/office/drawing/2010/main" w="9525">
+                <a14:hiddenLine xmlns:a14="http://schemas.microsoft.com/office/drawing/2010/main" xmlns="" w="9525">
                   <a:solidFill>
                     <a:srgbClr val="000000"/>
                   </a:solidFill>
@@ -1035,7 +1029,7 @@
             </a:ln>
             <a:extLst>
               <a:ext uri="{91240B29-F687-4f45-9708-019B960494DF}">
-                <a14:hiddenLine xmlns="" xmlns:a14="http://schemas.microsoft.com/office/drawing/2010/main" w="9525">
+                <a14:hiddenLine xmlns:a14="http://schemas.microsoft.com/office/drawing/2010/main" xmlns="" w="9525">
                   <a:solidFill>
                     <a:srgbClr val="000000"/>
                   </a:solidFill>
@@ -1125,7 +1119,7 @@
             </a:ln>
             <a:extLst>
               <a:ext uri="{91240B29-F687-4f45-9708-019B960494DF}">
-                <a14:hiddenLine xmlns="" xmlns:a14="http://schemas.microsoft.com/office/drawing/2010/main" w="9525">
+                <a14:hiddenLine xmlns:a14="http://schemas.microsoft.com/office/drawing/2010/main" xmlns="" w="9525">
                   <a:solidFill>
                     <a:srgbClr val="000000"/>
                   </a:solidFill>
@@ -1159,7 +1153,7 @@
             </a:ln>
             <a:extLst>
               <a:ext uri="{91240B29-F687-4f45-9708-019B960494DF}">
-                <a14:hiddenLine xmlns="" xmlns:a14="http://schemas.microsoft.com/office/drawing/2010/main" w="9525">
+                <a14:hiddenLine xmlns:a14="http://schemas.microsoft.com/office/drawing/2010/main" xmlns="" w="9525">
                   <a:solidFill>
                     <a:srgbClr val="000000"/>
                   </a:solidFill>
@@ -1249,7 +1243,7 @@
             </a:ln>
             <a:extLst>
               <a:ext uri="{91240B29-F687-4f45-9708-019B960494DF}">
-                <a14:hiddenLine xmlns="" xmlns:a14="http://schemas.microsoft.com/office/drawing/2010/main" w="9525">
+                <a14:hiddenLine xmlns:a14="http://schemas.microsoft.com/office/drawing/2010/main" xmlns="" w="9525">
                   <a:solidFill>
                     <a:srgbClr val="000000"/>
                   </a:solidFill>
@@ -1311,7 +1305,7 @@
             </a:ln>
             <a:extLst>
               <a:ext uri="{91240B29-F687-4f45-9708-019B960494DF}">
-                <a14:hiddenLine xmlns="" xmlns:a14="http://schemas.microsoft.com/office/drawing/2010/main" w="9525">
+                <a14:hiddenLine xmlns:a14="http://schemas.microsoft.com/office/drawing/2010/main" xmlns="" w="9525">
                   <a:solidFill>
                     <a:srgbClr val="000000"/>
                   </a:solidFill>
@@ -1373,7 +1367,7 @@
             </a:ln>
             <a:extLst>
               <a:ext uri="{91240B29-F687-4f45-9708-019B960494DF}">
-                <a14:hiddenLine xmlns="" xmlns:a14="http://schemas.microsoft.com/office/drawing/2010/main" w="9525">
+                <a14:hiddenLine xmlns:a14="http://schemas.microsoft.com/office/drawing/2010/main" xmlns="" w="9525">
                   <a:solidFill>
                     <a:srgbClr val="000000"/>
                   </a:solidFill>
@@ -1463,7 +1457,7 @@
             </a:ln>
             <a:extLst>
               <a:ext uri="{91240B29-F687-4f45-9708-019B960494DF}">
-                <a14:hiddenLine xmlns="" xmlns:a14="http://schemas.microsoft.com/office/drawing/2010/main" w="9525">
+                <a14:hiddenLine xmlns:a14="http://schemas.microsoft.com/office/drawing/2010/main" xmlns="" w="9525">
                   <a:solidFill>
                     <a:srgbClr val="000000"/>
                   </a:solidFill>
@@ -1525,7 +1519,7 @@
             </a:ln>
             <a:extLst>
               <a:ext uri="{91240B29-F687-4f45-9708-019B960494DF}">
-                <a14:hiddenLine xmlns="" xmlns:a14="http://schemas.microsoft.com/office/drawing/2010/main" w="9525">
+                <a14:hiddenLine xmlns:a14="http://schemas.microsoft.com/office/drawing/2010/main" xmlns="" w="9525">
                   <a:solidFill>
                     <a:srgbClr val="000000"/>
                   </a:solidFill>
@@ -1587,7 +1581,7 @@
             </a:ln>
             <a:extLst>
               <a:ext uri="{91240B29-F687-4f45-9708-019B960494DF}">
-                <a14:hiddenLine xmlns="" xmlns:a14="http://schemas.microsoft.com/office/drawing/2010/main" w="9525">
+                <a14:hiddenLine xmlns:a14="http://schemas.microsoft.com/office/drawing/2010/main" xmlns="" w="9525">
                   <a:solidFill>
                     <a:srgbClr val="000000"/>
                   </a:solidFill>
@@ -1677,7 +1671,7 @@
             </a:ln>
             <a:extLst>
               <a:ext uri="{91240B29-F687-4f45-9708-019B960494DF}">
-                <a14:hiddenLine xmlns="" xmlns:a14="http://schemas.microsoft.com/office/drawing/2010/main" w="9525">
+                <a14:hiddenLine xmlns:a14="http://schemas.microsoft.com/office/drawing/2010/main" xmlns="" w="9525">
                   <a:solidFill>
                     <a:srgbClr val="000000"/>
                   </a:solidFill>
@@ -1767,7 +1761,7 @@
             </a:ln>
             <a:extLst>
               <a:ext uri="{91240B29-F687-4f45-9708-019B960494DF}">
-                <a14:hiddenLine xmlns="" xmlns:a14="http://schemas.microsoft.com/office/drawing/2010/main" w="9525">
+                <a14:hiddenLine xmlns:a14="http://schemas.microsoft.com/office/drawing/2010/main" xmlns="" w="9525">
                   <a:solidFill>
                     <a:srgbClr val="000000"/>
                   </a:solidFill>
@@ -1829,7 +1823,7 @@
             </a:ln>
             <a:extLst>
               <a:ext uri="{91240B29-F687-4f45-9708-019B960494DF}">
-                <a14:hiddenLine xmlns="" xmlns:a14="http://schemas.microsoft.com/office/drawing/2010/main" w="9525">
+                <a14:hiddenLine xmlns:a14="http://schemas.microsoft.com/office/drawing/2010/main" xmlns="" w="9525">
                   <a:solidFill>
                     <a:srgbClr val="000000"/>
                   </a:solidFill>
@@ -1939,7 +1933,7 @@
             </a:ln>
             <a:extLst>
               <a:ext uri="{91240B29-F687-4f45-9708-019B960494DF}">
-                <a14:hiddenLine xmlns="" xmlns:a14="http://schemas.microsoft.com/office/drawing/2010/main" w="9525">
+                <a14:hiddenLine xmlns:a14="http://schemas.microsoft.com/office/drawing/2010/main" xmlns="" w="9525">
                   <a:solidFill>
                     <a:srgbClr val="000000"/>
                   </a:solidFill>
@@ -2001,7 +1995,7 @@
             </a:ln>
             <a:extLst>
               <a:ext uri="{91240B29-F687-4f45-9708-019B960494DF}">
-                <a14:hiddenLine xmlns="" xmlns:a14="http://schemas.microsoft.com/office/drawing/2010/main" w="9525">
+                <a14:hiddenLine xmlns:a14="http://schemas.microsoft.com/office/drawing/2010/main" xmlns="" w="9525">
                   <a:solidFill>
                     <a:srgbClr val="000000"/>
                   </a:solidFill>
@@ -2091,7 +2085,7 @@
             </a:ln>
             <a:extLst>
               <a:ext uri="{91240B29-F687-4f45-9708-019B960494DF}">
-                <a14:hiddenLine xmlns="" xmlns:a14="http://schemas.microsoft.com/office/drawing/2010/main" w="9525">
+                <a14:hiddenLine xmlns:a14="http://schemas.microsoft.com/office/drawing/2010/main" xmlns="" w="9525">
                   <a:solidFill>
                     <a:srgbClr val="000000"/>
                   </a:solidFill>
@@ -2181,7 +2175,7 @@
             </a:ln>
             <a:extLst>
               <a:ext uri="{91240B29-F687-4f45-9708-019B960494DF}">
-                <a14:hiddenLine xmlns="" xmlns:a14="http://schemas.microsoft.com/office/drawing/2010/main" w="9525">
+                <a14:hiddenLine xmlns:a14="http://schemas.microsoft.com/office/drawing/2010/main" xmlns="" w="9525">
                   <a:solidFill>
                     <a:srgbClr val="000000"/>
                   </a:solidFill>
@@ -2243,7 +2237,7 @@
             </a:ln>
             <a:extLst>
               <a:ext uri="{91240B29-F687-4f45-9708-019B960494DF}">
-                <a14:hiddenLine xmlns="" xmlns:a14="http://schemas.microsoft.com/office/drawing/2010/main" w="9525">
+                <a14:hiddenLine xmlns:a14="http://schemas.microsoft.com/office/drawing/2010/main" xmlns="" w="9525">
                   <a:solidFill>
                     <a:srgbClr val="000000"/>
                   </a:solidFill>
@@ -2333,7 +2327,7 @@
             </a:ln>
             <a:extLst>
               <a:ext uri="{91240B29-F687-4f45-9708-019B960494DF}">
-                <a14:hiddenLine xmlns="" xmlns:a14="http://schemas.microsoft.com/office/drawing/2010/main" w="9525">
+                <a14:hiddenLine xmlns:a14="http://schemas.microsoft.com/office/drawing/2010/main" xmlns="" w="9525">
                   <a:solidFill>
                     <a:srgbClr val="000000"/>
                   </a:solidFill>
@@ -2423,7 +2417,7 @@
             </a:ln>
             <a:extLst>
               <a:ext uri="{91240B29-F687-4f45-9708-019B960494DF}">
-                <a14:hiddenLine xmlns="" xmlns:a14="http://schemas.microsoft.com/office/drawing/2010/main" w="9525">
+                <a14:hiddenLine xmlns:a14="http://schemas.microsoft.com/office/drawing/2010/main" xmlns="" w="9525">
                   <a:solidFill>
                     <a:srgbClr val="000000"/>
                   </a:solidFill>
@@ -2479,7 +2473,7 @@
             </a:ln>
             <a:extLst>
               <a:ext uri="{91240B29-F687-4f45-9708-019B960494DF}">
-                <a14:hiddenLine xmlns="" xmlns:a14="http://schemas.microsoft.com/office/drawing/2010/main" w="9525">
+                <a14:hiddenLine xmlns:a14="http://schemas.microsoft.com/office/drawing/2010/main" xmlns="" w="9525">
                   <a:solidFill>
                     <a:srgbClr val="000000"/>
                   </a:solidFill>
@@ -2569,7 +2563,7 @@
             </a:ln>
             <a:extLst>
               <a:ext uri="{91240B29-F687-4f45-9708-019B960494DF}">
-                <a14:hiddenLine xmlns="" xmlns:a14="http://schemas.microsoft.com/office/drawing/2010/main" w="9525">
+                <a14:hiddenLine xmlns:a14="http://schemas.microsoft.com/office/drawing/2010/main" xmlns="" w="9525">
                   <a:solidFill>
                     <a:srgbClr val="000000"/>
                   </a:solidFill>
@@ -2625,7 +2619,7 @@
             </a:ln>
             <a:extLst>
               <a:ext uri="{91240B29-F687-4f45-9708-019B960494DF}">
-                <a14:hiddenLine xmlns="" xmlns:a14="http://schemas.microsoft.com/office/drawing/2010/main" w="9525">
+                <a14:hiddenLine xmlns:a14="http://schemas.microsoft.com/office/drawing/2010/main" xmlns="" w="9525">
                   <a:solidFill>
                     <a:srgbClr val="000000"/>
                   </a:solidFill>
@@ -2715,7 +2709,7 @@
             </a:ln>
             <a:extLst>
               <a:ext uri="{91240B29-F687-4f45-9708-019B960494DF}">
-                <a14:hiddenLine xmlns="" xmlns:a14="http://schemas.microsoft.com/office/drawing/2010/main" w="9525">
+                <a14:hiddenLine xmlns:a14="http://schemas.microsoft.com/office/drawing/2010/main" xmlns="" w="9525">
                   <a:solidFill>
                     <a:srgbClr val="000000"/>
                   </a:solidFill>
@@ -2783,7 +2777,7 @@
             </a:ln>
             <a:extLst>
               <a:ext uri="{91240B29-F687-4f45-9708-019B960494DF}">
-                <a14:hiddenLine xmlns="" xmlns:a14="http://schemas.microsoft.com/office/drawing/2010/main" w="9525">
+                <a14:hiddenLine xmlns:a14="http://schemas.microsoft.com/office/drawing/2010/main" xmlns="" w="9525">
                   <a:solidFill>
                     <a:srgbClr val="000000"/>
                   </a:solidFill>
@@ -2873,7 +2867,7 @@
             </a:ln>
             <a:extLst>
               <a:ext uri="{91240B29-F687-4f45-9708-019B960494DF}">
-                <a14:hiddenLine xmlns="" xmlns:a14="http://schemas.microsoft.com/office/drawing/2010/main" w="9525">
+                <a14:hiddenLine xmlns:a14="http://schemas.microsoft.com/office/drawing/2010/main" xmlns="" w="9525">
                   <a:solidFill>
                     <a:srgbClr val="000000"/>
                   </a:solidFill>
@@ -2941,7 +2935,7 @@
             </a:ln>
             <a:extLst>
               <a:ext uri="{91240B29-F687-4f45-9708-019B960494DF}">
-                <a14:hiddenLine xmlns="" xmlns:a14="http://schemas.microsoft.com/office/drawing/2010/main" w="9525">
+                <a14:hiddenLine xmlns:a14="http://schemas.microsoft.com/office/drawing/2010/main" xmlns="" w="9525">
                   <a:solidFill>
                     <a:srgbClr val="000000"/>
                   </a:solidFill>
@@ -3031,7 +3025,7 @@
             </a:ln>
             <a:extLst>
               <a:ext uri="{91240B29-F687-4f45-9708-019B960494DF}">
-                <a14:hiddenLine xmlns="" xmlns:a14="http://schemas.microsoft.com/office/drawing/2010/main" w="9525">
+                <a14:hiddenLine xmlns:a14="http://schemas.microsoft.com/office/drawing/2010/main" xmlns="" w="9525">
                   <a:solidFill>
                     <a:srgbClr val="000000"/>
                   </a:solidFill>
@@ -3065,7 +3059,7 @@
             </a:ln>
             <a:extLst>
               <a:ext uri="{91240B29-F687-4f45-9708-019B960494DF}">
-                <a14:hiddenLine xmlns="" xmlns:a14="http://schemas.microsoft.com/office/drawing/2010/main" w="9525">
+                <a14:hiddenLine xmlns:a14="http://schemas.microsoft.com/office/drawing/2010/main" xmlns="" w="9525">
                   <a:solidFill>
                     <a:srgbClr val="000000"/>
                   </a:solidFill>
@@ -3155,7 +3149,7 @@
             </a:ln>
             <a:extLst>
               <a:ext uri="{91240B29-F687-4f45-9708-019B960494DF}">
-                <a14:hiddenLine xmlns="" xmlns:a14="http://schemas.microsoft.com/office/drawing/2010/main" w="9525">
+                <a14:hiddenLine xmlns:a14="http://schemas.microsoft.com/office/drawing/2010/main" xmlns="" w="9525">
                   <a:solidFill>
                     <a:srgbClr val="000000"/>
                   </a:solidFill>
@@ -3217,7 +3211,7 @@
             </a:ln>
             <a:extLst>
               <a:ext uri="{91240B29-F687-4f45-9708-019B960494DF}">
-                <a14:hiddenLine xmlns="" xmlns:a14="http://schemas.microsoft.com/office/drawing/2010/main" w="9525">
+                <a14:hiddenLine xmlns:a14="http://schemas.microsoft.com/office/drawing/2010/main" xmlns="" w="9525">
                   <a:solidFill>
                     <a:srgbClr val="000000"/>
                   </a:solidFill>
@@ -3279,7 +3273,7 @@
             </a:ln>
             <a:extLst>
               <a:ext uri="{91240B29-F687-4f45-9708-019B960494DF}">
-                <a14:hiddenLine xmlns="" xmlns:a14="http://schemas.microsoft.com/office/drawing/2010/main" w="9525">
+                <a14:hiddenLine xmlns:a14="http://schemas.microsoft.com/office/drawing/2010/main" xmlns="" w="9525">
                   <a:solidFill>
                     <a:srgbClr val="000000"/>
                   </a:solidFill>
@@ -3369,7 +3363,7 @@
             </a:ln>
             <a:extLst>
               <a:ext uri="{91240B29-F687-4f45-9708-019B960494DF}">
-                <a14:hiddenLine xmlns="" xmlns:a14="http://schemas.microsoft.com/office/drawing/2010/main" w="9525">
+                <a14:hiddenLine xmlns:a14="http://schemas.microsoft.com/office/drawing/2010/main" xmlns="" w="9525">
                   <a:solidFill>
                     <a:srgbClr val="000000"/>
                   </a:solidFill>
@@ -3437,7 +3431,7 @@
             </a:ln>
             <a:extLst>
               <a:ext uri="{91240B29-F687-4f45-9708-019B960494DF}">
-                <a14:hiddenLine xmlns="" xmlns:a14="http://schemas.microsoft.com/office/drawing/2010/main" w="9525">
+                <a14:hiddenLine xmlns:a14="http://schemas.microsoft.com/office/drawing/2010/main" xmlns="" w="9525">
                   <a:solidFill>
                     <a:srgbClr val="000000"/>
                   </a:solidFill>
@@ -3499,7 +3493,7 @@
             </a:ln>
             <a:extLst>
               <a:ext uri="{91240B29-F687-4f45-9708-019B960494DF}">
-                <a14:hiddenLine xmlns="" xmlns:a14="http://schemas.microsoft.com/office/drawing/2010/main" w="9525">
+                <a14:hiddenLine xmlns:a14="http://schemas.microsoft.com/office/drawing/2010/main" xmlns="" w="9525">
                   <a:solidFill>
                     <a:srgbClr val="000000"/>
                   </a:solidFill>
@@ -3589,7 +3583,7 @@
             </a:ln>
             <a:extLst>
               <a:ext uri="{91240B29-F687-4f45-9708-019B960494DF}">
-                <a14:hiddenLine xmlns="" xmlns:a14="http://schemas.microsoft.com/office/drawing/2010/main" w="9525">
+                <a14:hiddenLine xmlns:a14="http://schemas.microsoft.com/office/drawing/2010/main" xmlns="" w="9525">
                   <a:solidFill>
                     <a:srgbClr val="000000"/>
                   </a:solidFill>
@@ -3651,7 +3645,7 @@
             </a:ln>
             <a:extLst>
               <a:ext uri="{91240B29-F687-4f45-9708-019B960494DF}">
-                <a14:hiddenLine xmlns="" xmlns:a14="http://schemas.microsoft.com/office/drawing/2010/main" w="9525">
+                <a14:hiddenLine xmlns:a14="http://schemas.microsoft.com/office/drawing/2010/main" xmlns="" w="9525">
                   <a:solidFill>
                     <a:srgbClr val="000000"/>
                   </a:solidFill>
@@ -3741,7 +3735,7 @@
             </a:ln>
             <a:extLst>
               <a:ext uri="{91240B29-F687-4f45-9708-019B960494DF}">
-                <a14:hiddenLine xmlns="" xmlns:a14="http://schemas.microsoft.com/office/drawing/2010/main" w="9525">
+                <a14:hiddenLine xmlns:a14="http://schemas.microsoft.com/office/drawing/2010/main" xmlns="" w="9525">
                   <a:solidFill>
                     <a:srgbClr val="000000"/>
                   </a:solidFill>
@@ -3803,7 +3797,7 @@
             </a:ln>
             <a:extLst>
               <a:ext uri="{91240B29-F687-4f45-9708-019B960494DF}">
-                <a14:hiddenLine xmlns="" xmlns:a14="http://schemas.microsoft.com/office/drawing/2010/main" w="9525">
+                <a14:hiddenLine xmlns:a14="http://schemas.microsoft.com/office/drawing/2010/main" xmlns="" w="9525">
                   <a:solidFill>
                     <a:srgbClr val="000000"/>
                   </a:solidFill>
@@ -3893,7 +3887,7 @@
             </a:ln>
             <a:extLst>
               <a:ext uri="{91240B29-F687-4f45-9708-019B960494DF}">
-                <a14:hiddenLine xmlns="" xmlns:a14="http://schemas.microsoft.com/office/drawing/2010/main" w="9525">
+                <a14:hiddenLine xmlns:a14="http://schemas.microsoft.com/office/drawing/2010/main" xmlns="" w="9525">
                   <a:solidFill>
                     <a:srgbClr val="000000"/>
                   </a:solidFill>
@@ -3927,7 +3921,7 @@
             </a:ln>
             <a:extLst>
               <a:ext uri="{91240B29-F687-4f45-9708-019B960494DF}">
-                <a14:hiddenLine xmlns="" xmlns:a14="http://schemas.microsoft.com/office/drawing/2010/main" w="9525">
+                <a14:hiddenLine xmlns:a14="http://schemas.microsoft.com/office/drawing/2010/main" xmlns="" w="9525">
                   <a:solidFill>
                     <a:srgbClr val="000000"/>
                   </a:solidFill>
@@ -3992,7 +3986,7 @@
             </a:ln>
             <a:extLst>
               <a:ext uri="{91240B29-F687-4f45-9708-019B960494DF}">
-                <a14:hiddenLine xmlns="" xmlns:a14="http://schemas.microsoft.com/office/drawing/2010/main" w="9525">
+                <a14:hiddenLine xmlns:a14="http://schemas.microsoft.com/office/drawing/2010/main" xmlns="" w="9525">
                   <a:solidFill>
                     <a:srgbClr val="000000"/>
                   </a:solidFill>
@@ -4082,7 +4076,7 @@
             </a:ln>
             <a:extLst>
               <a:ext uri="{91240B29-F687-4f45-9708-019B960494DF}">
-                <a14:hiddenLine xmlns="" xmlns:a14="http://schemas.microsoft.com/office/drawing/2010/main" w="9525">
+                <a14:hiddenLine xmlns:a14="http://schemas.microsoft.com/office/drawing/2010/main" xmlns="" w="9525">
                   <a:solidFill>
                     <a:srgbClr val="000000"/>
                   </a:solidFill>
@@ -4144,7 +4138,7 @@
             </a:ln>
             <a:extLst>
               <a:ext uri="{91240B29-F687-4f45-9708-019B960494DF}">
-                <a14:hiddenLine xmlns="" xmlns:a14="http://schemas.microsoft.com/office/drawing/2010/main" w="9525">
+                <a14:hiddenLine xmlns:a14="http://schemas.microsoft.com/office/drawing/2010/main" xmlns="" w="9525">
                   <a:solidFill>
                     <a:srgbClr val="000000"/>
                   </a:solidFill>
@@ -4234,7 +4228,7 @@
             </a:ln>
             <a:extLst>
               <a:ext uri="{91240B29-F687-4f45-9708-019B960494DF}">
-                <a14:hiddenLine xmlns="" xmlns:a14="http://schemas.microsoft.com/office/drawing/2010/main" w="9525">
+                <a14:hiddenLine xmlns:a14="http://schemas.microsoft.com/office/drawing/2010/main" xmlns="" w="9525">
                   <a:solidFill>
                     <a:srgbClr val="000000"/>
                   </a:solidFill>
@@ -4324,7 +4318,7 @@
             </a:ln>
             <a:extLst>
               <a:ext uri="{91240B29-F687-4f45-9708-019B960494DF}">
-                <a14:hiddenLine xmlns="" xmlns:a14="http://schemas.microsoft.com/office/drawing/2010/main" w="9525">
+                <a14:hiddenLine xmlns:a14="http://schemas.microsoft.com/office/drawing/2010/main" xmlns="" w="9525">
                   <a:solidFill>
                     <a:srgbClr val="000000"/>
                   </a:solidFill>
@@ -4389,7 +4383,7 @@
             </a:ln>
             <a:extLst>
               <a:ext uri="{91240B29-F687-4f45-9708-019B960494DF}">
-                <a14:hiddenLine xmlns="" xmlns:a14="http://schemas.microsoft.com/office/drawing/2010/main" w="9525">
+                <a14:hiddenLine xmlns:a14="http://schemas.microsoft.com/office/drawing/2010/main" xmlns="" w="9525">
                   <a:solidFill>
                     <a:srgbClr val="000000"/>
                   </a:solidFill>
@@ -4451,7 +4445,7 @@
             </a:ln>
             <a:extLst>
               <a:ext uri="{91240B29-F687-4f45-9708-019B960494DF}">
-                <a14:hiddenLine xmlns="" xmlns:a14="http://schemas.microsoft.com/office/drawing/2010/main" w="9525">
+                <a14:hiddenLine xmlns:a14="http://schemas.microsoft.com/office/drawing/2010/main" xmlns="" w="9525">
                   <a:solidFill>
                     <a:srgbClr val="000000"/>
                   </a:solidFill>
@@ -4541,7 +4535,7 @@
             </a:ln>
             <a:extLst>
               <a:ext uri="{91240B29-F687-4f45-9708-019B960494DF}">
-                <a14:hiddenLine xmlns="" xmlns:a14="http://schemas.microsoft.com/office/drawing/2010/main" w="9525">
+                <a14:hiddenLine xmlns:a14="http://schemas.microsoft.com/office/drawing/2010/main" xmlns="" w="9525">
                   <a:solidFill>
                     <a:srgbClr val="000000"/>
                   </a:solidFill>
@@ -4631,7 +4625,7 @@
             </a:ln>
             <a:extLst>
               <a:ext uri="{91240B29-F687-4f45-9708-019B960494DF}">
-                <a14:hiddenLine xmlns="" xmlns:a14="http://schemas.microsoft.com/office/drawing/2010/main" w="9525">
+                <a14:hiddenLine xmlns:a14="http://schemas.microsoft.com/office/drawing/2010/main" xmlns="" w="9525">
                   <a:solidFill>
                     <a:srgbClr val="000000"/>
                   </a:solidFill>
@@ -4693,7 +4687,7 @@
             </a:ln>
             <a:extLst>
               <a:ext uri="{91240B29-F687-4f45-9708-019B960494DF}">
-                <a14:hiddenLine xmlns="" xmlns:a14="http://schemas.microsoft.com/office/drawing/2010/main" w="9525">
+                <a14:hiddenLine xmlns:a14="http://schemas.microsoft.com/office/drawing/2010/main" xmlns="" w="9525">
                   <a:solidFill>
                     <a:srgbClr val="000000"/>
                   </a:solidFill>
@@ -4813,7 +4807,7 @@
             </a:ln>
             <a:extLst>
               <a:ext uri="{91240B29-F687-4f45-9708-019B960494DF}">
-                <a14:hiddenLine xmlns="" xmlns:a14="http://schemas.microsoft.com/office/drawing/2010/main" w="9525">
+                <a14:hiddenLine xmlns:a14="http://schemas.microsoft.com/office/drawing/2010/main" xmlns="" w="9525">
                   <a:solidFill>
                     <a:srgbClr val="000000"/>
                   </a:solidFill>
@@ -4881,7 +4875,7 @@
             </a:ln>
             <a:extLst>
               <a:ext uri="{91240B29-F687-4f45-9708-019B960494DF}">
-                <a14:hiddenLine xmlns="" xmlns:a14="http://schemas.microsoft.com/office/drawing/2010/main" w="9525">
+                <a14:hiddenLine xmlns:a14="http://schemas.microsoft.com/office/drawing/2010/main" xmlns="" w="9525">
                   <a:solidFill>
                     <a:srgbClr val="000000"/>
                   </a:solidFill>
@@ -4971,7 +4965,7 @@
             </a:ln>
             <a:extLst>
               <a:ext uri="{91240B29-F687-4f45-9708-019B960494DF}">
-                <a14:hiddenLine xmlns="" xmlns:a14="http://schemas.microsoft.com/office/drawing/2010/main" w="9525">
+                <a14:hiddenLine xmlns:a14="http://schemas.microsoft.com/office/drawing/2010/main" xmlns="" w="9525">
                   <a:solidFill>
                     <a:srgbClr val="000000"/>
                   </a:solidFill>
@@ -5111,7 +5105,7 @@
           <a:p>
             <a:fld id="{48A87A34-81AB-432B-8DAE-1953F412C126}" type="datetimeFigureOut">
               <a:rPr lang="en-US" dirty="0"/>
-              <a:t>3/6/2017</a:t>
+              <a:t>3/7/2017</a:t>
             </a:fld>
             <a:endParaRPr lang="en-US" dirty="0"/>
           </a:p>
@@ -5373,7 +5367,7 @@
           <a:p>
             <a:fld id="{48A87A34-81AB-432B-8DAE-1953F412C126}" type="datetimeFigureOut">
               <a:rPr lang="en-US" dirty="0"/>
-              <a:t>3/6/2017</a:t>
+              <a:t>3/7/2017</a:t>
             </a:fld>
             <a:endParaRPr lang="en-US" dirty="0"/>
           </a:p>
@@ -5564,7 +5558,7 @@
           <a:p>
             <a:fld id="{48A87A34-81AB-432B-8DAE-1953F412C126}" type="datetimeFigureOut">
               <a:rPr lang="en-US" dirty="0"/>
-              <a:t>3/6/2017</a:t>
+              <a:t>3/7/2017</a:t>
             </a:fld>
             <a:endParaRPr lang="en-US" dirty="0"/>
           </a:p>
@@ -5822,7 +5816,7 @@
           <a:p>
             <a:fld id="{48A87A34-81AB-432B-8DAE-1953F412C126}" type="datetimeFigureOut">
               <a:rPr lang="en-US" dirty="0"/>
-              <a:t>3/6/2017</a:t>
+              <a:t>3/7/2017</a:t>
             </a:fld>
             <a:endParaRPr lang="en-US" dirty="0"/>
           </a:p>
@@ -6251,7 +6245,7 @@
           <a:p>
             <a:fld id="{48A87A34-81AB-432B-8DAE-1953F412C126}" type="datetimeFigureOut">
               <a:rPr lang="en-US" dirty="0"/>
-              <a:t>3/6/2017</a:t>
+              <a:t>3/7/2017</a:t>
             </a:fld>
             <a:endParaRPr lang="en-US" dirty="0"/>
           </a:p>
@@ -6792,7 +6786,7 @@
           <a:p>
             <a:fld id="{48A87A34-81AB-432B-8DAE-1953F412C126}" type="datetimeFigureOut">
               <a:rPr lang="en-US" dirty="0"/>
-              <a:t>3/6/2017</a:t>
+              <a:t>3/7/2017</a:t>
             </a:fld>
             <a:endParaRPr lang="en-US" dirty="0"/>
           </a:p>
@@ -7507,7 +7501,7 @@
           <a:p>
             <a:fld id="{48A87A34-81AB-432B-8DAE-1953F412C126}" type="datetimeFigureOut">
               <a:rPr lang="en-US" dirty="0"/>
-              <a:t>3/6/2017</a:t>
+              <a:t>3/7/2017</a:t>
             </a:fld>
             <a:endParaRPr lang="en-US" dirty="0"/>
           </a:p>
@@ -7672,7 +7666,7 @@
           <a:p>
             <a:fld id="{48A87A34-81AB-432B-8DAE-1953F412C126}" type="datetimeFigureOut">
               <a:rPr lang="en-US" dirty="0"/>
-              <a:t>3/6/2017</a:t>
+              <a:t>3/7/2017</a:t>
             </a:fld>
             <a:endParaRPr lang="en-US" dirty="0"/>
           </a:p>
@@ -7847,7 +7841,7 @@
           <a:p>
             <a:fld id="{48A87A34-81AB-432B-8DAE-1953F412C126}" type="datetimeFigureOut">
               <a:rPr lang="en-US" dirty="0"/>
-              <a:t>3/6/2017</a:t>
+              <a:t>3/7/2017</a:t>
             </a:fld>
             <a:endParaRPr lang="en-US" dirty="0"/>
           </a:p>
@@ -8012,7 +8006,7 @@
           <a:p>
             <a:fld id="{48A87A34-81AB-432B-8DAE-1953F412C126}" type="datetimeFigureOut">
               <a:rPr lang="en-US" dirty="0"/>
-              <a:t>3/6/2017</a:t>
+              <a:t>3/7/2017</a:t>
             </a:fld>
             <a:endParaRPr lang="en-US" dirty="0"/>
           </a:p>
@@ -8257,7 +8251,7 @@
           <a:p>
             <a:fld id="{48A87A34-81AB-432B-8DAE-1953F412C126}" type="datetimeFigureOut">
               <a:rPr lang="en-US" dirty="0"/>
-              <a:t>3/6/2017</a:t>
+              <a:t>3/7/2017</a:t>
             </a:fld>
             <a:endParaRPr lang="en-US" dirty="0"/>
           </a:p>
@@ -8484,7 +8478,7 @@
           <a:p>
             <a:fld id="{48A87A34-81AB-432B-8DAE-1953F412C126}" type="datetimeFigureOut">
               <a:rPr lang="en-US" dirty="0"/>
-              <a:t>3/6/2017</a:t>
+              <a:t>3/7/2017</a:t>
             </a:fld>
             <a:endParaRPr lang="en-US" dirty="0"/>
           </a:p>
@@ -8860,7 +8854,7 @@
           <a:p>
             <a:fld id="{48A87A34-81AB-432B-8DAE-1953F412C126}" type="datetimeFigureOut">
               <a:rPr lang="en-US" dirty="0"/>
-              <a:t>3/6/2017</a:t>
+              <a:t>3/7/2017</a:t>
             </a:fld>
             <a:endParaRPr lang="en-US" dirty="0"/>
           </a:p>
@@ -8973,7 +8967,7 @@
           <a:p>
             <a:fld id="{48A87A34-81AB-432B-8DAE-1953F412C126}" type="datetimeFigureOut">
               <a:rPr lang="en-US" dirty="0"/>
-              <a:t>3/6/2017</a:t>
+              <a:t>3/7/2017</a:t>
             </a:fld>
             <a:endParaRPr lang="en-US" dirty="0"/>
           </a:p>
@@ -9063,7 +9057,7 @@
           <a:p>
             <a:fld id="{48A87A34-81AB-432B-8DAE-1953F412C126}" type="datetimeFigureOut">
               <a:rPr lang="en-US" dirty="0"/>
-              <a:t>3/6/2017</a:t>
+              <a:t>3/7/2017</a:t>
             </a:fld>
             <a:endParaRPr lang="en-US" dirty="0"/>
           </a:p>
@@ -9307,7 +9301,7 @@
           <a:p>
             <a:fld id="{48A87A34-81AB-432B-8DAE-1953F412C126}" type="datetimeFigureOut">
               <a:rPr lang="en-US" dirty="0"/>
-              <a:t>3/6/2017</a:t>
+              <a:t>3/7/2017</a:t>
             </a:fld>
             <a:endParaRPr lang="en-US" dirty="0"/>
           </a:p>
@@ -9582,7 +9576,7 @@
           <a:p>
             <a:fld id="{48A87A34-81AB-432B-8DAE-1953F412C126}" type="datetimeFigureOut">
               <a:rPr lang="en-US" dirty="0"/>
-              <a:t>3/6/2017</a:t>
+              <a:t>3/7/2017</a:t>
             </a:fld>
             <a:endParaRPr lang="en-US" dirty="0"/>
           </a:p>
@@ -9693,7 +9687,7 @@
           <a:noFill/>
           <a:extLst>
             <a:ext uri="{909E8E84-426E-40dd-AFC4-6F175D3DCCD1}">
-              <a14:hiddenFill xmlns="" xmlns:a14="http://schemas.microsoft.com/office/drawing/2010/main">
+              <a14:hiddenFill xmlns:a14="http://schemas.microsoft.com/office/drawing/2010/main" xmlns="">
                 <a:solidFill>
                   <a:srgbClr val="FFFFFF"/>
                 </a:solidFill>
@@ -9767,7 +9761,7 @@
               </a:ln>
               <a:extLst>
                 <a:ext uri="{91240B29-F687-4f45-9708-019B960494DF}">
-                  <a14:hiddenLine xmlns="" xmlns:a14="http://schemas.microsoft.com/office/drawing/2010/main" w="9525">
+                  <a14:hiddenLine xmlns:a14="http://schemas.microsoft.com/office/drawing/2010/main" xmlns="" w="9525">
                     <a:solidFill>
                       <a:srgbClr val="000000"/>
                     </a:solidFill>
@@ -9857,7 +9851,7 @@
               </a:ln>
               <a:extLst>
                 <a:ext uri="{91240B29-F687-4f45-9708-019B960494DF}">
-                  <a14:hiddenLine xmlns="" xmlns:a14="http://schemas.microsoft.com/office/drawing/2010/main" w="9525">
+                  <a14:hiddenLine xmlns:a14="http://schemas.microsoft.com/office/drawing/2010/main" xmlns="" w="9525">
                     <a:solidFill>
                       <a:srgbClr val="000000"/>
                     </a:solidFill>
@@ -9947,7 +9941,7 @@
               </a:ln>
               <a:extLst>
                 <a:ext uri="{91240B29-F687-4f45-9708-019B960494DF}">
-                  <a14:hiddenLine xmlns="" xmlns:a14="http://schemas.microsoft.com/office/drawing/2010/main" w="9525">
+                  <a14:hiddenLine xmlns:a14="http://schemas.microsoft.com/office/drawing/2010/main" xmlns="" w="9525">
                     <a:solidFill>
                       <a:srgbClr val="000000"/>
                     </a:solidFill>
@@ -10009,7 +10003,7 @@
               </a:ln>
               <a:extLst>
                 <a:ext uri="{91240B29-F687-4f45-9708-019B960494DF}">
-                  <a14:hiddenLine xmlns="" xmlns:a14="http://schemas.microsoft.com/office/drawing/2010/main" w="9525">
+                  <a14:hiddenLine xmlns:a14="http://schemas.microsoft.com/office/drawing/2010/main" xmlns="" w="9525">
                     <a:solidFill>
                       <a:srgbClr val="000000"/>
                     </a:solidFill>
@@ -10099,7 +10093,7 @@
               </a:ln>
               <a:extLst>
                 <a:ext uri="{91240B29-F687-4f45-9708-019B960494DF}">
-                  <a14:hiddenLine xmlns="" xmlns:a14="http://schemas.microsoft.com/office/drawing/2010/main" w="9525">
+                  <a14:hiddenLine xmlns:a14="http://schemas.microsoft.com/office/drawing/2010/main" xmlns="" w="9525">
                     <a:solidFill>
                       <a:srgbClr val="000000"/>
                     </a:solidFill>
@@ -10161,7 +10155,7 @@
               </a:ln>
               <a:extLst>
                 <a:ext uri="{91240B29-F687-4f45-9708-019B960494DF}">
-                  <a14:hiddenLine xmlns="" xmlns:a14="http://schemas.microsoft.com/office/drawing/2010/main" w="9525">
+                  <a14:hiddenLine xmlns:a14="http://schemas.microsoft.com/office/drawing/2010/main" xmlns="" w="9525">
                     <a:solidFill>
                       <a:srgbClr val="000000"/>
                     </a:solidFill>
@@ -10223,7 +10217,7 @@
               </a:ln>
               <a:extLst>
                 <a:ext uri="{91240B29-F687-4f45-9708-019B960494DF}">
-                  <a14:hiddenLine xmlns="" xmlns:a14="http://schemas.microsoft.com/office/drawing/2010/main" w="9525">
+                  <a14:hiddenLine xmlns:a14="http://schemas.microsoft.com/office/drawing/2010/main" xmlns="" w="9525">
                     <a:solidFill>
                       <a:srgbClr val="000000"/>
                     </a:solidFill>
@@ -10313,7 +10307,7 @@
               </a:ln>
               <a:extLst>
                 <a:ext uri="{91240B29-F687-4f45-9708-019B960494DF}">
-                  <a14:hiddenLine xmlns="" xmlns:a14="http://schemas.microsoft.com/office/drawing/2010/main" w="9525">
+                  <a14:hiddenLine xmlns:a14="http://schemas.microsoft.com/office/drawing/2010/main" xmlns="" w="9525">
                     <a:solidFill>
                       <a:srgbClr val="000000"/>
                     </a:solidFill>
@@ -10403,7 +10397,7 @@
               </a:ln>
               <a:extLst>
                 <a:ext uri="{91240B29-F687-4f45-9708-019B960494DF}">
-                  <a14:hiddenLine xmlns="" xmlns:a14="http://schemas.microsoft.com/office/drawing/2010/main" w="9525">
+                  <a14:hiddenLine xmlns:a14="http://schemas.microsoft.com/office/drawing/2010/main" xmlns="" w="9525">
                     <a:solidFill>
                       <a:srgbClr val="000000"/>
                     </a:solidFill>
@@ -10465,7 +10459,7 @@
               </a:ln>
               <a:extLst>
                 <a:ext uri="{91240B29-F687-4f45-9708-019B960494DF}">
-                  <a14:hiddenLine xmlns="" xmlns:a14="http://schemas.microsoft.com/office/drawing/2010/main" w="9525">
+                  <a14:hiddenLine xmlns:a14="http://schemas.microsoft.com/office/drawing/2010/main" xmlns="" w="9525">
                     <a:solidFill>
                       <a:srgbClr val="000000"/>
                     </a:solidFill>
@@ -10575,7 +10569,7 @@
               </a:ln>
               <a:extLst>
                 <a:ext uri="{91240B29-F687-4f45-9708-019B960494DF}">
-                  <a14:hiddenLine xmlns="" xmlns:a14="http://schemas.microsoft.com/office/drawing/2010/main" w="9525">
+                  <a14:hiddenLine xmlns:a14="http://schemas.microsoft.com/office/drawing/2010/main" xmlns="" w="9525">
                     <a:solidFill>
                       <a:srgbClr val="000000"/>
                     </a:solidFill>
@@ -10659,7 +10653,7 @@
               </a:ln>
               <a:extLst>
                 <a:ext uri="{91240B29-F687-4f45-9708-019B960494DF}">
-                  <a14:hiddenLine xmlns="" xmlns:a14="http://schemas.microsoft.com/office/drawing/2010/main" w="9525">
+                  <a14:hiddenLine xmlns:a14="http://schemas.microsoft.com/office/drawing/2010/main" xmlns="" w="9525">
                     <a:solidFill>
                       <a:srgbClr val="000000"/>
                     </a:solidFill>
@@ -10721,7 +10715,7 @@
               </a:ln>
               <a:extLst>
                 <a:ext uri="{91240B29-F687-4f45-9708-019B960494DF}">
-                  <a14:hiddenLine xmlns="" xmlns:a14="http://schemas.microsoft.com/office/drawing/2010/main" w="9525">
+                  <a14:hiddenLine xmlns:a14="http://schemas.microsoft.com/office/drawing/2010/main" xmlns="" w="9525">
                     <a:solidFill>
                       <a:srgbClr val="000000"/>
                     </a:solidFill>
@@ -10783,7 +10777,7 @@
               </a:ln>
               <a:extLst>
                 <a:ext uri="{91240B29-F687-4f45-9708-019B960494DF}">
-                  <a14:hiddenLine xmlns="" xmlns:a14="http://schemas.microsoft.com/office/drawing/2010/main" w="9525">
+                  <a14:hiddenLine xmlns:a14="http://schemas.microsoft.com/office/drawing/2010/main" xmlns="" w="9525">
                     <a:solidFill>
                       <a:srgbClr val="000000"/>
                     </a:solidFill>
@@ -10873,7 +10867,7 @@
               </a:ln>
               <a:extLst>
                 <a:ext uri="{91240B29-F687-4f45-9708-019B960494DF}">
-                  <a14:hiddenLine xmlns="" xmlns:a14="http://schemas.microsoft.com/office/drawing/2010/main" w="9525">
+                  <a14:hiddenLine xmlns:a14="http://schemas.microsoft.com/office/drawing/2010/main" xmlns="" w="9525">
                     <a:solidFill>
                       <a:srgbClr val="000000"/>
                     </a:solidFill>
@@ -10907,7 +10901,7 @@
               </a:ln>
               <a:extLst>
                 <a:ext uri="{91240B29-F687-4f45-9708-019B960494DF}">
-                  <a14:hiddenLine xmlns="" xmlns:a14="http://schemas.microsoft.com/office/drawing/2010/main" w="9525">
+                  <a14:hiddenLine xmlns:a14="http://schemas.microsoft.com/office/drawing/2010/main" xmlns="" w="9525">
                     <a:solidFill>
                       <a:srgbClr val="000000"/>
                     </a:solidFill>
@@ -10972,7 +10966,7 @@
               </a:ln>
               <a:extLst>
                 <a:ext uri="{91240B29-F687-4f45-9708-019B960494DF}">
-                  <a14:hiddenLine xmlns="" xmlns:a14="http://schemas.microsoft.com/office/drawing/2010/main" w="9525">
+                  <a14:hiddenLine xmlns:a14="http://schemas.microsoft.com/office/drawing/2010/main" xmlns="" w="9525">
                     <a:solidFill>
                       <a:srgbClr val="000000"/>
                     </a:solidFill>
@@ -11062,7 +11056,7 @@
               </a:ln>
               <a:extLst>
                 <a:ext uri="{91240B29-F687-4f45-9708-019B960494DF}">
-                  <a14:hiddenLine xmlns="" xmlns:a14="http://schemas.microsoft.com/office/drawing/2010/main" w="9525">
+                  <a14:hiddenLine xmlns:a14="http://schemas.microsoft.com/office/drawing/2010/main" xmlns="" w="9525">
                     <a:solidFill>
                       <a:srgbClr val="000000"/>
                     </a:solidFill>
@@ -11124,7 +11118,7 @@
               </a:ln>
               <a:extLst>
                 <a:ext uri="{91240B29-F687-4f45-9708-019B960494DF}">
-                  <a14:hiddenLine xmlns="" xmlns:a14="http://schemas.microsoft.com/office/drawing/2010/main" w="9525">
+                  <a14:hiddenLine xmlns:a14="http://schemas.microsoft.com/office/drawing/2010/main" xmlns="" w="9525">
                     <a:solidFill>
                       <a:srgbClr val="000000"/>
                     </a:solidFill>
@@ -11214,7 +11208,7 @@
               </a:ln>
               <a:extLst>
                 <a:ext uri="{91240B29-F687-4f45-9708-019B960494DF}">
-                  <a14:hiddenLine xmlns="" xmlns:a14="http://schemas.microsoft.com/office/drawing/2010/main" w="9525">
+                  <a14:hiddenLine xmlns:a14="http://schemas.microsoft.com/office/drawing/2010/main" xmlns="" w="9525">
                     <a:solidFill>
                       <a:srgbClr val="000000"/>
                     </a:solidFill>
@@ -11279,7 +11273,7 @@
               </a:ln>
               <a:extLst>
                 <a:ext uri="{91240B29-F687-4f45-9708-019B960494DF}">
-                  <a14:hiddenLine xmlns="" xmlns:a14="http://schemas.microsoft.com/office/drawing/2010/main" w="9525">
+                  <a14:hiddenLine xmlns:a14="http://schemas.microsoft.com/office/drawing/2010/main" xmlns="" w="9525">
                     <a:solidFill>
                       <a:srgbClr val="000000"/>
                     </a:solidFill>
@@ -11341,7 +11335,7 @@
               </a:ln>
               <a:extLst>
                 <a:ext uri="{91240B29-F687-4f45-9708-019B960494DF}">
-                  <a14:hiddenLine xmlns="" xmlns:a14="http://schemas.microsoft.com/office/drawing/2010/main" w="9525">
+                  <a14:hiddenLine xmlns:a14="http://schemas.microsoft.com/office/drawing/2010/main" xmlns="" w="9525">
                     <a:solidFill>
                       <a:srgbClr val="000000"/>
                     </a:solidFill>
@@ -11431,7 +11425,7 @@
               </a:ln>
               <a:extLst>
                 <a:ext uri="{91240B29-F687-4f45-9708-019B960494DF}">
-                  <a14:hiddenLine xmlns="" xmlns:a14="http://schemas.microsoft.com/office/drawing/2010/main" w="9525">
+                  <a14:hiddenLine xmlns:a14="http://schemas.microsoft.com/office/drawing/2010/main" xmlns="" w="9525">
                     <a:solidFill>
                       <a:srgbClr val="000000"/>
                     </a:solidFill>
@@ -11521,7 +11515,7 @@
               </a:ln>
               <a:extLst>
                 <a:ext uri="{91240B29-F687-4f45-9708-019B960494DF}">
-                  <a14:hiddenLine xmlns="" xmlns:a14="http://schemas.microsoft.com/office/drawing/2010/main" w="9525">
+                  <a14:hiddenLine xmlns:a14="http://schemas.microsoft.com/office/drawing/2010/main" xmlns="" w="9525">
                     <a:solidFill>
                       <a:srgbClr val="000000"/>
                     </a:solidFill>
@@ -11586,7 +11580,7 @@
               </a:ln>
               <a:extLst>
                 <a:ext uri="{91240B29-F687-4f45-9708-019B960494DF}">
-                  <a14:hiddenLine xmlns="" xmlns:a14="http://schemas.microsoft.com/office/drawing/2010/main" w="9525">
+                  <a14:hiddenLine xmlns:a14="http://schemas.microsoft.com/office/drawing/2010/main" xmlns="" w="9525">
                     <a:solidFill>
                       <a:srgbClr val="000000"/>
                     </a:solidFill>
@@ -11706,7 +11700,7 @@
               </a:ln>
               <a:extLst>
                 <a:ext uri="{91240B29-F687-4f45-9708-019B960494DF}">
-                  <a14:hiddenLine xmlns="" xmlns:a14="http://schemas.microsoft.com/office/drawing/2010/main" w="9525">
+                  <a14:hiddenLine xmlns:a14="http://schemas.microsoft.com/office/drawing/2010/main" xmlns="" w="9525">
                     <a:solidFill>
                       <a:srgbClr val="000000"/>
                     </a:solidFill>
@@ -11804,7 +11798,7 @@
               </a:ln>
               <a:extLst>
                 <a:ext uri="{91240B29-F687-4f45-9708-019B960494DF}">
-                  <a14:hiddenLine xmlns="" xmlns:a14="http://schemas.microsoft.com/office/drawing/2010/main" w="9525">
+                  <a14:hiddenLine xmlns:a14="http://schemas.microsoft.com/office/drawing/2010/main" xmlns="" w="9525">
                     <a:solidFill>
                       <a:srgbClr val="000000"/>
                     </a:solidFill>
@@ -11919,7 +11913,7 @@
               </a:ln>
               <a:extLst>
                 <a:ext uri="{91240B29-F687-4f45-9708-019B960494DF}">
-                  <a14:hiddenLine xmlns="" xmlns:a14="http://schemas.microsoft.com/office/drawing/2010/main" w="9525">
+                  <a14:hiddenLine xmlns:a14="http://schemas.microsoft.com/office/drawing/2010/main" xmlns="" w="9525">
                     <a:solidFill>
                       <a:srgbClr val="000000"/>
                     </a:solidFill>
@@ -12009,7 +12003,7 @@
               </a:ln>
               <a:extLst>
                 <a:ext uri="{91240B29-F687-4f45-9708-019B960494DF}">
-                  <a14:hiddenLine xmlns="" xmlns:a14="http://schemas.microsoft.com/office/drawing/2010/main" w="9525">
+                  <a14:hiddenLine xmlns:a14="http://schemas.microsoft.com/office/drawing/2010/main" xmlns="" w="9525">
                     <a:solidFill>
                       <a:srgbClr val="000000"/>
                     </a:solidFill>
@@ -12074,7 +12068,7 @@
               </a:ln>
               <a:extLst>
                 <a:ext uri="{91240B29-F687-4f45-9708-019B960494DF}">
-                  <a14:hiddenLine xmlns="" xmlns:a14="http://schemas.microsoft.com/office/drawing/2010/main" w="9525">
+                  <a14:hiddenLine xmlns:a14="http://schemas.microsoft.com/office/drawing/2010/main" xmlns="" w="9525">
                     <a:solidFill>
                       <a:srgbClr val="000000"/>
                     </a:solidFill>
@@ -12164,7 +12158,7 @@
               </a:ln>
               <a:extLst>
                 <a:ext uri="{91240B29-F687-4f45-9708-019B960494DF}">
-                  <a14:hiddenLine xmlns="" xmlns:a14="http://schemas.microsoft.com/office/drawing/2010/main" w="9525">
+                  <a14:hiddenLine xmlns:a14="http://schemas.microsoft.com/office/drawing/2010/main" xmlns="" w="9525">
                     <a:solidFill>
                       <a:srgbClr val="000000"/>
                     </a:solidFill>
@@ -12232,7 +12226,7 @@
               </a:ln>
               <a:extLst>
                 <a:ext uri="{91240B29-F687-4f45-9708-019B960494DF}">
-                  <a14:hiddenLine xmlns="" xmlns:a14="http://schemas.microsoft.com/office/drawing/2010/main" w="9525">
+                  <a14:hiddenLine xmlns:a14="http://schemas.microsoft.com/office/drawing/2010/main" xmlns="" w="9525">
                     <a:solidFill>
                       <a:srgbClr val="000000"/>
                     </a:solidFill>
@@ -12322,7 +12316,7 @@
               </a:ln>
               <a:extLst>
                 <a:ext uri="{91240B29-F687-4f45-9708-019B960494DF}">
-                  <a14:hiddenLine xmlns="" xmlns:a14="http://schemas.microsoft.com/office/drawing/2010/main" w="9525">
+                  <a14:hiddenLine xmlns:a14="http://schemas.microsoft.com/office/drawing/2010/main" xmlns="" w="9525">
                     <a:solidFill>
                       <a:srgbClr val="000000"/>
                     </a:solidFill>
@@ -12390,7 +12384,7 @@
               </a:ln>
               <a:extLst>
                 <a:ext uri="{91240B29-F687-4f45-9708-019B960494DF}">
-                  <a14:hiddenLine xmlns="" xmlns:a14="http://schemas.microsoft.com/office/drawing/2010/main" w="9525">
+                  <a14:hiddenLine xmlns:a14="http://schemas.microsoft.com/office/drawing/2010/main" xmlns="" w="9525">
                     <a:solidFill>
                       <a:srgbClr val="000000"/>
                     </a:solidFill>
@@ -12480,7 +12474,7 @@
               </a:ln>
               <a:extLst>
                 <a:ext uri="{91240B29-F687-4f45-9708-019B960494DF}">
-                  <a14:hiddenLine xmlns="" xmlns:a14="http://schemas.microsoft.com/office/drawing/2010/main" w="9525">
+                  <a14:hiddenLine xmlns:a14="http://schemas.microsoft.com/office/drawing/2010/main" xmlns="" w="9525">
                     <a:solidFill>
                       <a:srgbClr val="000000"/>
                     </a:solidFill>
@@ -12514,7 +12508,7 @@
               </a:ln>
               <a:extLst>
                 <a:ext uri="{91240B29-F687-4f45-9708-019B960494DF}">
-                  <a14:hiddenLine xmlns="" xmlns:a14="http://schemas.microsoft.com/office/drawing/2010/main" w="9525">
+                  <a14:hiddenLine xmlns:a14="http://schemas.microsoft.com/office/drawing/2010/main" xmlns="" w="9525">
                     <a:solidFill>
                       <a:srgbClr val="000000"/>
                     </a:solidFill>
@@ -12655,7 +12649,7 @@
             <a:fld id="{48A87A34-81AB-432B-8DAE-1953F412C126}" type="datetimeFigureOut">
               <a:rPr lang="en-US" dirty="0"/>
               <a:pPr/>
-              <a:t>3/6/2017</a:t>
+              <a:t>3/7/2017</a:t>
             </a:fld>
             <a:endParaRPr lang="en-US" dirty="0"/>
           </a:p>
@@ -13270,7 +13264,7 @@
         <p:spPr/>
         <p:txBody>
           <a:bodyPr>
-            <a:normAutofit fontScale="92500" lnSpcReduction="20000"/>
+            <a:normAutofit fontScale="85000" lnSpcReduction="10000"/>
           </a:bodyPr>
           <a:lstStyle/>
           <a:p>
@@ -13332,6 +13326,23 @@
                 <a:hlinkClick r:id="rId4"/>
               </a:rPr>
               <a:t>https://github.com/brskl/Ra</a:t>
+            </a:r>
+            <a:endParaRPr lang="en-US" dirty="0"/>
+          </a:p>
+          <a:p>
+            <a:r>
+              <a:rPr lang="en-US" dirty="0"/>
+              <a:t>Video presentation: </a:t>
+            </a:r>
+            <a:r>
+              <a:rPr lang="en-US" dirty="0">
+                <a:hlinkClick r:id="rId5"/>
+              </a:rPr>
+              <a:t>https://youtu.be/n_CXcqok1U0</a:t>
+            </a:r>
+            <a:r>
+              <a:rPr lang="en-US" dirty="0"/>
+              <a:t> </a:t>
             </a:r>
             <a:endParaRPr lang="en-US" dirty="0"/>
           </a:p>
@@ -13813,7 +13824,6 @@
               <a:rPr lang="en-US"/>
               <a:t>V0.2</a:t>
             </a:r>
-            <a:endParaRPr lang="en-US"/>
           </a:p>
         </p:txBody>
       </p:sp>
@@ -13901,11 +13911,101 @@
         <p:spPr/>
         <p:txBody>
           <a:bodyPr>
-            <a:normAutofit/>
+            <a:normAutofit fontScale="85000" lnSpcReduction="20000"/>
           </a:bodyPr>
           <a:lstStyle/>
           <a:p>
+            <a:r>
+              <a:rPr lang="en-US" dirty="0"/>
+              <a:t>String resources: Plural, multiple languages</a:t>
+            </a:r>
+          </a:p>
+          <a:p>
+            <a:r>
+              <a:rPr lang="en-US" dirty="0"/>
+              <a:t>New launcher icon w/ multiple resolutions</a:t>
+            </a:r>
+          </a:p>
+          <a:p>
+            <a:r>
+              <a:rPr lang="en-US" i="1" dirty="0"/>
+              <a:t>Animation</a:t>
+            </a:r>
+            <a:r>
+              <a:rPr lang="en-US" dirty="0"/>
+              <a:t> class used on start-up activity</a:t>
+            </a:r>
+          </a:p>
+          <a:p>
+            <a:r>
+              <a:rPr lang="en-US" dirty="0"/>
+              <a:t>Multiple Layouts: portrait vs. landscape</a:t>
+            </a:r>
+          </a:p>
+          <a:p>
+            <a:r>
+              <a:rPr lang="en-US" dirty="0"/>
+              <a:t>‘Up’ navigation</a:t>
+            </a:r>
+          </a:p>
+          <a:p>
+            <a:r>
+              <a:rPr lang="en-US" dirty="0"/>
+              <a:t>Graphical images in </a:t>
+            </a:r>
+            <a:r>
+              <a:rPr lang="en-US" dirty="0" err="1"/>
+              <a:t>GameActivity</a:t>
+            </a:r>
+            <a:r>
+              <a:rPr lang="en-US" dirty="0"/>
+              <a:t>, </a:t>
+            </a:r>
+            <a:r>
+              <a:rPr lang="en-US" dirty="0" err="1"/>
+              <a:t>ScoreActivity</a:t>
+            </a:r>
+            <a:r>
+              <a:rPr lang="en-US" dirty="0"/>
+              <a:t>, </a:t>
+            </a:r>
+            <a:r>
+              <a:rPr lang="en-US" dirty="0" err="1"/>
+              <a:t>TilesActivity</a:t>
+            </a:r>
             <a:endParaRPr lang="en-US" dirty="0"/>
+          </a:p>
+          <a:p>
+            <a:r>
+              <a:rPr lang="en-US" dirty="0"/>
+              <a:t>Saving of game state in internal file </a:t>
+            </a:r>
+          </a:p>
+          <a:p>
+            <a:r>
+              <a:rPr lang="en-US" dirty="0" err="1"/>
+              <a:t>SunImageView</a:t>
+            </a:r>
+            <a:r>
+              <a:rPr lang="en-US" dirty="0"/>
+              <a:t> subclass of </a:t>
+            </a:r>
+            <a:r>
+              <a:rPr lang="en-US" i="1" dirty="0" err="1"/>
+              <a:t>ImageView</a:t>
+            </a:r>
+            <a:r>
+              <a:rPr lang="en-US" dirty="0"/>
+              <a:t> w/ </a:t>
+            </a:r>
+            <a:r>
+              <a:rPr lang="en-US" i="1" dirty="0" err="1"/>
+              <a:t>onDraw</a:t>
+            </a:r>
+            <a:r>
+              <a:rPr lang="en-US" dirty="0"/>
+              <a:t> to do text numbers over sun-tile graphic</a:t>
+            </a:r>
           </a:p>
         </p:txBody>
       </p:sp>

--- a/doc/Project Presentation - Ra 2017-03.pptx
+++ b/doc/Project Presentation - Ra 2017-03.pptx
@@ -14073,8 +14073,41 @@
         </p:nvSpPr>
         <p:spPr/>
         <p:txBody>
-          <a:bodyPr/>
+          <a:bodyPr>
+            <a:normAutofit fontScale="92500" lnSpcReduction="10000"/>
+          </a:bodyPr>
           <a:lstStyle/>
+          <a:p>
+            <a:r>
+              <a:rPr lang="en-US" dirty="0"/>
+              <a:t>Still difficult to represent all information on limited screen space of a </a:t>
+            </a:r>
+            <a:r>
+              <a:rPr lang="en-US" dirty="0" err="1"/>
+              <a:t>SmartPhone</a:t>
+            </a:r>
+            <a:r>
+              <a:rPr lang="en-US" dirty="0"/>
+              <a:t> device. The iOS does a good job on a table and the desktop version also works very well</a:t>
+            </a:r>
+          </a:p>
+          <a:p>
+            <a:r>
+              <a:rPr lang="en-US" dirty="0"/>
+              <a:t>Uncertain how to communicate between devices for multi-device game. There are various services that provide game matchmaking and game hosting but insufficient time to investigate</a:t>
+            </a:r>
+          </a:p>
+          <a:p>
+            <a:r>
+              <a:rPr lang="en-US" dirty="0"/>
+              <a:t>Current graphical representation helps with theme but need better artwork at various resolutions and some animation to make UI </a:t>
+            </a:r>
+            <a:r>
+              <a:rPr lang="en-US"/>
+              <a:t>more friendly and game-like</a:t>
+            </a:r>
+            <a:endParaRPr lang="en-US" dirty="0"/>
+          </a:p>
           <a:p>
             <a:endParaRPr lang="en-US" dirty="0"/>
           </a:p>

--- a/doc/Project Presentation - Ra 2017-03.pptx
+++ b/doc/Project Presentation - Ra 2017-03.pptx
@@ -13191,9 +13191,67 @@
         <p:spPr/>
         <p:txBody>
           <a:bodyPr>
-            <a:normAutofit/>
+            <a:normAutofit fontScale="92500" lnSpcReduction="20000"/>
           </a:bodyPr>
           <a:lstStyle/>
+          <a:p>
+            <a:r>
+              <a:rPr lang="en-US" dirty="0"/>
+              <a:t>Write reasonable AI players</a:t>
+            </a:r>
+          </a:p>
+          <a:p>
+            <a:r>
+              <a:rPr lang="en-US" dirty="0"/>
+              <a:t>Improve graphical representations in both static images and animation of ‘game pieces’</a:t>
+            </a:r>
+          </a:p>
+          <a:p>
+            <a:r>
+              <a:rPr lang="en-US" dirty="0"/>
+              <a:t>Add settings/preferences activity/dialog</a:t>
+            </a:r>
+          </a:p>
+          <a:p>
+            <a:r>
+              <a:rPr lang="en-US" dirty="0"/>
+              <a:t>Add networking with other devices for multiple human players</a:t>
+            </a:r>
+          </a:p>
+          <a:p>
+            <a:pPr lvl="1"/>
+            <a:r>
+              <a:rPr lang="en-US" dirty="0"/>
+              <a:t>Add matchmaking</a:t>
+            </a:r>
+          </a:p>
+          <a:p>
+            <a:r>
+              <a:rPr lang="en-US" dirty="0"/>
+              <a:t>Move </a:t>
+            </a:r>
+            <a:r>
+              <a:rPr lang="en-US" dirty="0" err="1"/>
+              <a:t>ScoreActivity</a:t>
+            </a:r>
+            <a:r>
+              <a:rPr lang="en-US" dirty="0"/>
+              <a:t> and </a:t>
+            </a:r>
+            <a:r>
+              <a:rPr lang="en-US" dirty="0" err="1"/>
+              <a:t>TilesActivity</a:t>
+            </a:r>
+            <a:r>
+              <a:rPr lang="en-US" dirty="0"/>
+              <a:t> into fragments and on laptop devices display as part of </a:t>
+            </a:r>
+            <a:r>
+              <a:rPr lang="en-US"/>
+              <a:t>GameActivity</a:t>
+            </a:r>
+            <a:endParaRPr lang="en-US" dirty="0"/>
+          </a:p>
           <a:p>
             <a:endParaRPr lang="en-US" dirty="0"/>
           </a:p>
@@ -14100,13 +14158,8 @@
           <a:p>
             <a:r>
               <a:rPr lang="en-US" dirty="0"/>
-              <a:t>Current graphical representation helps with theme but need better artwork at various resolutions and some animation to make UI </a:t>
-            </a:r>
-            <a:r>
-              <a:rPr lang="en-US"/>
-              <a:t>more friendly and game-like</a:t>
-            </a:r>
-            <a:endParaRPr lang="en-US" dirty="0"/>
+              <a:t>Current graphical representation helps with theme but need better artwork at various resolutions and some animation to make UI more friendly and game-like</a:t>
+            </a:r>
           </a:p>
           <a:p>
             <a:endParaRPr lang="en-US" dirty="0"/>

--- a/doc/Project Presentation - Ra 2017-03.pptx
+++ b/doc/Project Presentation - Ra 2017-03.pptx
@@ -5,7 +5,7 @@
     <p:sldMasterId id="2147483648" r:id="rId1"/>
   </p:sldMasterIdLst>
   <p:notesMasterIdLst>
-    <p:notesMasterId r:id="rId12"/>
+    <p:notesMasterId r:id="rId13"/>
   </p:notesMasterIdLst>
   <p:sldIdLst>
     <p:sldId id="256" r:id="rId2"/>
@@ -15,9 +15,10 @@
     <p:sldId id="267" r:id="rId6"/>
     <p:sldId id="269" r:id="rId7"/>
     <p:sldId id="270" r:id="rId8"/>
-    <p:sldId id="264" r:id="rId9"/>
-    <p:sldId id="266" r:id="rId10"/>
-    <p:sldId id="265" r:id="rId11"/>
+    <p:sldId id="271" r:id="rId9"/>
+    <p:sldId id="264" r:id="rId10"/>
+    <p:sldId id="266" r:id="rId11"/>
+    <p:sldId id="265" r:id="rId12"/>
   </p:sldIdLst>
   <p:sldSz cx="12192000" cy="6858000"/>
   <p:notesSz cx="6858000" cy="9144000"/>
@@ -13171,6 +13172,105 @@
           <a:lstStyle/>
           <a:p>
             <a:r>
+              <a:rPr lang="en-US" dirty="0"/>
+              <a:t>Issues</a:t>
+            </a:r>
+          </a:p>
+        </p:txBody>
+      </p:sp>
+      <p:sp>
+        <p:nvSpPr>
+          <p:cNvPr id="3" name="Content Placeholder 2"/>
+          <p:cNvSpPr>
+            <a:spLocks noGrp="1"/>
+          </p:cNvSpPr>
+          <p:nvPr>
+            <p:ph idx="1"/>
+          </p:nvPr>
+        </p:nvSpPr>
+        <p:spPr/>
+        <p:txBody>
+          <a:bodyPr>
+            <a:normAutofit fontScale="92500" lnSpcReduction="10000"/>
+          </a:bodyPr>
+          <a:lstStyle/>
+          <a:p>
+            <a:r>
+              <a:rPr lang="en-US" dirty="0"/>
+              <a:t>Still difficult to represent all information on limited screen space of a </a:t>
+            </a:r>
+            <a:r>
+              <a:rPr lang="en-US" dirty="0" err="1"/>
+              <a:t>SmartPhone</a:t>
+            </a:r>
+            <a:r>
+              <a:rPr lang="en-US" dirty="0"/>
+              <a:t> device. The iOS does a good job on a table and the desktop version also works very well</a:t>
+            </a:r>
+          </a:p>
+          <a:p>
+            <a:r>
+              <a:rPr lang="en-US" dirty="0"/>
+              <a:t>Uncertain how to communicate between devices for multi-device game. There are various services that provide game matchmaking and game hosting but insufficient time to investigate</a:t>
+            </a:r>
+          </a:p>
+          <a:p>
+            <a:r>
+              <a:rPr lang="en-US" dirty="0"/>
+              <a:t>Current graphical representation helps with theme but need better artwork at various resolutions and some animation to make UI more friendly and game-like</a:t>
+            </a:r>
+          </a:p>
+          <a:p>
+            <a:endParaRPr lang="en-US" dirty="0"/>
+          </a:p>
+        </p:txBody>
+      </p:sp>
+    </p:spTree>
+    <p:extLst>
+      <p:ext uri="{BB962C8B-B14F-4D97-AF65-F5344CB8AC3E}">
+        <p14:creationId xmlns:p14="http://schemas.microsoft.com/office/powerpoint/2010/main" val="1911629369"/>
+      </p:ext>
+    </p:extLst>
+  </p:cSld>
+  <p:clrMapOvr>
+    <a:masterClrMapping/>
+  </p:clrMapOvr>
+</p:sld>
+</file>
+
+<file path=ppt/slides/slide11.xml><?xml version="1.0" encoding="utf-8"?>
+<p:sld xmlns:a="http://schemas.openxmlformats.org/drawingml/2006/main" xmlns:r="http://schemas.openxmlformats.org/officeDocument/2006/relationships" xmlns:p="http://schemas.openxmlformats.org/presentationml/2006/main">
+  <p:cSld>
+    <p:spTree>
+      <p:nvGrpSpPr>
+        <p:cNvPr id="1" name=""/>
+        <p:cNvGrpSpPr/>
+        <p:nvPr/>
+      </p:nvGrpSpPr>
+      <p:grpSpPr>
+        <a:xfrm>
+          <a:off x="0" y="0"/>
+          <a:ext cx="0" cy="0"/>
+          <a:chOff x="0" y="0"/>
+          <a:chExt cx="0" cy="0"/>
+        </a:xfrm>
+      </p:grpSpPr>
+      <p:sp>
+        <p:nvSpPr>
+          <p:cNvPr id="2" name="Title 1"/>
+          <p:cNvSpPr>
+            <a:spLocks noGrp="1"/>
+          </p:cNvSpPr>
+          <p:nvPr>
+            <p:ph type="title"/>
+          </p:nvPr>
+        </p:nvSpPr>
+        <p:spPr/>
+        <p:txBody>
+          <a:bodyPr/>
+          <a:lstStyle/>
+          <a:p>
+            <a:r>
               <a:rPr lang="en-US" dirty="0" err="1"/>
               <a:t>ToDo</a:t>
             </a:r>
@@ -13247,7 +13347,7 @@
               <a:t> into fragments and on laptop devices display as part of </a:t>
             </a:r>
             <a:r>
-              <a:rPr lang="en-US"/>
+              <a:rPr lang="en-US" dirty="0" err="1"/>
               <a:t>GameActivity</a:t>
             </a:r>
             <a:endParaRPr lang="en-US" dirty="0"/>
@@ -13879,7 +13979,7 @@
           <a:lstStyle/>
           <a:p>
             <a:r>
-              <a:rPr lang="en-US"/>
+              <a:rPr lang="en-US" dirty="0"/>
               <a:t>V0.2</a:t>
             </a:r>
           </a:p>
@@ -13900,7 +14000,7 @@
           <a:bodyPr/>
           <a:lstStyle/>
           <a:p>
-            <a:endParaRPr lang="en-US"/>
+            <a:endParaRPr lang="en-US" dirty="0"/>
           </a:p>
         </p:txBody>
       </p:sp>
@@ -13949,10 +14049,7 @@
           <a:bodyPr/>
           <a:lstStyle/>
           <a:p>
-            <a:r>
-              <a:rPr lang="en-US" dirty="0"/>
-              <a:t>features used</a:t>
-            </a:r>
+            <a:endParaRPr lang="en-US"/>
           </a:p>
         </p:txBody>
       </p:sp>
@@ -13968,109 +14065,17 @@
         </p:nvSpPr>
         <p:spPr/>
         <p:txBody>
-          <a:bodyPr>
-            <a:normAutofit fontScale="85000" lnSpcReduction="20000"/>
-          </a:bodyPr>
+          <a:bodyPr/>
           <a:lstStyle/>
           <a:p>
-            <a:r>
-              <a:rPr lang="en-US" dirty="0"/>
-              <a:t>String resources: Plural, multiple languages</a:t>
-            </a:r>
-          </a:p>
-          <a:p>
-            <a:r>
-              <a:rPr lang="en-US" dirty="0"/>
-              <a:t>New launcher icon w/ multiple resolutions</a:t>
-            </a:r>
-          </a:p>
-          <a:p>
-            <a:r>
-              <a:rPr lang="en-US" i="1" dirty="0"/>
-              <a:t>Animation</a:t>
-            </a:r>
-            <a:r>
-              <a:rPr lang="en-US" dirty="0"/>
-              <a:t> class used on start-up activity</a:t>
-            </a:r>
-          </a:p>
-          <a:p>
-            <a:r>
-              <a:rPr lang="en-US" dirty="0"/>
-              <a:t>Multiple Layouts: portrait vs. landscape</a:t>
-            </a:r>
-          </a:p>
-          <a:p>
-            <a:r>
-              <a:rPr lang="en-US" dirty="0"/>
-              <a:t>‘Up’ navigation</a:t>
-            </a:r>
-          </a:p>
-          <a:p>
-            <a:r>
-              <a:rPr lang="en-US" dirty="0"/>
-              <a:t>Graphical images in </a:t>
-            </a:r>
-            <a:r>
-              <a:rPr lang="en-US" dirty="0" err="1"/>
-              <a:t>GameActivity</a:t>
-            </a:r>
-            <a:r>
-              <a:rPr lang="en-US" dirty="0"/>
-              <a:t>, </a:t>
-            </a:r>
-            <a:r>
-              <a:rPr lang="en-US" dirty="0" err="1"/>
-              <a:t>ScoreActivity</a:t>
-            </a:r>
-            <a:r>
-              <a:rPr lang="en-US" dirty="0"/>
-              <a:t>, </a:t>
-            </a:r>
-            <a:r>
-              <a:rPr lang="en-US" dirty="0" err="1"/>
-              <a:t>TilesActivity</a:t>
-            </a:r>
-            <a:endParaRPr lang="en-US" dirty="0"/>
-          </a:p>
-          <a:p>
-            <a:r>
-              <a:rPr lang="en-US" dirty="0"/>
-              <a:t>Saving of game state in internal file </a:t>
-            </a:r>
-          </a:p>
-          <a:p>
-            <a:r>
-              <a:rPr lang="en-US" dirty="0" err="1"/>
-              <a:t>SunImageView</a:t>
-            </a:r>
-            <a:r>
-              <a:rPr lang="en-US" dirty="0"/>
-              <a:t> subclass of </a:t>
-            </a:r>
-            <a:r>
-              <a:rPr lang="en-US" i="1" dirty="0" err="1"/>
-              <a:t>ImageView</a:t>
-            </a:r>
-            <a:r>
-              <a:rPr lang="en-US" dirty="0"/>
-              <a:t> w/ </a:t>
-            </a:r>
-            <a:r>
-              <a:rPr lang="en-US" i="1" dirty="0" err="1"/>
-              <a:t>onDraw</a:t>
-            </a:r>
-            <a:r>
-              <a:rPr lang="en-US" dirty="0"/>
-              <a:t> to do text numbers over sun-tile graphic</a:t>
-            </a:r>
+            <a:endParaRPr lang="en-US"/>
           </a:p>
         </p:txBody>
       </p:sp>
     </p:spTree>
     <p:extLst>
       <p:ext uri="{BB962C8B-B14F-4D97-AF65-F5344CB8AC3E}">
-        <p14:creationId xmlns:p14="http://schemas.microsoft.com/office/powerpoint/2010/main" val="628014625"/>
+        <p14:creationId xmlns:p14="http://schemas.microsoft.com/office/powerpoint/2010/main" val="2841067556"/>
       </p:ext>
     </p:extLst>
   </p:cSld>
@@ -14114,7 +14119,7 @@
           <a:p>
             <a:r>
               <a:rPr lang="en-US" dirty="0"/>
-              <a:t>Issues</a:t>
+              <a:t>features used</a:t>
             </a:r>
           </a:p>
         </p:txBody>
@@ -14132,44 +14137,108 @@
         <p:spPr/>
         <p:txBody>
           <a:bodyPr>
-            <a:normAutofit fontScale="92500" lnSpcReduction="10000"/>
+            <a:normAutofit fontScale="85000" lnSpcReduction="20000"/>
           </a:bodyPr>
           <a:lstStyle/>
           <a:p>
             <a:r>
               <a:rPr lang="en-US" dirty="0"/>
-              <a:t>Still difficult to represent all information on limited screen space of a </a:t>
+              <a:t>String resources: Plural, multiple languages</a:t>
+            </a:r>
+          </a:p>
+          <a:p>
+            <a:r>
+              <a:rPr lang="en-US" dirty="0"/>
+              <a:t>New launcher icon w/ multiple resolutions</a:t>
+            </a:r>
+          </a:p>
+          <a:p>
+            <a:r>
+              <a:rPr lang="en-US" i="1" dirty="0"/>
+              <a:t>Animation</a:t>
+            </a:r>
+            <a:r>
+              <a:rPr lang="en-US" dirty="0"/>
+              <a:t> class used on start-up activity</a:t>
+            </a:r>
+          </a:p>
+          <a:p>
+            <a:r>
+              <a:rPr lang="en-US" dirty="0"/>
+              <a:t>Multiple Layouts: portrait vs. landscape</a:t>
+            </a:r>
+          </a:p>
+          <a:p>
+            <a:r>
+              <a:rPr lang="en-US" dirty="0"/>
+              <a:t>‘Up’ navigation</a:t>
+            </a:r>
+          </a:p>
+          <a:p>
+            <a:r>
+              <a:rPr lang="en-US" dirty="0"/>
+              <a:t>Graphical images in </a:t>
             </a:r>
             <a:r>
               <a:rPr lang="en-US" dirty="0" err="1"/>
-              <a:t>SmartPhone</a:t>
+              <a:t>GameActivity</a:t>
             </a:r>
             <a:r>
               <a:rPr lang="en-US" dirty="0"/>
-              <a:t> device. The iOS does a good job on a table and the desktop version also works very well</a:t>
-            </a:r>
-          </a:p>
-          <a:p>
+              <a:t>, </a:t>
+            </a:r>
+            <a:r>
+              <a:rPr lang="en-US" dirty="0" err="1"/>
+              <a:t>ScoreActivity</a:t>
+            </a:r>
             <a:r>
               <a:rPr lang="en-US" dirty="0"/>
-              <a:t>Uncertain how to communicate between devices for multi-device game. There are various services that provide game matchmaking and game hosting but insufficient time to investigate</a:t>
-            </a:r>
+              <a:t>, </a:t>
+            </a:r>
+            <a:r>
+              <a:rPr lang="en-US" dirty="0" err="1"/>
+              <a:t>TilesActivity</a:t>
+            </a:r>
+            <a:endParaRPr lang="en-US" dirty="0"/>
           </a:p>
           <a:p>
             <a:r>
               <a:rPr lang="en-US" dirty="0"/>
-              <a:t>Current graphical representation helps with theme but need better artwork at various resolutions and some animation to make UI more friendly and game-like</a:t>
-            </a:r>
-          </a:p>
-          <a:p>
-            <a:endParaRPr lang="en-US" dirty="0"/>
+              <a:t>Saving of game state in internal file </a:t>
+            </a:r>
+          </a:p>
+          <a:p>
+            <a:r>
+              <a:rPr lang="en-US" dirty="0" err="1"/>
+              <a:t>SunImageView</a:t>
+            </a:r>
+            <a:r>
+              <a:rPr lang="en-US" dirty="0"/>
+              <a:t> subclass of </a:t>
+            </a:r>
+            <a:r>
+              <a:rPr lang="en-US" i="1" dirty="0" err="1"/>
+              <a:t>ImageView</a:t>
+            </a:r>
+            <a:r>
+              <a:rPr lang="en-US" dirty="0"/>
+              <a:t> w/ </a:t>
+            </a:r>
+            <a:r>
+              <a:rPr lang="en-US" i="1" dirty="0" err="1"/>
+              <a:t>onDraw</a:t>
+            </a:r>
+            <a:r>
+              <a:rPr lang="en-US" dirty="0"/>
+              <a:t> to do text numbers over sun-tile graphic</a:t>
+            </a:r>
           </a:p>
         </p:txBody>
       </p:sp>
     </p:spTree>
     <p:extLst>
       <p:ext uri="{BB962C8B-B14F-4D97-AF65-F5344CB8AC3E}">
-        <p14:creationId xmlns:p14="http://schemas.microsoft.com/office/powerpoint/2010/main" val="1911629369"/>
+        <p14:creationId xmlns:p14="http://schemas.microsoft.com/office/powerpoint/2010/main" val="628014625"/>
       </p:ext>
     </p:extLst>
   </p:cSld>

--- a/doc/Project Presentation - Ra 2017-03.pptx
+++ b/doc/Project Presentation - Ra 2017-03.pptx
@@ -13999,6 +13999,89 @@
         <p:txBody>
           <a:bodyPr/>
           <a:lstStyle/>
+          <a:p>
+            <a:pPr marL="0" indent="0">
+              <a:buNone/>
+            </a:pPr>
+            <a:r>
+              <a:rPr lang="en-US" dirty="0"/>
+              <a:t>Main changes</a:t>
+            </a:r>
+          </a:p>
+          <a:p>
+            <a:r>
+              <a:rPr lang="en-US" dirty="0"/>
+              <a:t>Added graphical elements to </a:t>
+            </a:r>
+            <a:r>
+              <a:rPr lang="en-US" dirty="0" err="1"/>
+              <a:t>GameActivity</a:t>
+            </a:r>
+            <a:r>
+              <a:rPr lang="en-US" dirty="0"/>
+              <a:t>, </a:t>
+            </a:r>
+            <a:r>
+              <a:rPr lang="en-US" dirty="0" err="1"/>
+              <a:t>ScoreActivity</a:t>
+            </a:r>
+            <a:r>
+              <a:rPr lang="en-US" dirty="0"/>
+              <a:t>, </a:t>
+            </a:r>
+            <a:r>
+              <a:rPr lang="en-US" dirty="0" err="1"/>
+              <a:t>TilesActivity</a:t>
+            </a:r>
+            <a:endParaRPr lang="en-US" dirty="0"/>
+          </a:p>
+          <a:p>
+            <a:r>
+              <a:rPr lang="en-US" dirty="0"/>
+              <a:t>Added multiple layouts</a:t>
+            </a:r>
+          </a:p>
+          <a:p>
+            <a:r>
+              <a:rPr lang="en-US" dirty="0"/>
+              <a:t>Added more strings (plural, localization)</a:t>
+            </a:r>
+          </a:p>
+          <a:p>
+            <a:r>
+              <a:rPr lang="en-US" dirty="0"/>
+              <a:t>Saving of game-state on </a:t>
+            </a:r>
+            <a:r>
+              <a:rPr lang="en-US" dirty="0" err="1"/>
+              <a:t>GameActivity</a:t>
+            </a:r>
+            <a:r>
+              <a:rPr lang="en-US" dirty="0"/>
+              <a:t> </a:t>
+            </a:r>
+            <a:r>
+              <a:rPr lang="en-US" dirty="0" err="1"/>
+              <a:t>onStop</a:t>
+            </a:r>
+            <a:r>
+              <a:rPr lang="en-US" dirty="0"/>
+              <a:t>(), loaded on </a:t>
+            </a:r>
+            <a:r>
+              <a:rPr lang="en-US" dirty="0" err="1"/>
+              <a:t>MainActivity</a:t>
+            </a:r>
+            <a:r>
+              <a:rPr lang="en-US" dirty="0"/>
+              <a:t>, press ‘Resume</a:t>
+            </a:r>
+            <a:r>
+              <a:rPr lang="en-US"/>
+              <a:t>’ button.</a:t>
+            </a:r>
+            <a:endParaRPr lang="en-US" dirty="0"/>
+          </a:p>
           <a:p>
             <a:endParaRPr lang="en-US" dirty="0"/>
           </a:p>

--- a/doc/Project Presentation - Ra 2017-03.pptx
+++ b/doc/Project Presentation - Ra 2017-03.pptx
@@ -14074,13 +14074,8 @@
             </a:r>
             <a:r>
               <a:rPr lang="en-US" dirty="0"/>
-              <a:t>, press ‘Resume</a:t>
-            </a:r>
-            <a:r>
-              <a:rPr lang="en-US"/>
-              <a:t>’ button.</a:t>
-            </a:r>
-            <a:endParaRPr lang="en-US" dirty="0"/>
+              <a:t>, press ‘Resume’ button.</a:t>
+            </a:r>
           </a:p>
           <a:p>
             <a:endParaRPr lang="en-US" dirty="0"/>
@@ -14132,29 +14127,132 @@
           <a:bodyPr/>
           <a:lstStyle/>
           <a:p>
-            <a:endParaRPr lang="en-US"/>
+            <a:r>
+              <a:rPr lang="en-US" dirty="0"/>
+              <a:t>Screenshots</a:t>
+            </a:r>
           </a:p>
         </p:txBody>
       </p:sp>
-      <p:sp>
-        <p:nvSpPr>
-          <p:cNvPr id="3" name="Content Placeholder 2"/>
-          <p:cNvSpPr>
-            <a:spLocks noGrp="1"/>
-          </p:cNvSpPr>
+      <p:pic>
+        <p:nvPicPr>
+          <p:cNvPr id="9" name="Content Placeholder 8"/>
+          <p:cNvPicPr>
+            <a:picLocks noGrp="1" noChangeAspect="1"/>
+          </p:cNvPicPr>
           <p:nvPr>
             <p:ph idx="1"/>
           </p:nvPr>
-        </p:nvSpPr>
-        <p:spPr/>
-        <p:txBody>
-          <a:bodyPr/>
-          <a:lstStyle/>
-          <a:p>
-            <a:endParaRPr lang="en-US"/>
-          </a:p>
-        </p:txBody>
-      </p:sp>
+        </p:nvPicPr>
+        <p:blipFill>
+          <a:blip r:embed="rId2"/>
+          <a:stretch>
+            <a:fillRect/>
+          </a:stretch>
+        </p:blipFill>
+        <p:spPr>
+          <a:xfrm>
+            <a:off x="1141413" y="2097087"/>
+            <a:ext cx="1714690" cy="2857817"/>
+          </a:xfrm>
+        </p:spPr>
+      </p:pic>
+      <p:pic>
+        <p:nvPicPr>
+          <p:cNvPr id="11" name="Picture 10"/>
+          <p:cNvPicPr>
+            <a:picLocks noChangeAspect="1"/>
+          </p:cNvPicPr>
+          <p:nvPr/>
+        </p:nvPicPr>
+        <p:blipFill>
+          <a:blip r:embed="rId3"/>
+          <a:stretch>
+            <a:fillRect/>
+          </a:stretch>
+        </p:blipFill>
+        <p:spPr>
+          <a:xfrm>
+            <a:off x="3024189" y="2097089"/>
+            <a:ext cx="1714688" cy="2857814"/>
+          </a:xfrm>
+          <a:prstGeom prst="rect">
+            <a:avLst/>
+          </a:prstGeom>
+        </p:spPr>
+      </p:pic>
+      <p:pic>
+        <p:nvPicPr>
+          <p:cNvPr id="13" name="Picture 12"/>
+          <p:cNvPicPr>
+            <a:picLocks noChangeAspect="1"/>
+          </p:cNvPicPr>
+          <p:nvPr/>
+        </p:nvPicPr>
+        <p:blipFill>
+          <a:blip r:embed="rId4"/>
+          <a:stretch>
+            <a:fillRect/>
+          </a:stretch>
+        </p:blipFill>
+        <p:spPr>
+          <a:xfrm>
+            <a:off x="4906963" y="2097087"/>
+            <a:ext cx="1714690" cy="2857816"/>
+          </a:xfrm>
+          <a:prstGeom prst="rect">
+            <a:avLst/>
+          </a:prstGeom>
+        </p:spPr>
+      </p:pic>
+      <p:pic>
+        <p:nvPicPr>
+          <p:cNvPr id="15" name="Picture 14"/>
+          <p:cNvPicPr>
+            <a:picLocks noChangeAspect="1"/>
+          </p:cNvPicPr>
+          <p:nvPr/>
+        </p:nvPicPr>
+        <p:blipFill>
+          <a:blip r:embed="rId5"/>
+          <a:stretch>
+            <a:fillRect/>
+          </a:stretch>
+        </p:blipFill>
+        <p:spPr>
+          <a:xfrm>
+            <a:off x="6789739" y="2097089"/>
+            <a:ext cx="1714688" cy="2857814"/>
+          </a:xfrm>
+          <a:prstGeom prst="rect">
+            <a:avLst/>
+          </a:prstGeom>
+        </p:spPr>
+      </p:pic>
+      <p:pic>
+        <p:nvPicPr>
+          <p:cNvPr id="17" name="Picture 16"/>
+          <p:cNvPicPr>
+            <a:picLocks noChangeAspect="1"/>
+          </p:cNvPicPr>
+          <p:nvPr/>
+        </p:nvPicPr>
+        <p:blipFill>
+          <a:blip r:embed="rId6"/>
+          <a:stretch>
+            <a:fillRect/>
+          </a:stretch>
+        </p:blipFill>
+        <p:spPr>
+          <a:xfrm>
+            <a:off x="8672512" y="2097088"/>
+            <a:ext cx="1714689" cy="2857815"/>
+          </a:xfrm>
+          <a:prstGeom prst="rect">
+            <a:avLst/>
+          </a:prstGeom>
+        </p:spPr>
+      </p:pic>
     </p:spTree>
     <p:extLst>
       <p:ext uri="{BB962C8B-B14F-4D97-AF65-F5344CB8AC3E}">

--- a/doc/Project Presentation - Ra 2017-03.pptx
+++ b/doc/Project Presentation - Ra 2017-03.pptx
@@ -5,7 +5,7 @@
     <p:sldMasterId id="2147483648" r:id="rId1"/>
   </p:sldMasterIdLst>
   <p:notesMasterIdLst>
-    <p:notesMasterId r:id="rId13"/>
+    <p:notesMasterId r:id="rId14"/>
   </p:notesMasterIdLst>
   <p:sldIdLst>
     <p:sldId id="256" r:id="rId2"/>
@@ -16,9 +16,10 @@
     <p:sldId id="269" r:id="rId7"/>
     <p:sldId id="270" r:id="rId8"/>
     <p:sldId id="271" r:id="rId9"/>
-    <p:sldId id="264" r:id="rId10"/>
-    <p:sldId id="266" r:id="rId11"/>
-    <p:sldId id="265" r:id="rId12"/>
+    <p:sldId id="272" r:id="rId10"/>
+    <p:sldId id="264" r:id="rId11"/>
+    <p:sldId id="266" r:id="rId12"/>
+    <p:sldId id="265" r:id="rId13"/>
   </p:sldIdLst>
   <p:sldSz cx="12192000" cy="6858000"/>
   <p:notesSz cx="6858000" cy="9144000"/>
@@ -13173,6 +13174,169 @@
           <a:p>
             <a:r>
               <a:rPr lang="en-US" dirty="0"/>
+              <a:t>features used</a:t>
+            </a:r>
+          </a:p>
+        </p:txBody>
+      </p:sp>
+      <p:sp>
+        <p:nvSpPr>
+          <p:cNvPr id="3" name="Content Placeholder 2"/>
+          <p:cNvSpPr>
+            <a:spLocks noGrp="1"/>
+          </p:cNvSpPr>
+          <p:nvPr>
+            <p:ph idx="1"/>
+          </p:nvPr>
+        </p:nvSpPr>
+        <p:spPr/>
+        <p:txBody>
+          <a:bodyPr>
+            <a:normAutofit fontScale="85000" lnSpcReduction="20000"/>
+          </a:bodyPr>
+          <a:lstStyle/>
+          <a:p>
+            <a:r>
+              <a:rPr lang="en-US" dirty="0"/>
+              <a:t>String resources: Plural, multiple languages</a:t>
+            </a:r>
+          </a:p>
+          <a:p>
+            <a:r>
+              <a:rPr lang="en-US" dirty="0"/>
+              <a:t>New launcher icon w/ multiple resolutions</a:t>
+            </a:r>
+          </a:p>
+          <a:p>
+            <a:r>
+              <a:rPr lang="en-US" i="1" dirty="0"/>
+              <a:t>Animation</a:t>
+            </a:r>
+            <a:r>
+              <a:rPr lang="en-US" dirty="0"/>
+              <a:t> class used on start-up activity</a:t>
+            </a:r>
+          </a:p>
+          <a:p>
+            <a:r>
+              <a:rPr lang="en-US" dirty="0"/>
+              <a:t>Multiple Layouts: portrait vs. landscape</a:t>
+            </a:r>
+          </a:p>
+          <a:p>
+            <a:r>
+              <a:rPr lang="en-US" dirty="0"/>
+              <a:t>‘Up’ navigation</a:t>
+            </a:r>
+          </a:p>
+          <a:p>
+            <a:r>
+              <a:rPr lang="en-US" dirty="0"/>
+              <a:t>Graphical images in </a:t>
+            </a:r>
+            <a:r>
+              <a:rPr lang="en-US" dirty="0" err="1"/>
+              <a:t>GameActivity</a:t>
+            </a:r>
+            <a:r>
+              <a:rPr lang="en-US" dirty="0"/>
+              <a:t>, </a:t>
+            </a:r>
+            <a:r>
+              <a:rPr lang="en-US" dirty="0" err="1"/>
+              <a:t>ScoreActivity</a:t>
+            </a:r>
+            <a:r>
+              <a:rPr lang="en-US" dirty="0"/>
+              <a:t>, </a:t>
+            </a:r>
+            <a:r>
+              <a:rPr lang="en-US" dirty="0" err="1"/>
+              <a:t>TilesActivity</a:t>
+            </a:r>
+            <a:endParaRPr lang="en-US" dirty="0"/>
+          </a:p>
+          <a:p>
+            <a:r>
+              <a:rPr lang="en-US" dirty="0"/>
+              <a:t>Saving of game state in internal file </a:t>
+            </a:r>
+          </a:p>
+          <a:p>
+            <a:r>
+              <a:rPr lang="en-US" dirty="0" err="1"/>
+              <a:t>SunImageView</a:t>
+            </a:r>
+            <a:r>
+              <a:rPr lang="en-US" dirty="0"/>
+              <a:t> subclass of </a:t>
+            </a:r>
+            <a:r>
+              <a:rPr lang="en-US" i="1" dirty="0" err="1"/>
+              <a:t>ImageView</a:t>
+            </a:r>
+            <a:r>
+              <a:rPr lang="en-US" dirty="0"/>
+              <a:t> w/ </a:t>
+            </a:r>
+            <a:r>
+              <a:rPr lang="en-US" i="1" dirty="0" err="1"/>
+              <a:t>onDraw</a:t>
+            </a:r>
+            <a:r>
+              <a:rPr lang="en-US" dirty="0"/>
+              <a:t> to do text numbers over sun-tile graphic</a:t>
+            </a:r>
+          </a:p>
+        </p:txBody>
+      </p:sp>
+    </p:spTree>
+    <p:extLst>
+      <p:ext uri="{BB962C8B-B14F-4D97-AF65-F5344CB8AC3E}">
+        <p14:creationId xmlns:p14="http://schemas.microsoft.com/office/powerpoint/2010/main" val="628014625"/>
+      </p:ext>
+    </p:extLst>
+  </p:cSld>
+  <p:clrMapOvr>
+    <a:masterClrMapping/>
+  </p:clrMapOvr>
+</p:sld>
+</file>
+
+<file path=ppt/slides/slide11.xml><?xml version="1.0" encoding="utf-8"?>
+<p:sld xmlns:a="http://schemas.openxmlformats.org/drawingml/2006/main" xmlns:r="http://schemas.openxmlformats.org/officeDocument/2006/relationships" xmlns:p="http://schemas.openxmlformats.org/presentationml/2006/main">
+  <p:cSld>
+    <p:spTree>
+      <p:nvGrpSpPr>
+        <p:cNvPr id="1" name=""/>
+        <p:cNvGrpSpPr/>
+        <p:nvPr/>
+      </p:nvGrpSpPr>
+      <p:grpSpPr>
+        <a:xfrm>
+          <a:off x="0" y="0"/>
+          <a:ext cx="0" cy="0"/>
+          <a:chOff x="0" y="0"/>
+          <a:chExt cx="0" cy="0"/>
+        </a:xfrm>
+      </p:grpSpPr>
+      <p:sp>
+        <p:nvSpPr>
+          <p:cNvPr id="2" name="Title 1"/>
+          <p:cNvSpPr>
+            <a:spLocks noGrp="1"/>
+          </p:cNvSpPr>
+          <p:nvPr>
+            <p:ph type="title"/>
+          </p:nvPr>
+        </p:nvSpPr>
+        <p:spPr/>
+        <p:txBody>
+          <a:bodyPr/>
+          <a:lstStyle/>
+          <a:p>
+            <a:r>
+              <a:rPr lang="en-US" dirty="0"/>
               <a:t>Issues</a:t>
             </a:r>
           </a:p>
@@ -13238,7 +13402,7 @@
 </p:sld>
 </file>
 
-<file path=ppt/slides/slide11.xml><?xml version="1.0" encoding="utf-8"?>
+<file path=ppt/slides/slide12.xml><?xml version="1.0" encoding="utf-8"?>
 <p:sld xmlns:a="http://schemas.openxmlformats.org/drawingml/2006/main" xmlns:r="http://schemas.openxmlformats.org/officeDocument/2006/relationships" xmlns:p="http://schemas.openxmlformats.org/presentationml/2006/main">
   <p:cSld>
     <p:spTree>
@@ -14300,126 +14464,111 @@
           <a:p>
             <a:r>
               <a:rPr lang="en-US" dirty="0"/>
-              <a:t>features used</a:t>
+              <a:t>Screenshots</a:t>
             </a:r>
           </a:p>
         </p:txBody>
       </p:sp>
-      <p:sp>
-        <p:nvSpPr>
-          <p:cNvPr id="3" name="Content Placeholder 2"/>
-          <p:cNvSpPr>
-            <a:spLocks noGrp="1"/>
-          </p:cNvSpPr>
-          <p:nvPr>
-            <p:ph idx="1"/>
-          </p:nvPr>
-        </p:nvSpPr>
-        <p:spPr/>
-        <p:txBody>
-          <a:bodyPr>
-            <a:normAutofit fontScale="85000" lnSpcReduction="20000"/>
-          </a:bodyPr>
-          <a:lstStyle/>
-          <a:p>
-            <a:r>
-              <a:rPr lang="en-US" dirty="0"/>
-              <a:t>String resources: Plural, multiple languages</a:t>
-            </a:r>
-          </a:p>
-          <a:p>
-            <a:r>
-              <a:rPr lang="en-US" dirty="0"/>
-              <a:t>New launcher icon w/ multiple resolutions</a:t>
-            </a:r>
-          </a:p>
-          <a:p>
-            <a:r>
-              <a:rPr lang="en-US" i="1" dirty="0"/>
-              <a:t>Animation</a:t>
-            </a:r>
-            <a:r>
-              <a:rPr lang="en-US" dirty="0"/>
-              <a:t> class used on start-up activity</a:t>
-            </a:r>
-          </a:p>
-          <a:p>
-            <a:r>
-              <a:rPr lang="en-US" dirty="0"/>
-              <a:t>Multiple Layouts: portrait vs. landscape</a:t>
-            </a:r>
-          </a:p>
-          <a:p>
-            <a:r>
-              <a:rPr lang="en-US" dirty="0"/>
-              <a:t>‘Up’ navigation</a:t>
-            </a:r>
-          </a:p>
-          <a:p>
-            <a:r>
-              <a:rPr lang="en-US" dirty="0"/>
-              <a:t>Graphical images in </a:t>
-            </a:r>
-            <a:r>
-              <a:rPr lang="en-US" dirty="0" err="1"/>
-              <a:t>GameActivity</a:t>
-            </a:r>
-            <a:r>
-              <a:rPr lang="en-US" dirty="0"/>
-              <a:t>, </a:t>
-            </a:r>
-            <a:r>
-              <a:rPr lang="en-US" dirty="0" err="1"/>
-              <a:t>ScoreActivity</a:t>
-            </a:r>
-            <a:r>
-              <a:rPr lang="en-US" dirty="0"/>
-              <a:t>, </a:t>
-            </a:r>
-            <a:r>
-              <a:rPr lang="en-US" dirty="0" err="1"/>
-              <a:t>TilesActivity</a:t>
-            </a:r>
-            <a:endParaRPr lang="en-US" dirty="0"/>
-          </a:p>
-          <a:p>
-            <a:r>
-              <a:rPr lang="en-US" dirty="0"/>
-              <a:t>Saving of game state in internal file </a:t>
-            </a:r>
-          </a:p>
-          <a:p>
-            <a:r>
-              <a:rPr lang="en-US" dirty="0" err="1"/>
-              <a:t>SunImageView</a:t>
-            </a:r>
-            <a:r>
-              <a:rPr lang="en-US" dirty="0"/>
-              <a:t> subclass of </a:t>
-            </a:r>
-            <a:r>
-              <a:rPr lang="en-US" i="1" dirty="0" err="1"/>
-              <a:t>ImageView</a:t>
-            </a:r>
-            <a:r>
-              <a:rPr lang="en-US" dirty="0"/>
-              <a:t> w/ </a:t>
-            </a:r>
-            <a:r>
-              <a:rPr lang="en-US" i="1" dirty="0" err="1"/>
-              <a:t>onDraw</a:t>
-            </a:r>
-            <a:r>
-              <a:rPr lang="en-US" dirty="0"/>
-              <a:t> to do text numbers over sun-tile graphic</a:t>
-            </a:r>
-          </a:p>
-        </p:txBody>
-      </p:sp>
+      <p:pic>
+        <p:nvPicPr>
+          <p:cNvPr id="5" name="Picture 4"/>
+          <p:cNvPicPr>
+            <a:picLocks noChangeAspect="1"/>
+          </p:cNvPicPr>
+          <p:nvPr/>
+        </p:nvPicPr>
+        <p:blipFill>
+          <a:blip r:embed="rId2"/>
+          <a:stretch>
+            <a:fillRect/>
+          </a:stretch>
+        </p:blipFill>
+        <p:spPr>
+          <a:xfrm>
+            <a:off x="1141413" y="1909443"/>
+            <a:ext cx="2029968" cy="3383280"/>
+          </a:xfrm>
+          <a:prstGeom prst="rect">
+            <a:avLst/>
+          </a:prstGeom>
+        </p:spPr>
+      </p:pic>
+      <p:pic>
+        <p:nvPicPr>
+          <p:cNvPr id="7" name="Picture 6"/>
+          <p:cNvPicPr>
+            <a:picLocks noChangeAspect="1"/>
+          </p:cNvPicPr>
+          <p:nvPr/>
+        </p:nvPicPr>
+        <p:blipFill>
+          <a:blip r:embed="rId3"/>
+          <a:stretch>
+            <a:fillRect/>
+          </a:stretch>
+        </p:blipFill>
+        <p:spPr>
+          <a:xfrm>
+            <a:off x="3529965" y="1909443"/>
+            <a:ext cx="3383280" cy="2029968"/>
+          </a:xfrm>
+          <a:prstGeom prst="rect">
+            <a:avLst/>
+          </a:prstGeom>
+        </p:spPr>
+      </p:pic>
+      <p:pic>
+        <p:nvPicPr>
+          <p:cNvPr id="9" name="Picture 8"/>
+          <p:cNvPicPr>
+            <a:picLocks noChangeAspect="1"/>
+          </p:cNvPicPr>
+          <p:nvPr/>
+        </p:nvPicPr>
+        <p:blipFill>
+          <a:blip r:embed="rId4"/>
+          <a:stretch>
+            <a:fillRect/>
+          </a:stretch>
+        </p:blipFill>
+        <p:spPr>
+          <a:xfrm>
+            <a:off x="8819831" y="2834511"/>
+            <a:ext cx="2029968" cy="3383280"/>
+          </a:xfrm>
+          <a:prstGeom prst="rect">
+            <a:avLst/>
+          </a:prstGeom>
+        </p:spPr>
+      </p:pic>
+      <p:pic>
+        <p:nvPicPr>
+          <p:cNvPr id="11" name="Picture 10"/>
+          <p:cNvPicPr>
+            <a:picLocks noChangeAspect="1"/>
+          </p:cNvPicPr>
+          <p:nvPr/>
+        </p:nvPicPr>
+        <p:blipFill>
+          <a:blip r:embed="rId5"/>
+          <a:stretch>
+            <a:fillRect/>
+          </a:stretch>
+        </p:blipFill>
+        <p:spPr>
+          <a:xfrm>
+            <a:off x="5049392" y="4187823"/>
+            <a:ext cx="3383280" cy="2029968"/>
+          </a:xfrm>
+          <a:prstGeom prst="rect">
+            <a:avLst/>
+          </a:prstGeom>
+        </p:spPr>
+      </p:pic>
     </p:spTree>
     <p:extLst>
       <p:ext uri="{BB962C8B-B14F-4D97-AF65-F5344CB8AC3E}">
-        <p14:creationId xmlns:p14="http://schemas.microsoft.com/office/powerpoint/2010/main" val="628014625"/>
+        <p14:creationId xmlns:p14="http://schemas.microsoft.com/office/powerpoint/2010/main" val="2969129404"/>
       </p:ext>
     </p:extLst>
   </p:cSld>

--- a/doc/Project Presentation - Ra 2017-03.pptx
+++ b/doc/Project Presentation - Ra 2017-03.pptx
@@ -881,7 +881,7 @@
           <a:noFill/>
           <a:extLst>
             <a:ext uri="{909E8E84-426E-40dd-AFC4-6F175D3DCCD1}">
-              <a14:hiddenFill xmlns:a14="http://schemas.microsoft.com/office/drawing/2010/main" xmlns="">
+              <a14:hiddenFill xmlns="" xmlns:a14="http://schemas.microsoft.com/office/drawing/2010/main">
                 <a:solidFill>
                   <a:srgbClr val="FFFFFF"/>
                 </a:solidFill>
@@ -941,7 +941,7 @@
             </a:ln>
             <a:extLst>
               <a:ext uri="{91240B29-F687-4f45-9708-019B960494DF}">
-                <a14:hiddenLine xmlns:a14="http://schemas.microsoft.com/office/drawing/2010/main" xmlns="" w="9525">
+                <a14:hiddenLine xmlns="" xmlns:a14="http://schemas.microsoft.com/office/drawing/2010/main" w="9525">
                   <a:solidFill>
                     <a:srgbClr val="000000"/>
                   </a:solidFill>
@@ -1031,7 +1031,7 @@
             </a:ln>
             <a:extLst>
               <a:ext uri="{91240B29-F687-4f45-9708-019B960494DF}">
-                <a14:hiddenLine xmlns:a14="http://schemas.microsoft.com/office/drawing/2010/main" xmlns="" w="9525">
+                <a14:hiddenLine xmlns="" xmlns:a14="http://schemas.microsoft.com/office/drawing/2010/main" w="9525">
                   <a:solidFill>
                     <a:srgbClr val="000000"/>
                   </a:solidFill>
@@ -1121,7 +1121,7 @@
             </a:ln>
             <a:extLst>
               <a:ext uri="{91240B29-F687-4f45-9708-019B960494DF}">
-                <a14:hiddenLine xmlns:a14="http://schemas.microsoft.com/office/drawing/2010/main" xmlns="" w="9525">
+                <a14:hiddenLine xmlns="" xmlns:a14="http://schemas.microsoft.com/office/drawing/2010/main" w="9525">
                   <a:solidFill>
                     <a:srgbClr val="000000"/>
                   </a:solidFill>
@@ -1155,7 +1155,7 @@
             </a:ln>
             <a:extLst>
               <a:ext uri="{91240B29-F687-4f45-9708-019B960494DF}">
-                <a14:hiddenLine xmlns:a14="http://schemas.microsoft.com/office/drawing/2010/main" xmlns="" w="9525">
+                <a14:hiddenLine xmlns="" xmlns:a14="http://schemas.microsoft.com/office/drawing/2010/main" w="9525">
                   <a:solidFill>
                     <a:srgbClr val="000000"/>
                   </a:solidFill>
@@ -1245,7 +1245,7 @@
             </a:ln>
             <a:extLst>
               <a:ext uri="{91240B29-F687-4f45-9708-019B960494DF}">
-                <a14:hiddenLine xmlns:a14="http://schemas.microsoft.com/office/drawing/2010/main" xmlns="" w="9525">
+                <a14:hiddenLine xmlns="" xmlns:a14="http://schemas.microsoft.com/office/drawing/2010/main" w="9525">
                   <a:solidFill>
                     <a:srgbClr val="000000"/>
                   </a:solidFill>
@@ -1307,7 +1307,7 @@
             </a:ln>
             <a:extLst>
               <a:ext uri="{91240B29-F687-4f45-9708-019B960494DF}">
-                <a14:hiddenLine xmlns:a14="http://schemas.microsoft.com/office/drawing/2010/main" xmlns="" w="9525">
+                <a14:hiddenLine xmlns="" xmlns:a14="http://schemas.microsoft.com/office/drawing/2010/main" w="9525">
                   <a:solidFill>
                     <a:srgbClr val="000000"/>
                   </a:solidFill>
@@ -1369,7 +1369,7 @@
             </a:ln>
             <a:extLst>
               <a:ext uri="{91240B29-F687-4f45-9708-019B960494DF}">
-                <a14:hiddenLine xmlns:a14="http://schemas.microsoft.com/office/drawing/2010/main" xmlns="" w="9525">
+                <a14:hiddenLine xmlns="" xmlns:a14="http://schemas.microsoft.com/office/drawing/2010/main" w="9525">
                   <a:solidFill>
                     <a:srgbClr val="000000"/>
                   </a:solidFill>
@@ -1459,7 +1459,7 @@
             </a:ln>
             <a:extLst>
               <a:ext uri="{91240B29-F687-4f45-9708-019B960494DF}">
-                <a14:hiddenLine xmlns:a14="http://schemas.microsoft.com/office/drawing/2010/main" xmlns="" w="9525">
+                <a14:hiddenLine xmlns="" xmlns:a14="http://schemas.microsoft.com/office/drawing/2010/main" w="9525">
                   <a:solidFill>
                     <a:srgbClr val="000000"/>
                   </a:solidFill>
@@ -1521,7 +1521,7 @@
             </a:ln>
             <a:extLst>
               <a:ext uri="{91240B29-F687-4f45-9708-019B960494DF}">
-                <a14:hiddenLine xmlns:a14="http://schemas.microsoft.com/office/drawing/2010/main" xmlns="" w="9525">
+                <a14:hiddenLine xmlns="" xmlns:a14="http://schemas.microsoft.com/office/drawing/2010/main" w="9525">
                   <a:solidFill>
                     <a:srgbClr val="000000"/>
                   </a:solidFill>
@@ -1583,7 +1583,7 @@
             </a:ln>
             <a:extLst>
               <a:ext uri="{91240B29-F687-4f45-9708-019B960494DF}">
-                <a14:hiddenLine xmlns:a14="http://schemas.microsoft.com/office/drawing/2010/main" xmlns="" w="9525">
+                <a14:hiddenLine xmlns="" xmlns:a14="http://schemas.microsoft.com/office/drawing/2010/main" w="9525">
                   <a:solidFill>
                     <a:srgbClr val="000000"/>
                   </a:solidFill>
@@ -1673,7 +1673,7 @@
             </a:ln>
             <a:extLst>
               <a:ext uri="{91240B29-F687-4f45-9708-019B960494DF}">
-                <a14:hiddenLine xmlns:a14="http://schemas.microsoft.com/office/drawing/2010/main" xmlns="" w="9525">
+                <a14:hiddenLine xmlns="" xmlns:a14="http://schemas.microsoft.com/office/drawing/2010/main" w="9525">
                   <a:solidFill>
                     <a:srgbClr val="000000"/>
                   </a:solidFill>
@@ -1763,7 +1763,7 @@
             </a:ln>
             <a:extLst>
               <a:ext uri="{91240B29-F687-4f45-9708-019B960494DF}">
-                <a14:hiddenLine xmlns:a14="http://schemas.microsoft.com/office/drawing/2010/main" xmlns="" w="9525">
+                <a14:hiddenLine xmlns="" xmlns:a14="http://schemas.microsoft.com/office/drawing/2010/main" w="9525">
                   <a:solidFill>
                     <a:srgbClr val="000000"/>
                   </a:solidFill>
@@ -1825,7 +1825,7 @@
             </a:ln>
             <a:extLst>
               <a:ext uri="{91240B29-F687-4f45-9708-019B960494DF}">
-                <a14:hiddenLine xmlns:a14="http://schemas.microsoft.com/office/drawing/2010/main" xmlns="" w="9525">
+                <a14:hiddenLine xmlns="" xmlns:a14="http://schemas.microsoft.com/office/drawing/2010/main" w="9525">
                   <a:solidFill>
                     <a:srgbClr val="000000"/>
                   </a:solidFill>
@@ -1935,7 +1935,7 @@
             </a:ln>
             <a:extLst>
               <a:ext uri="{91240B29-F687-4f45-9708-019B960494DF}">
-                <a14:hiddenLine xmlns:a14="http://schemas.microsoft.com/office/drawing/2010/main" xmlns="" w="9525">
+                <a14:hiddenLine xmlns="" xmlns:a14="http://schemas.microsoft.com/office/drawing/2010/main" w="9525">
                   <a:solidFill>
                     <a:srgbClr val="000000"/>
                   </a:solidFill>
@@ -1997,7 +1997,7 @@
             </a:ln>
             <a:extLst>
               <a:ext uri="{91240B29-F687-4f45-9708-019B960494DF}">
-                <a14:hiddenLine xmlns:a14="http://schemas.microsoft.com/office/drawing/2010/main" xmlns="" w="9525">
+                <a14:hiddenLine xmlns="" xmlns:a14="http://schemas.microsoft.com/office/drawing/2010/main" w="9525">
                   <a:solidFill>
                     <a:srgbClr val="000000"/>
                   </a:solidFill>
@@ -2087,7 +2087,7 @@
             </a:ln>
             <a:extLst>
               <a:ext uri="{91240B29-F687-4f45-9708-019B960494DF}">
-                <a14:hiddenLine xmlns:a14="http://schemas.microsoft.com/office/drawing/2010/main" xmlns="" w="9525">
+                <a14:hiddenLine xmlns="" xmlns:a14="http://schemas.microsoft.com/office/drawing/2010/main" w="9525">
                   <a:solidFill>
                     <a:srgbClr val="000000"/>
                   </a:solidFill>
@@ -2177,7 +2177,7 @@
             </a:ln>
             <a:extLst>
               <a:ext uri="{91240B29-F687-4f45-9708-019B960494DF}">
-                <a14:hiddenLine xmlns:a14="http://schemas.microsoft.com/office/drawing/2010/main" xmlns="" w="9525">
+                <a14:hiddenLine xmlns="" xmlns:a14="http://schemas.microsoft.com/office/drawing/2010/main" w="9525">
                   <a:solidFill>
                     <a:srgbClr val="000000"/>
                   </a:solidFill>
@@ -2239,7 +2239,7 @@
             </a:ln>
             <a:extLst>
               <a:ext uri="{91240B29-F687-4f45-9708-019B960494DF}">
-                <a14:hiddenLine xmlns:a14="http://schemas.microsoft.com/office/drawing/2010/main" xmlns="" w="9525">
+                <a14:hiddenLine xmlns="" xmlns:a14="http://schemas.microsoft.com/office/drawing/2010/main" w="9525">
                   <a:solidFill>
                     <a:srgbClr val="000000"/>
                   </a:solidFill>
@@ -2329,7 +2329,7 @@
             </a:ln>
             <a:extLst>
               <a:ext uri="{91240B29-F687-4f45-9708-019B960494DF}">
-                <a14:hiddenLine xmlns:a14="http://schemas.microsoft.com/office/drawing/2010/main" xmlns="" w="9525">
+                <a14:hiddenLine xmlns="" xmlns:a14="http://schemas.microsoft.com/office/drawing/2010/main" w="9525">
                   <a:solidFill>
                     <a:srgbClr val="000000"/>
                   </a:solidFill>
@@ -2419,7 +2419,7 @@
             </a:ln>
             <a:extLst>
               <a:ext uri="{91240B29-F687-4f45-9708-019B960494DF}">
-                <a14:hiddenLine xmlns:a14="http://schemas.microsoft.com/office/drawing/2010/main" xmlns="" w="9525">
+                <a14:hiddenLine xmlns="" xmlns:a14="http://schemas.microsoft.com/office/drawing/2010/main" w="9525">
                   <a:solidFill>
                     <a:srgbClr val="000000"/>
                   </a:solidFill>
@@ -2475,7 +2475,7 @@
             </a:ln>
             <a:extLst>
               <a:ext uri="{91240B29-F687-4f45-9708-019B960494DF}">
-                <a14:hiddenLine xmlns:a14="http://schemas.microsoft.com/office/drawing/2010/main" xmlns="" w="9525">
+                <a14:hiddenLine xmlns="" xmlns:a14="http://schemas.microsoft.com/office/drawing/2010/main" w="9525">
                   <a:solidFill>
                     <a:srgbClr val="000000"/>
                   </a:solidFill>
@@ -2565,7 +2565,7 @@
             </a:ln>
             <a:extLst>
               <a:ext uri="{91240B29-F687-4f45-9708-019B960494DF}">
-                <a14:hiddenLine xmlns:a14="http://schemas.microsoft.com/office/drawing/2010/main" xmlns="" w="9525">
+                <a14:hiddenLine xmlns="" xmlns:a14="http://schemas.microsoft.com/office/drawing/2010/main" w="9525">
                   <a:solidFill>
                     <a:srgbClr val="000000"/>
                   </a:solidFill>
@@ -2621,7 +2621,7 @@
             </a:ln>
             <a:extLst>
               <a:ext uri="{91240B29-F687-4f45-9708-019B960494DF}">
-                <a14:hiddenLine xmlns:a14="http://schemas.microsoft.com/office/drawing/2010/main" xmlns="" w="9525">
+                <a14:hiddenLine xmlns="" xmlns:a14="http://schemas.microsoft.com/office/drawing/2010/main" w="9525">
                   <a:solidFill>
                     <a:srgbClr val="000000"/>
                   </a:solidFill>
@@ -2711,7 +2711,7 @@
             </a:ln>
             <a:extLst>
               <a:ext uri="{91240B29-F687-4f45-9708-019B960494DF}">
-                <a14:hiddenLine xmlns:a14="http://schemas.microsoft.com/office/drawing/2010/main" xmlns="" w="9525">
+                <a14:hiddenLine xmlns="" xmlns:a14="http://schemas.microsoft.com/office/drawing/2010/main" w="9525">
                   <a:solidFill>
                     <a:srgbClr val="000000"/>
                   </a:solidFill>
@@ -2779,7 +2779,7 @@
             </a:ln>
             <a:extLst>
               <a:ext uri="{91240B29-F687-4f45-9708-019B960494DF}">
-                <a14:hiddenLine xmlns:a14="http://schemas.microsoft.com/office/drawing/2010/main" xmlns="" w="9525">
+                <a14:hiddenLine xmlns="" xmlns:a14="http://schemas.microsoft.com/office/drawing/2010/main" w="9525">
                   <a:solidFill>
                     <a:srgbClr val="000000"/>
                   </a:solidFill>
@@ -2869,7 +2869,7 @@
             </a:ln>
             <a:extLst>
               <a:ext uri="{91240B29-F687-4f45-9708-019B960494DF}">
-                <a14:hiddenLine xmlns:a14="http://schemas.microsoft.com/office/drawing/2010/main" xmlns="" w="9525">
+                <a14:hiddenLine xmlns="" xmlns:a14="http://schemas.microsoft.com/office/drawing/2010/main" w="9525">
                   <a:solidFill>
                     <a:srgbClr val="000000"/>
                   </a:solidFill>
@@ -2937,7 +2937,7 @@
             </a:ln>
             <a:extLst>
               <a:ext uri="{91240B29-F687-4f45-9708-019B960494DF}">
-                <a14:hiddenLine xmlns:a14="http://schemas.microsoft.com/office/drawing/2010/main" xmlns="" w="9525">
+                <a14:hiddenLine xmlns="" xmlns:a14="http://schemas.microsoft.com/office/drawing/2010/main" w="9525">
                   <a:solidFill>
                     <a:srgbClr val="000000"/>
                   </a:solidFill>
@@ -3027,7 +3027,7 @@
             </a:ln>
             <a:extLst>
               <a:ext uri="{91240B29-F687-4f45-9708-019B960494DF}">
-                <a14:hiddenLine xmlns:a14="http://schemas.microsoft.com/office/drawing/2010/main" xmlns="" w="9525">
+                <a14:hiddenLine xmlns="" xmlns:a14="http://schemas.microsoft.com/office/drawing/2010/main" w="9525">
                   <a:solidFill>
                     <a:srgbClr val="000000"/>
                   </a:solidFill>
@@ -3061,7 +3061,7 @@
             </a:ln>
             <a:extLst>
               <a:ext uri="{91240B29-F687-4f45-9708-019B960494DF}">
-                <a14:hiddenLine xmlns:a14="http://schemas.microsoft.com/office/drawing/2010/main" xmlns="" w="9525">
+                <a14:hiddenLine xmlns="" xmlns:a14="http://schemas.microsoft.com/office/drawing/2010/main" w="9525">
                   <a:solidFill>
                     <a:srgbClr val="000000"/>
                   </a:solidFill>
@@ -3151,7 +3151,7 @@
             </a:ln>
             <a:extLst>
               <a:ext uri="{91240B29-F687-4f45-9708-019B960494DF}">
-                <a14:hiddenLine xmlns:a14="http://schemas.microsoft.com/office/drawing/2010/main" xmlns="" w="9525">
+                <a14:hiddenLine xmlns="" xmlns:a14="http://schemas.microsoft.com/office/drawing/2010/main" w="9525">
                   <a:solidFill>
                     <a:srgbClr val="000000"/>
                   </a:solidFill>
@@ -3213,7 +3213,7 @@
             </a:ln>
             <a:extLst>
               <a:ext uri="{91240B29-F687-4f45-9708-019B960494DF}">
-                <a14:hiddenLine xmlns:a14="http://schemas.microsoft.com/office/drawing/2010/main" xmlns="" w="9525">
+                <a14:hiddenLine xmlns="" xmlns:a14="http://schemas.microsoft.com/office/drawing/2010/main" w="9525">
                   <a:solidFill>
                     <a:srgbClr val="000000"/>
                   </a:solidFill>
@@ -3275,7 +3275,7 @@
             </a:ln>
             <a:extLst>
               <a:ext uri="{91240B29-F687-4f45-9708-019B960494DF}">
-                <a14:hiddenLine xmlns:a14="http://schemas.microsoft.com/office/drawing/2010/main" xmlns="" w="9525">
+                <a14:hiddenLine xmlns="" xmlns:a14="http://schemas.microsoft.com/office/drawing/2010/main" w="9525">
                   <a:solidFill>
                     <a:srgbClr val="000000"/>
                   </a:solidFill>
@@ -3365,7 +3365,7 @@
             </a:ln>
             <a:extLst>
               <a:ext uri="{91240B29-F687-4f45-9708-019B960494DF}">
-                <a14:hiddenLine xmlns:a14="http://schemas.microsoft.com/office/drawing/2010/main" xmlns="" w="9525">
+                <a14:hiddenLine xmlns="" xmlns:a14="http://schemas.microsoft.com/office/drawing/2010/main" w="9525">
                   <a:solidFill>
                     <a:srgbClr val="000000"/>
                   </a:solidFill>
@@ -3433,7 +3433,7 @@
             </a:ln>
             <a:extLst>
               <a:ext uri="{91240B29-F687-4f45-9708-019B960494DF}">
-                <a14:hiddenLine xmlns:a14="http://schemas.microsoft.com/office/drawing/2010/main" xmlns="" w="9525">
+                <a14:hiddenLine xmlns="" xmlns:a14="http://schemas.microsoft.com/office/drawing/2010/main" w="9525">
                   <a:solidFill>
                     <a:srgbClr val="000000"/>
                   </a:solidFill>
@@ -3495,7 +3495,7 @@
             </a:ln>
             <a:extLst>
               <a:ext uri="{91240B29-F687-4f45-9708-019B960494DF}">
-                <a14:hiddenLine xmlns:a14="http://schemas.microsoft.com/office/drawing/2010/main" xmlns="" w="9525">
+                <a14:hiddenLine xmlns="" xmlns:a14="http://schemas.microsoft.com/office/drawing/2010/main" w="9525">
                   <a:solidFill>
                     <a:srgbClr val="000000"/>
                   </a:solidFill>
@@ -3585,7 +3585,7 @@
             </a:ln>
             <a:extLst>
               <a:ext uri="{91240B29-F687-4f45-9708-019B960494DF}">
-                <a14:hiddenLine xmlns:a14="http://schemas.microsoft.com/office/drawing/2010/main" xmlns="" w="9525">
+                <a14:hiddenLine xmlns="" xmlns:a14="http://schemas.microsoft.com/office/drawing/2010/main" w="9525">
                   <a:solidFill>
                     <a:srgbClr val="000000"/>
                   </a:solidFill>
@@ -3647,7 +3647,7 @@
             </a:ln>
             <a:extLst>
               <a:ext uri="{91240B29-F687-4f45-9708-019B960494DF}">
-                <a14:hiddenLine xmlns:a14="http://schemas.microsoft.com/office/drawing/2010/main" xmlns="" w="9525">
+                <a14:hiddenLine xmlns="" xmlns:a14="http://schemas.microsoft.com/office/drawing/2010/main" w="9525">
                   <a:solidFill>
                     <a:srgbClr val="000000"/>
                   </a:solidFill>
@@ -3737,7 +3737,7 @@
             </a:ln>
             <a:extLst>
               <a:ext uri="{91240B29-F687-4f45-9708-019B960494DF}">
-                <a14:hiddenLine xmlns:a14="http://schemas.microsoft.com/office/drawing/2010/main" xmlns="" w="9525">
+                <a14:hiddenLine xmlns="" xmlns:a14="http://schemas.microsoft.com/office/drawing/2010/main" w="9525">
                   <a:solidFill>
                     <a:srgbClr val="000000"/>
                   </a:solidFill>
@@ -3799,7 +3799,7 @@
             </a:ln>
             <a:extLst>
               <a:ext uri="{91240B29-F687-4f45-9708-019B960494DF}">
-                <a14:hiddenLine xmlns:a14="http://schemas.microsoft.com/office/drawing/2010/main" xmlns="" w="9525">
+                <a14:hiddenLine xmlns="" xmlns:a14="http://schemas.microsoft.com/office/drawing/2010/main" w="9525">
                   <a:solidFill>
                     <a:srgbClr val="000000"/>
                   </a:solidFill>
@@ -3889,7 +3889,7 @@
             </a:ln>
             <a:extLst>
               <a:ext uri="{91240B29-F687-4f45-9708-019B960494DF}">
-                <a14:hiddenLine xmlns:a14="http://schemas.microsoft.com/office/drawing/2010/main" xmlns="" w="9525">
+                <a14:hiddenLine xmlns="" xmlns:a14="http://schemas.microsoft.com/office/drawing/2010/main" w="9525">
                   <a:solidFill>
                     <a:srgbClr val="000000"/>
                   </a:solidFill>
@@ -3923,7 +3923,7 @@
             </a:ln>
             <a:extLst>
               <a:ext uri="{91240B29-F687-4f45-9708-019B960494DF}">
-                <a14:hiddenLine xmlns:a14="http://schemas.microsoft.com/office/drawing/2010/main" xmlns="" w="9525">
+                <a14:hiddenLine xmlns="" xmlns:a14="http://schemas.microsoft.com/office/drawing/2010/main" w="9525">
                   <a:solidFill>
                     <a:srgbClr val="000000"/>
                   </a:solidFill>
@@ -3988,7 +3988,7 @@
             </a:ln>
             <a:extLst>
               <a:ext uri="{91240B29-F687-4f45-9708-019B960494DF}">
-                <a14:hiddenLine xmlns:a14="http://schemas.microsoft.com/office/drawing/2010/main" xmlns="" w="9525">
+                <a14:hiddenLine xmlns="" xmlns:a14="http://schemas.microsoft.com/office/drawing/2010/main" w="9525">
                   <a:solidFill>
                     <a:srgbClr val="000000"/>
                   </a:solidFill>
@@ -4078,7 +4078,7 @@
             </a:ln>
             <a:extLst>
               <a:ext uri="{91240B29-F687-4f45-9708-019B960494DF}">
-                <a14:hiddenLine xmlns:a14="http://schemas.microsoft.com/office/drawing/2010/main" xmlns="" w="9525">
+                <a14:hiddenLine xmlns="" xmlns:a14="http://schemas.microsoft.com/office/drawing/2010/main" w="9525">
                   <a:solidFill>
                     <a:srgbClr val="000000"/>
                   </a:solidFill>
@@ -4140,7 +4140,7 @@
             </a:ln>
             <a:extLst>
               <a:ext uri="{91240B29-F687-4f45-9708-019B960494DF}">
-                <a14:hiddenLine xmlns:a14="http://schemas.microsoft.com/office/drawing/2010/main" xmlns="" w="9525">
+                <a14:hiddenLine xmlns="" xmlns:a14="http://schemas.microsoft.com/office/drawing/2010/main" w="9525">
                   <a:solidFill>
                     <a:srgbClr val="000000"/>
                   </a:solidFill>
@@ -4230,7 +4230,7 @@
             </a:ln>
             <a:extLst>
               <a:ext uri="{91240B29-F687-4f45-9708-019B960494DF}">
-                <a14:hiddenLine xmlns:a14="http://schemas.microsoft.com/office/drawing/2010/main" xmlns="" w="9525">
+                <a14:hiddenLine xmlns="" xmlns:a14="http://schemas.microsoft.com/office/drawing/2010/main" w="9525">
                   <a:solidFill>
                     <a:srgbClr val="000000"/>
                   </a:solidFill>
@@ -4320,7 +4320,7 @@
             </a:ln>
             <a:extLst>
               <a:ext uri="{91240B29-F687-4f45-9708-019B960494DF}">
-                <a14:hiddenLine xmlns:a14="http://schemas.microsoft.com/office/drawing/2010/main" xmlns="" w="9525">
+                <a14:hiddenLine xmlns="" xmlns:a14="http://schemas.microsoft.com/office/drawing/2010/main" w="9525">
                   <a:solidFill>
                     <a:srgbClr val="000000"/>
                   </a:solidFill>
@@ -4385,7 +4385,7 @@
             </a:ln>
             <a:extLst>
               <a:ext uri="{91240B29-F687-4f45-9708-019B960494DF}">
-                <a14:hiddenLine xmlns:a14="http://schemas.microsoft.com/office/drawing/2010/main" xmlns="" w="9525">
+                <a14:hiddenLine xmlns="" xmlns:a14="http://schemas.microsoft.com/office/drawing/2010/main" w="9525">
                   <a:solidFill>
                     <a:srgbClr val="000000"/>
                   </a:solidFill>
@@ -4447,7 +4447,7 @@
             </a:ln>
             <a:extLst>
               <a:ext uri="{91240B29-F687-4f45-9708-019B960494DF}">
-                <a14:hiddenLine xmlns:a14="http://schemas.microsoft.com/office/drawing/2010/main" xmlns="" w="9525">
+                <a14:hiddenLine xmlns="" xmlns:a14="http://schemas.microsoft.com/office/drawing/2010/main" w="9525">
                   <a:solidFill>
                     <a:srgbClr val="000000"/>
                   </a:solidFill>
@@ -4537,7 +4537,7 @@
             </a:ln>
             <a:extLst>
               <a:ext uri="{91240B29-F687-4f45-9708-019B960494DF}">
-                <a14:hiddenLine xmlns:a14="http://schemas.microsoft.com/office/drawing/2010/main" xmlns="" w="9525">
+                <a14:hiddenLine xmlns="" xmlns:a14="http://schemas.microsoft.com/office/drawing/2010/main" w="9525">
                   <a:solidFill>
                     <a:srgbClr val="000000"/>
                   </a:solidFill>
@@ -4627,7 +4627,7 @@
             </a:ln>
             <a:extLst>
               <a:ext uri="{91240B29-F687-4f45-9708-019B960494DF}">
-                <a14:hiddenLine xmlns:a14="http://schemas.microsoft.com/office/drawing/2010/main" xmlns="" w="9525">
+                <a14:hiddenLine xmlns="" xmlns:a14="http://schemas.microsoft.com/office/drawing/2010/main" w="9525">
                   <a:solidFill>
                     <a:srgbClr val="000000"/>
                   </a:solidFill>
@@ -4689,7 +4689,7 @@
             </a:ln>
             <a:extLst>
               <a:ext uri="{91240B29-F687-4f45-9708-019B960494DF}">
-                <a14:hiddenLine xmlns:a14="http://schemas.microsoft.com/office/drawing/2010/main" xmlns="" w="9525">
+                <a14:hiddenLine xmlns="" xmlns:a14="http://schemas.microsoft.com/office/drawing/2010/main" w="9525">
                   <a:solidFill>
                     <a:srgbClr val="000000"/>
                   </a:solidFill>
@@ -4809,7 +4809,7 @@
             </a:ln>
             <a:extLst>
               <a:ext uri="{91240B29-F687-4f45-9708-019B960494DF}">
-                <a14:hiddenLine xmlns:a14="http://schemas.microsoft.com/office/drawing/2010/main" xmlns="" w="9525">
+                <a14:hiddenLine xmlns="" xmlns:a14="http://schemas.microsoft.com/office/drawing/2010/main" w="9525">
                   <a:solidFill>
                     <a:srgbClr val="000000"/>
                   </a:solidFill>
@@ -4877,7 +4877,7 @@
             </a:ln>
             <a:extLst>
               <a:ext uri="{91240B29-F687-4f45-9708-019B960494DF}">
-                <a14:hiddenLine xmlns:a14="http://schemas.microsoft.com/office/drawing/2010/main" xmlns="" w="9525">
+                <a14:hiddenLine xmlns="" xmlns:a14="http://schemas.microsoft.com/office/drawing/2010/main" w="9525">
                   <a:solidFill>
                     <a:srgbClr val="000000"/>
                   </a:solidFill>
@@ -4967,7 +4967,7 @@
             </a:ln>
             <a:extLst>
               <a:ext uri="{91240B29-F687-4f45-9708-019B960494DF}">
-                <a14:hiddenLine xmlns:a14="http://schemas.microsoft.com/office/drawing/2010/main" xmlns="" w="9525">
+                <a14:hiddenLine xmlns="" xmlns:a14="http://schemas.microsoft.com/office/drawing/2010/main" w="9525">
                   <a:solidFill>
                     <a:srgbClr val="000000"/>
                   </a:solidFill>
@@ -9689,7 +9689,7 @@
           <a:noFill/>
           <a:extLst>
             <a:ext uri="{909E8E84-426E-40dd-AFC4-6F175D3DCCD1}">
-              <a14:hiddenFill xmlns:a14="http://schemas.microsoft.com/office/drawing/2010/main" xmlns="">
+              <a14:hiddenFill xmlns="" xmlns:a14="http://schemas.microsoft.com/office/drawing/2010/main">
                 <a:solidFill>
                   <a:srgbClr val="FFFFFF"/>
                 </a:solidFill>
@@ -9763,7 +9763,7 @@
               </a:ln>
               <a:extLst>
                 <a:ext uri="{91240B29-F687-4f45-9708-019B960494DF}">
-                  <a14:hiddenLine xmlns:a14="http://schemas.microsoft.com/office/drawing/2010/main" xmlns="" w="9525">
+                  <a14:hiddenLine xmlns="" xmlns:a14="http://schemas.microsoft.com/office/drawing/2010/main" w="9525">
                     <a:solidFill>
                       <a:srgbClr val="000000"/>
                     </a:solidFill>
@@ -9853,7 +9853,7 @@
               </a:ln>
               <a:extLst>
                 <a:ext uri="{91240B29-F687-4f45-9708-019B960494DF}">
-                  <a14:hiddenLine xmlns:a14="http://schemas.microsoft.com/office/drawing/2010/main" xmlns="" w="9525">
+                  <a14:hiddenLine xmlns="" xmlns:a14="http://schemas.microsoft.com/office/drawing/2010/main" w="9525">
                     <a:solidFill>
                       <a:srgbClr val="000000"/>
                     </a:solidFill>
@@ -9943,7 +9943,7 @@
               </a:ln>
               <a:extLst>
                 <a:ext uri="{91240B29-F687-4f45-9708-019B960494DF}">
-                  <a14:hiddenLine xmlns:a14="http://schemas.microsoft.com/office/drawing/2010/main" xmlns="" w="9525">
+                  <a14:hiddenLine xmlns="" xmlns:a14="http://schemas.microsoft.com/office/drawing/2010/main" w="9525">
                     <a:solidFill>
                       <a:srgbClr val="000000"/>
                     </a:solidFill>
@@ -10005,7 +10005,7 @@
               </a:ln>
               <a:extLst>
                 <a:ext uri="{91240B29-F687-4f45-9708-019B960494DF}">
-                  <a14:hiddenLine xmlns:a14="http://schemas.microsoft.com/office/drawing/2010/main" xmlns="" w="9525">
+                  <a14:hiddenLine xmlns="" xmlns:a14="http://schemas.microsoft.com/office/drawing/2010/main" w="9525">
                     <a:solidFill>
                       <a:srgbClr val="000000"/>
                     </a:solidFill>
@@ -10095,7 +10095,7 @@
               </a:ln>
               <a:extLst>
                 <a:ext uri="{91240B29-F687-4f45-9708-019B960494DF}">
-                  <a14:hiddenLine xmlns:a14="http://schemas.microsoft.com/office/drawing/2010/main" xmlns="" w="9525">
+                  <a14:hiddenLine xmlns="" xmlns:a14="http://schemas.microsoft.com/office/drawing/2010/main" w="9525">
                     <a:solidFill>
                       <a:srgbClr val="000000"/>
                     </a:solidFill>
@@ -10157,7 +10157,7 @@
               </a:ln>
               <a:extLst>
                 <a:ext uri="{91240B29-F687-4f45-9708-019B960494DF}">
-                  <a14:hiddenLine xmlns:a14="http://schemas.microsoft.com/office/drawing/2010/main" xmlns="" w="9525">
+                  <a14:hiddenLine xmlns="" xmlns:a14="http://schemas.microsoft.com/office/drawing/2010/main" w="9525">
                     <a:solidFill>
                       <a:srgbClr val="000000"/>
                     </a:solidFill>
@@ -10219,7 +10219,7 @@
               </a:ln>
               <a:extLst>
                 <a:ext uri="{91240B29-F687-4f45-9708-019B960494DF}">
-                  <a14:hiddenLine xmlns:a14="http://schemas.microsoft.com/office/drawing/2010/main" xmlns="" w="9525">
+                  <a14:hiddenLine xmlns="" xmlns:a14="http://schemas.microsoft.com/office/drawing/2010/main" w="9525">
                     <a:solidFill>
                       <a:srgbClr val="000000"/>
                     </a:solidFill>
@@ -10309,7 +10309,7 @@
               </a:ln>
               <a:extLst>
                 <a:ext uri="{91240B29-F687-4f45-9708-019B960494DF}">
-                  <a14:hiddenLine xmlns:a14="http://schemas.microsoft.com/office/drawing/2010/main" xmlns="" w="9525">
+                  <a14:hiddenLine xmlns="" xmlns:a14="http://schemas.microsoft.com/office/drawing/2010/main" w="9525">
                     <a:solidFill>
                       <a:srgbClr val="000000"/>
                     </a:solidFill>
@@ -10399,7 +10399,7 @@
               </a:ln>
               <a:extLst>
                 <a:ext uri="{91240B29-F687-4f45-9708-019B960494DF}">
-                  <a14:hiddenLine xmlns:a14="http://schemas.microsoft.com/office/drawing/2010/main" xmlns="" w="9525">
+                  <a14:hiddenLine xmlns="" xmlns:a14="http://schemas.microsoft.com/office/drawing/2010/main" w="9525">
                     <a:solidFill>
                       <a:srgbClr val="000000"/>
                     </a:solidFill>
@@ -10461,7 +10461,7 @@
               </a:ln>
               <a:extLst>
                 <a:ext uri="{91240B29-F687-4f45-9708-019B960494DF}">
-                  <a14:hiddenLine xmlns:a14="http://schemas.microsoft.com/office/drawing/2010/main" xmlns="" w="9525">
+                  <a14:hiddenLine xmlns="" xmlns:a14="http://schemas.microsoft.com/office/drawing/2010/main" w="9525">
                     <a:solidFill>
                       <a:srgbClr val="000000"/>
                     </a:solidFill>
@@ -10571,7 +10571,7 @@
               </a:ln>
               <a:extLst>
                 <a:ext uri="{91240B29-F687-4f45-9708-019B960494DF}">
-                  <a14:hiddenLine xmlns:a14="http://schemas.microsoft.com/office/drawing/2010/main" xmlns="" w="9525">
+                  <a14:hiddenLine xmlns="" xmlns:a14="http://schemas.microsoft.com/office/drawing/2010/main" w="9525">
                     <a:solidFill>
                       <a:srgbClr val="000000"/>
                     </a:solidFill>
@@ -10655,7 +10655,7 @@
               </a:ln>
               <a:extLst>
                 <a:ext uri="{91240B29-F687-4f45-9708-019B960494DF}">
-                  <a14:hiddenLine xmlns:a14="http://schemas.microsoft.com/office/drawing/2010/main" xmlns="" w="9525">
+                  <a14:hiddenLine xmlns="" xmlns:a14="http://schemas.microsoft.com/office/drawing/2010/main" w="9525">
                     <a:solidFill>
                       <a:srgbClr val="000000"/>
                     </a:solidFill>
@@ -10717,7 +10717,7 @@
               </a:ln>
               <a:extLst>
                 <a:ext uri="{91240B29-F687-4f45-9708-019B960494DF}">
-                  <a14:hiddenLine xmlns:a14="http://schemas.microsoft.com/office/drawing/2010/main" xmlns="" w="9525">
+                  <a14:hiddenLine xmlns="" xmlns:a14="http://schemas.microsoft.com/office/drawing/2010/main" w="9525">
                     <a:solidFill>
                       <a:srgbClr val="000000"/>
                     </a:solidFill>
@@ -10779,7 +10779,7 @@
               </a:ln>
               <a:extLst>
                 <a:ext uri="{91240B29-F687-4f45-9708-019B960494DF}">
-                  <a14:hiddenLine xmlns:a14="http://schemas.microsoft.com/office/drawing/2010/main" xmlns="" w="9525">
+                  <a14:hiddenLine xmlns="" xmlns:a14="http://schemas.microsoft.com/office/drawing/2010/main" w="9525">
                     <a:solidFill>
                       <a:srgbClr val="000000"/>
                     </a:solidFill>
@@ -10869,7 +10869,7 @@
               </a:ln>
               <a:extLst>
                 <a:ext uri="{91240B29-F687-4f45-9708-019B960494DF}">
-                  <a14:hiddenLine xmlns:a14="http://schemas.microsoft.com/office/drawing/2010/main" xmlns="" w="9525">
+                  <a14:hiddenLine xmlns="" xmlns:a14="http://schemas.microsoft.com/office/drawing/2010/main" w="9525">
                     <a:solidFill>
                       <a:srgbClr val="000000"/>
                     </a:solidFill>
@@ -10903,7 +10903,7 @@
               </a:ln>
               <a:extLst>
                 <a:ext uri="{91240B29-F687-4f45-9708-019B960494DF}">
-                  <a14:hiddenLine xmlns:a14="http://schemas.microsoft.com/office/drawing/2010/main" xmlns="" w="9525">
+                  <a14:hiddenLine xmlns="" xmlns:a14="http://schemas.microsoft.com/office/drawing/2010/main" w="9525">
                     <a:solidFill>
                       <a:srgbClr val="000000"/>
                     </a:solidFill>
@@ -10968,7 +10968,7 @@
               </a:ln>
               <a:extLst>
                 <a:ext uri="{91240B29-F687-4f45-9708-019B960494DF}">
-                  <a14:hiddenLine xmlns:a14="http://schemas.microsoft.com/office/drawing/2010/main" xmlns="" w="9525">
+                  <a14:hiddenLine xmlns="" xmlns:a14="http://schemas.microsoft.com/office/drawing/2010/main" w="9525">
                     <a:solidFill>
                       <a:srgbClr val="000000"/>
                     </a:solidFill>
@@ -11058,7 +11058,7 @@
               </a:ln>
               <a:extLst>
                 <a:ext uri="{91240B29-F687-4f45-9708-019B960494DF}">
-                  <a14:hiddenLine xmlns:a14="http://schemas.microsoft.com/office/drawing/2010/main" xmlns="" w="9525">
+                  <a14:hiddenLine xmlns="" xmlns:a14="http://schemas.microsoft.com/office/drawing/2010/main" w="9525">
                     <a:solidFill>
                       <a:srgbClr val="000000"/>
                     </a:solidFill>
@@ -11120,7 +11120,7 @@
               </a:ln>
               <a:extLst>
                 <a:ext uri="{91240B29-F687-4f45-9708-019B960494DF}">
-                  <a14:hiddenLine xmlns:a14="http://schemas.microsoft.com/office/drawing/2010/main" xmlns="" w="9525">
+                  <a14:hiddenLine xmlns="" xmlns:a14="http://schemas.microsoft.com/office/drawing/2010/main" w="9525">
                     <a:solidFill>
                       <a:srgbClr val="000000"/>
                     </a:solidFill>
@@ -11210,7 +11210,7 @@
               </a:ln>
               <a:extLst>
                 <a:ext uri="{91240B29-F687-4f45-9708-019B960494DF}">
-                  <a14:hiddenLine xmlns:a14="http://schemas.microsoft.com/office/drawing/2010/main" xmlns="" w="9525">
+                  <a14:hiddenLine xmlns="" xmlns:a14="http://schemas.microsoft.com/office/drawing/2010/main" w="9525">
                     <a:solidFill>
                       <a:srgbClr val="000000"/>
                     </a:solidFill>
@@ -11275,7 +11275,7 @@
               </a:ln>
               <a:extLst>
                 <a:ext uri="{91240B29-F687-4f45-9708-019B960494DF}">
-                  <a14:hiddenLine xmlns:a14="http://schemas.microsoft.com/office/drawing/2010/main" xmlns="" w="9525">
+                  <a14:hiddenLine xmlns="" xmlns:a14="http://schemas.microsoft.com/office/drawing/2010/main" w="9525">
                     <a:solidFill>
                       <a:srgbClr val="000000"/>
                     </a:solidFill>
@@ -11337,7 +11337,7 @@
               </a:ln>
               <a:extLst>
                 <a:ext uri="{91240B29-F687-4f45-9708-019B960494DF}">
-                  <a14:hiddenLine xmlns:a14="http://schemas.microsoft.com/office/drawing/2010/main" xmlns="" w="9525">
+                  <a14:hiddenLine xmlns="" xmlns:a14="http://schemas.microsoft.com/office/drawing/2010/main" w="9525">
                     <a:solidFill>
                       <a:srgbClr val="000000"/>
                     </a:solidFill>
@@ -11427,7 +11427,7 @@
               </a:ln>
               <a:extLst>
                 <a:ext uri="{91240B29-F687-4f45-9708-019B960494DF}">
-                  <a14:hiddenLine xmlns:a14="http://schemas.microsoft.com/office/drawing/2010/main" xmlns="" w="9525">
+                  <a14:hiddenLine xmlns="" xmlns:a14="http://schemas.microsoft.com/office/drawing/2010/main" w="9525">
                     <a:solidFill>
                       <a:srgbClr val="000000"/>
                     </a:solidFill>
@@ -11517,7 +11517,7 @@
               </a:ln>
               <a:extLst>
                 <a:ext uri="{91240B29-F687-4f45-9708-019B960494DF}">
-                  <a14:hiddenLine xmlns:a14="http://schemas.microsoft.com/office/drawing/2010/main" xmlns="" w="9525">
+                  <a14:hiddenLine xmlns="" xmlns:a14="http://schemas.microsoft.com/office/drawing/2010/main" w="9525">
                     <a:solidFill>
                       <a:srgbClr val="000000"/>
                     </a:solidFill>
@@ -11582,7 +11582,7 @@
               </a:ln>
               <a:extLst>
                 <a:ext uri="{91240B29-F687-4f45-9708-019B960494DF}">
-                  <a14:hiddenLine xmlns:a14="http://schemas.microsoft.com/office/drawing/2010/main" xmlns="" w="9525">
+                  <a14:hiddenLine xmlns="" xmlns:a14="http://schemas.microsoft.com/office/drawing/2010/main" w="9525">
                     <a:solidFill>
                       <a:srgbClr val="000000"/>
                     </a:solidFill>
@@ -11702,7 +11702,7 @@
               </a:ln>
               <a:extLst>
                 <a:ext uri="{91240B29-F687-4f45-9708-019B960494DF}">
-                  <a14:hiddenLine xmlns:a14="http://schemas.microsoft.com/office/drawing/2010/main" xmlns="" w="9525">
+                  <a14:hiddenLine xmlns="" xmlns:a14="http://schemas.microsoft.com/office/drawing/2010/main" w="9525">
                     <a:solidFill>
                       <a:srgbClr val="000000"/>
                     </a:solidFill>
@@ -11800,7 +11800,7 @@
               </a:ln>
               <a:extLst>
                 <a:ext uri="{91240B29-F687-4f45-9708-019B960494DF}">
-                  <a14:hiddenLine xmlns:a14="http://schemas.microsoft.com/office/drawing/2010/main" xmlns="" w="9525">
+                  <a14:hiddenLine xmlns="" xmlns:a14="http://schemas.microsoft.com/office/drawing/2010/main" w="9525">
                     <a:solidFill>
                       <a:srgbClr val="000000"/>
                     </a:solidFill>
@@ -11915,7 +11915,7 @@
               </a:ln>
               <a:extLst>
                 <a:ext uri="{91240B29-F687-4f45-9708-019B960494DF}">
-                  <a14:hiddenLine xmlns:a14="http://schemas.microsoft.com/office/drawing/2010/main" xmlns="" w="9525">
+                  <a14:hiddenLine xmlns="" xmlns:a14="http://schemas.microsoft.com/office/drawing/2010/main" w="9525">
                     <a:solidFill>
                       <a:srgbClr val="000000"/>
                     </a:solidFill>
@@ -12005,7 +12005,7 @@
               </a:ln>
               <a:extLst>
                 <a:ext uri="{91240B29-F687-4f45-9708-019B960494DF}">
-                  <a14:hiddenLine xmlns:a14="http://schemas.microsoft.com/office/drawing/2010/main" xmlns="" w="9525">
+                  <a14:hiddenLine xmlns="" xmlns:a14="http://schemas.microsoft.com/office/drawing/2010/main" w="9525">
                     <a:solidFill>
                       <a:srgbClr val="000000"/>
                     </a:solidFill>
@@ -12070,7 +12070,7 @@
               </a:ln>
               <a:extLst>
                 <a:ext uri="{91240B29-F687-4f45-9708-019B960494DF}">
-                  <a14:hiddenLine xmlns:a14="http://schemas.microsoft.com/office/drawing/2010/main" xmlns="" w="9525">
+                  <a14:hiddenLine xmlns="" xmlns:a14="http://schemas.microsoft.com/office/drawing/2010/main" w="9525">
                     <a:solidFill>
                       <a:srgbClr val="000000"/>
                     </a:solidFill>
@@ -12160,7 +12160,7 @@
               </a:ln>
               <a:extLst>
                 <a:ext uri="{91240B29-F687-4f45-9708-019B960494DF}">
-                  <a14:hiddenLine xmlns:a14="http://schemas.microsoft.com/office/drawing/2010/main" xmlns="" w="9525">
+                  <a14:hiddenLine xmlns="" xmlns:a14="http://schemas.microsoft.com/office/drawing/2010/main" w="9525">
                     <a:solidFill>
                       <a:srgbClr val="000000"/>
                     </a:solidFill>
@@ -12228,7 +12228,7 @@
               </a:ln>
               <a:extLst>
                 <a:ext uri="{91240B29-F687-4f45-9708-019B960494DF}">
-                  <a14:hiddenLine xmlns:a14="http://schemas.microsoft.com/office/drawing/2010/main" xmlns="" w="9525">
+                  <a14:hiddenLine xmlns="" xmlns:a14="http://schemas.microsoft.com/office/drawing/2010/main" w="9525">
                     <a:solidFill>
                       <a:srgbClr val="000000"/>
                     </a:solidFill>
@@ -12318,7 +12318,7 @@
               </a:ln>
               <a:extLst>
                 <a:ext uri="{91240B29-F687-4f45-9708-019B960494DF}">
-                  <a14:hiddenLine xmlns:a14="http://schemas.microsoft.com/office/drawing/2010/main" xmlns="" w="9525">
+                  <a14:hiddenLine xmlns="" xmlns:a14="http://schemas.microsoft.com/office/drawing/2010/main" w="9525">
                     <a:solidFill>
                       <a:srgbClr val="000000"/>
                     </a:solidFill>
@@ -12386,7 +12386,7 @@
               </a:ln>
               <a:extLst>
                 <a:ext uri="{91240B29-F687-4f45-9708-019B960494DF}">
-                  <a14:hiddenLine xmlns:a14="http://schemas.microsoft.com/office/drawing/2010/main" xmlns="" w="9525">
+                  <a14:hiddenLine xmlns="" xmlns:a14="http://schemas.microsoft.com/office/drawing/2010/main" w="9525">
                     <a:solidFill>
                       <a:srgbClr val="000000"/>
                     </a:solidFill>
@@ -12476,7 +12476,7 @@
               </a:ln>
               <a:extLst>
                 <a:ext uri="{91240B29-F687-4f45-9708-019B960494DF}">
-                  <a14:hiddenLine xmlns:a14="http://schemas.microsoft.com/office/drawing/2010/main" xmlns="" w="9525">
+                  <a14:hiddenLine xmlns="" xmlns:a14="http://schemas.microsoft.com/office/drawing/2010/main" w="9525">
                     <a:solidFill>
                       <a:srgbClr val="000000"/>
                     </a:solidFill>
@@ -12510,7 +12510,7 @@
               </a:ln>
               <a:extLst>
                 <a:ext uri="{91240B29-F687-4f45-9708-019B960494DF}">
-                  <a14:hiddenLine xmlns:a14="http://schemas.microsoft.com/office/drawing/2010/main" xmlns="" w="9525">
+                  <a14:hiddenLine xmlns="" xmlns:a14="http://schemas.microsoft.com/office/drawing/2010/main" w="9525">
                     <a:solidFill>
                       <a:srgbClr val="000000"/>
                     </a:solidFill>
@@ -13231,8 +13231,12 @@
           </a:p>
           <a:p>
             <a:r>
+              <a:rPr lang="en-US"/>
+              <a:t>Graphical elements </a:t>
+            </a:r>
+            <a:r>
               <a:rPr lang="en-US" dirty="0"/>
-              <a:t>Graphical images in </a:t>
+              <a:t>in </a:t>
             </a:r>
             <a:r>
               <a:rPr lang="en-US" dirty="0" err="1"/>
@@ -13666,7 +13670,6 @@
               <a:rPr lang="en-US" dirty="0"/>
               <a:t> </a:t>
             </a:r>
-            <a:endParaRPr lang="en-US" dirty="0"/>
           </a:p>
         </p:txBody>
       </p:sp>

--- a/doc/Project Presentation - Ra 2017-03.pptx
+++ b/doc/Project Presentation - Ra 2017-03.pptx
@@ -5,7 +5,7 @@
     <p:sldMasterId id="2147483648" r:id="rId1"/>
   </p:sldMasterIdLst>
   <p:notesMasterIdLst>
-    <p:notesMasterId r:id="rId14"/>
+    <p:notesMasterId r:id="rId15"/>
   </p:notesMasterIdLst>
   <p:sldIdLst>
     <p:sldId id="256" r:id="rId2"/>
@@ -20,6 +20,7 @@
     <p:sldId id="264" r:id="rId11"/>
     <p:sldId id="266" r:id="rId12"/>
     <p:sldId id="265" r:id="rId13"/>
+    <p:sldId id="273" r:id="rId14"/>
   </p:sldIdLst>
   <p:sldSz cx="12192000" cy="6858000"/>
   <p:notesSz cx="6858000" cy="9144000"/>
@@ -126,6 +127,10 @@
 </p:presentation>
 </file>
 
+<file path=ppt/revisionInfo.xml><?xml version="1.0" encoding="utf-8"?>
+<p1510:revInfo xmlns:a="http://schemas.openxmlformats.org/drawingml/2006/main" xmlns:r="http://schemas.openxmlformats.org/officeDocument/2006/relationships" xmlns:p1510="http://schemas.microsoft.com/office/powerpoint/2015/10/main"/>
+</file>
+
 <file path=ppt/notesMasters/notesMaster1.xml><?xml version="1.0" encoding="utf-8"?>
 <p:notesMaster xmlns:a="http://schemas.openxmlformats.org/drawingml/2006/main" xmlns:r="http://schemas.openxmlformats.org/officeDocument/2006/relationships" xmlns:p="http://schemas.openxmlformats.org/presentationml/2006/main">
   <p:cSld>
@@ -208,7 +213,7 @@
           <a:p>
             <a:fld id="{34A4B345-081C-4B36-8A2B-252C2F6BF39C}" type="datetimeFigureOut">
               <a:rPr lang="en-US" smtClean="0"/>
-              <a:t>3/7/2017</a:t>
+              <a:t>6/13/2017</a:t>
             </a:fld>
             <a:endParaRPr lang="en-US"/>
           </a:p>
@@ -881,7 +886,7 @@
           <a:noFill/>
           <a:extLst>
             <a:ext uri="{909E8E84-426E-40dd-AFC4-6F175D3DCCD1}">
-              <a14:hiddenFill xmlns="" xmlns:a14="http://schemas.microsoft.com/office/drawing/2010/main">
+              <a14:hiddenFill xmlns:a14="http://schemas.microsoft.com/office/drawing/2010/main" xmlns="">
                 <a:solidFill>
                   <a:srgbClr val="FFFFFF"/>
                 </a:solidFill>
@@ -941,7 +946,7 @@
             </a:ln>
             <a:extLst>
               <a:ext uri="{91240B29-F687-4f45-9708-019B960494DF}">
-                <a14:hiddenLine xmlns="" xmlns:a14="http://schemas.microsoft.com/office/drawing/2010/main" w="9525">
+                <a14:hiddenLine xmlns:a14="http://schemas.microsoft.com/office/drawing/2010/main" xmlns="" w="9525">
                   <a:solidFill>
                     <a:srgbClr val="000000"/>
                   </a:solidFill>
@@ -1031,7 +1036,7 @@
             </a:ln>
             <a:extLst>
               <a:ext uri="{91240B29-F687-4f45-9708-019B960494DF}">
-                <a14:hiddenLine xmlns="" xmlns:a14="http://schemas.microsoft.com/office/drawing/2010/main" w="9525">
+                <a14:hiddenLine xmlns:a14="http://schemas.microsoft.com/office/drawing/2010/main" xmlns="" w="9525">
                   <a:solidFill>
                     <a:srgbClr val="000000"/>
                   </a:solidFill>
@@ -1121,7 +1126,7 @@
             </a:ln>
             <a:extLst>
               <a:ext uri="{91240B29-F687-4f45-9708-019B960494DF}">
-                <a14:hiddenLine xmlns="" xmlns:a14="http://schemas.microsoft.com/office/drawing/2010/main" w="9525">
+                <a14:hiddenLine xmlns:a14="http://schemas.microsoft.com/office/drawing/2010/main" xmlns="" w="9525">
                   <a:solidFill>
                     <a:srgbClr val="000000"/>
                   </a:solidFill>
@@ -1155,7 +1160,7 @@
             </a:ln>
             <a:extLst>
               <a:ext uri="{91240B29-F687-4f45-9708-019B960494DF}">
-                <a14:hiddenLine xmlns="" xmlns:a14="http://schemas.microsoft.com/office/drawing/2010/main" w="9525">
+                <a14:hiddenLine xmlns:a14="http://schemas.microsoft.com/office/drawing/2010/main" xmlns="" w="9525">
                   <a:solidFill>
                     <a:srgbClr val="000000"/>
                   </a:solidFill>
@@ -1245,7 +1250,7 @@
             </a:ln>
             <a:extLst>
               <a:ext uri="{91240B29-F687-4f45-9708-019B960494DF}">
-                <a14:hiddenLine xmlns="" xmlns:a14="http://schemas.microsoft.com/office/drawing/2010/main" w="9525">
+                <a14:hiddenLine xmlns:a14="http://schemas.microsoft.com/office/drawing/2010/main" xmlns="" w="9525">
                   <a:solidFill>
                     <a:srgbClr val="000000"/>
                   </a:solidFill>
@@ -1307,7 +1312,7 @@
             </a:ln>
             <a:extLst>
               <a:ext uri="{91240B29-F687-4f45-9708-019B960494DF}">
-                <a14:hiddenLine xmlns="" xmlns:a14="http://schemas.microsoft.com/office/drawing/2010/main" w="9525">
+                <a14:hiddenLine xmlns:a14="http://schemas.microsoft.com/office/drawing/2010/main" xmlns="" w="9525">
                   <a:solidFill>
                     <a:srgbClr val="000000"/>
                   </a:solidFill>
@@ -1369,7 +1374,7 @@
             </a:ln>
             <a:extLst>
               <a:ext uri="{91240B29-F687-4f45-9708-019B960494DF}">
-                <a14:hiddenLine xmlns="" xmlns:a14="http://schemas.microsoft.com/office/drawing/2010/main" w="9525">
+                <a14:hiddenLine xmlns:a14="http://schemas.microsoft.com/office/drawing/2010/main" xmlns="" w="9525">
                   <a:solidFill>
                     <a:srgbClr val="000000"/>
                   </a:solidFill>
@@ -1459,7 +1464,7 @@
             </a:ln>
             <a:extLst>
               <a:ext uri="{91240B29-F687-4f45-9708-019B960494DF}">
-                <a14:hiddenLine xmlns="" xmlns:a14="http://schemas.microsoft.com/office/drawing/2010/main" w="9525">
+                <a14:hiddenLine xmlns:a14="http://schemas.microsoft.com/office/drawing/2010/main" xmlns="" w="9525">
                   <a:solidFill>
                     <a:srgbClr val="000000"/>
                   </a:solidFill>
@@ -1521,7 +1526,7 @@
             </a:ln>
             <a:extLst>
               <a:ext uri="{91240B29-F687-4f45-9708-019B960494DF}">
-                <a14:hiddenLine xmlns="" xmlns:a14="http://schemas.microsoft.com/office/drawing/2010/main" w="9525">
+                <a14:hiddenLine xmlns:a14="http://schemas.microsoft.com/office/drawing/2010/main" xmlns="" w="9525">
                   <a:solidFill>
                     <a:srgbClr val="000000"/>
                   </a:solidFill>
@@ -1583,7 +1588,7 @@
             </a:ln>
             <a:extLst>
               <a:ext uri="{91240B29-F687-4f45-9708-019B960494DF}">
-                <a14:hiddenLine xmlns="" xmlns:a14="http://schemas.microsoft.com/office/drawing/2010/main" w="9525">
+                <a14:hiddenLine xmlns:a14="http://schemas.microsoft.com/office/drawing/2010/main" xmlns="" w="9525">
                   <a:solidFill>
                     <a:srgbClr val="000000"/>
                   </a:solidFill>
@@ -1673,7 +1678,7 @@
             </a:ln>
             <a:extLst>
               <a:ext uri="{91240B29-F687-4f45-9708-019B960494DF}">
-                <a14:hiddenLine xmlns="" xmlns:a14="http://schemas.microsoft.com/office/drawing/2010/main" w="9525">
+                <a14:hiddenLine xmlns:a14="http://schemas.microsoft.com/office/drawing/2010/main" xmlns="" w="9525">
                   <a:solidFill>
                     <a:srgbClr val="000000"/>
                   </a:solidFill>
@@ -1763,7 +1768,7 @@
             </a:ln>
             <a:extLst>
               <a:ext uri="{91240B29-F687-4f45-9708-019B960494DF}">
-                <a14:hiddenLine xmlns="" xmlns:a14="http://schemas.microsoft.com/office/drawing/2010/main" w="9525">
+                <a14:hiddenLine xmlns:a14="http://schemas.microsoft.com/office/drawing/2010/main" xmlns="" w="9525">
                   <a:solidFill>
                     <a:srgbClr val="000000"/>
                   </a:solidFill>
@@ -1825,7 +1830,7 @@
             </a:ln>
             <a:extLst>
               <a:ext uri="{91240B29-F687-4f45-9708-019B960494DF}">
-                <a14:hiddenLine xmlns="" xmlns:a14="http://schemas.microsoft.com/office/drawing/2010/main" w="9525">
+                <a14:hiddenLine xmlns:a14="http://schemas.microsoft.com/office/drawing/2010/main" xmlns="" w="9525">
                   <a:solidFill>
                     <a:srgbClr val="000000"/>
                   </a:solidFill>
@@ -1935,7 +1940,7 @@
             </a:ln>
             <a:extLst>
               <a:ext uri="{91240B29-F687-4f45-9708-019B960494DF}">
-                <a14:hiddenLine xmlns="" xmlns:a14="http://schemas.microsoft.com/office/drawing/2010/main" w="9525">
+                <a14:hiddenLine xmlns:a14="http://schemas.microsoft.com/office/drawing/2010/main" xmlns="" w="9525">
                   <a:solidFill>
                     <a:srgbClr val="000000"/>
                   </a:solidFill>
@@ -1997,7 +2002,7 @@
             </a:ln>
             <a:extLst>
               <a:ext uri="{91240B29-F687-4f45-9708-019B960494DF}">
-                <a14:hiddenLine xmlns="" xmlns:a14="http://schemas.microsoft.com/office/drawing/2010/main" w="9525">
+                <a14:hiddenLine xmlns:a14="http://schemas.microsoft.com/office/drawing/2010/main" xmlns="" w="9525">
                   <a:solidFill>
                     <a:srgbClr val="000000"/>
                   </a:solidFill>
@@ -2087,7 +2092,7 @@
             </a:ln>
             <a:extLst>
               <a:ext uri="{91240B29-F687-4f45-9708-019B960494DF}">
-                <a14:hiddenLine xmlns="" xmlns:a14="http://schemas.microsoft.com/office/drawing/2010/main" w="9525">
+                <a14:hiddenLine xmlns:a14="http://schemas.microsoft.com/office/drawing/2010/main" xmlns="" w="9525">
                   <a:solidFill>
                     <a:srgbClr val="000000"/>
                   </a:solidFill>
@@ -2177,7 +2182,7 @@
             </a:ln>
             <a:extLst>
               <a:ext uri="{91240B29-F687-4f45-9708-019B960494DF}">
-                <a14:hiddenLine xmlns="" xmlns:a14="http://schemas.microsoft.com/office/drawing/2010/main" w="9525">
+                <a14:hiddenLine xmlns:a14="http://schemas.microsoft.com/office/drawing/2010/main" xmlns="" w="9525">
                   <a:solidFill>
                     <a:srgbClr val="000000"/>
                   </a:solidFill>
@@ -2239,7 +2244,7 @@
             </a:ln>
             <a:extLst>
               <a:ext uri="{91240B29-F687-4f45-9708-019B960494DF}">
-                <a14:hiddenLine xmlns="" xmlns:a14="http://schemas.microsoft.com/office/drawing/2010/main" w="9525">
+                <a14:hiddenLine xmlns:a14="http://schemas.microsoft.com/office/drawing/2010/main" xmlns="" w="9525">
                   <a:solidFill>
                     <a:srgbClr val="000000"/>
                   </a:solidFill>
@@ -2329,7 +2334,7 @@
             </a:ln>
             <a:extLst>
               <a:ext uri="{91240B29-F687-4f45-9708-019B960494DF}">
-                <a14:hiddenLine xmlns="" xmlns:a14="http://schemas.microsoft.com/office/drawing/2010/main" w="9525">
+                <a14:hiddenLine xmlns:a14="http://schemas.microsoft.com/office/drawing/2010/main" xmlns="" w="9525">
                   <a:solidFill>
                     <a:srgbClr val="000000"/>
                   </a:solidFill>
@@ -2419,7 +2424,7 @@
             </a:ln>
             <a:extLst>
               <a:ext uri="{91240B29-F687-4f45-9708-019B960494DF}">
-                <a14:hiddenLine xmlns="" xmlns:a14="http://schemas.microsoft.com/office/drawing/2010/main" w="9525">
+                <a14:hiddenLine xmlns:a14="http://schemas.microsoft.com/office/drawing/2010/main" xmlns="" w="9525">
                   <a:solidFill>
                     <a:srgbClr val="000000"/>
                   </a:solidFill>
@@ -2475,7 +2480,7 @@
             </a:ln>
             <a:extLst>
               <a:ext uri="{91240B29-F687-4f45-9708-019B960494DF}">
-                <a14:hiddenLine xmlns="" xmlns:a14="http://schemas.microsoft.com/office/drawing/2010/main" w="9525">
+                <a14:hiddenLine xmlns:a14="http://schemas.microsoft.com/office/drawing/2010/main" xmlns="" w="9525">
                   <a:solidFill>
                     <a:srgbClr val="000000"/>
                   </a:solidFill>
@@ -2565,7 +2570,7 @@
             </a:ln>
             <a:extLst>
               <a:ext uri="{91240B29-F687-4f45-9708-019B960494DF}">
-                <a14:hiddenLine xmlns="" xmlns:a14="http://schemas.microsoft.com/office/drawing/2010/main" w="9525">
+                <a14:hiddenLine xmlns:a14="http://schemas.microsoft.com/office/drawing/2010/main" xmlns="" w="9525">
                   <a:solidFill>
                     <a:srgbClr val="000000"/>
                   </a:solidFill>
@@ -2621,7 +2626,7 @@
             </a:ln>
             <a:extLst>
               <a:ext uri="{91240B29-F687-4f45-9708-019B960494DF}">
-                <a14:hiddenLine xmlns="" xmlns:a14="http://schemas.microsoft.com/office/drawing/2010/main" w="9525">
+                <a14:hiddenLine xmlns:a14="http://schemas.microsoft.com/office/drawing/2010/main" xmlns="" w="9525">
                   <a:solidFill>
                     <a:srgbClr val="000000"/>
                   </a:solidFill>
@@ -2711,7 +2716,7 @@
             </a:ln>
             <a:extLst>
               <a:ext uri="{91240B29-F687-4f45-9708-019B960494DF}">
-                <a14:hiddenLine xmlns="" xmlns:a14="http://schemas.microsoft.com/office/drawing/2010/main" w="9525">
+                <a14:hiddenLine xmlns:a14="http://schemas.microsoft.com/office/drawing/2010/main" xmlns="" w="9525">
                   <a:solidFill>
                     <a:srgbClr val="000000"/>
                   </a:solidFill>
@@ -2779,7 +2784,7 @@
             </a:ln>
             <a:extLst>
               <a:ext uri="{91240B29-F687-4f45-9708-019B960494DF}">
-                <a14:hiddenLine xmlns="" xmlns:a14="http://schemas.microsoft.com/office/drawing/2010/main" w="9525">
+                <a14:hiddenLine xmlns:a14="http://schemas.microsoft.com/office/drawing/2010/main" xmlns="" w="9525">
                   <a:solidFill>
                     <a:srgbClr val="000000"/>
                   </a:solidFill>
@@ -2869,7 +2874,7 @@
             </a:ln>
             <a:extLst>
               <a:ext uri="{91240B29-F687-4f45-9708-019B960494DF}">
-                <a14:hiddenLine xmlns="" xmlns:a14="http://schemas.microsoft.com/office/drawing/2010/main" w="9525">
+                <a14:hiddenLine xmlns:a14="http://schemas.microsoft.com/office/drawing/2010/main" xmlns="" w="9525">
                   <a:solidFill>
                     <a:srgbClr val="000000"/>
                   </a:solidFill>
@@ -2937,7 +2942,7 @@
             </a:ln>
             <a:extLst>
               <a:ext uri="{91240B29-F687-4f45-9708-019B960494DF}">
-                <a14:hiddenLine xmlns="" xmlns:a14="http://schemas.microsoft.com/office/drawing/2010/main" w="9525">
+                <a14:hiddenLine xmlns:a14="http://schemas.microsoft.com/office/drawing/2010/main" xmlns="" w="9525">
                   <a:solidFill>
                     <a:srgbClr val="000000"/>
                   </a:solidFill>
@@ -3027,7 +3032,7 @@
             </a:ln>
             <a:extLst>
               <a:ext uri="{91240B29-F687-4f45-9708-019B960494DF}">
-                <a14:hiddenLine xmlns="" xmlns:a14="http://schemas.microsoft.com/office/drawing/2010/main" w="9525">
+                <a14:hiddenLine xmlns:a14="http://schemas.microsoft.com/office/drawing/2010/main" xmlns="" w="9525">
                   <a:solidFill>
                     <a:srgbClr val="000000"/>
                   </a:solidFill>
@@ -3061,7 +3066,7 @@
             </a:ln>
             <a:extLst>
               <a:ext uri="{91240B29-F687-4f45-9708-019B960494DF}">
-                <a14:hiddenLine xmlns="" xmlns:a14="http://schemas.microsoft.com/office/drawing/2010/main" w="9525">
+                <a14:hiddenLine xmlns:a14="http://schemas.microsoft.com/office/drawing/2010/main" xmlns="" w="9525">
                   <a:solidFill>
                     <a:srgbClr val="000000"/>
                   </a:solidFill>
@@ -3151,7 +3156,7 @@
             </a:ln>
             <a:extLst>
               <a:ext uri="{91240B29-F687-4f45-9708-019B960494DF}">
-                <a14:hiddenLine xmlns="" xmlns:a14="http://schemas.microsoft.com/office/drawing/2010/main" w="9525">
+                <a14:hiddenLine xmlns:a14="http://schemas.microsoft.com/office/drawing/2010/main" xmlns="" w="9525">
                   <a:solidFill>
                     <a:srgbClr val="000000"/>
                   </a:solidFill>
@@ -3213,7 +3218,7 @@
             </a:ln>
             <a:extLst>
               <a:ext uri="{91240B29-F687-4f45-9708-019B960494DF}">
-                <a14:hiddenLine xmlns="" xmlns:a14="http://schemas.microsoft.com/office/drawing/2010/main" w="9525">
+                <a14:hiddenLine xmlns:a14="http://schemas.microsoft.com/office/drawing/2010/main" xmlns="" w="9525">
                   <a:solidFill>
                     <a:srgbClr val="000000"/>
                   </a:solidFill>
@@ -3275,7 +3280,7 @@
             </a:ln>
             <a:extLst>
               <a:ext uri="{91240B29-F687-4f45-9708-019B960494DF}">
-                <a14:hiddenLine xmlns="" xmlns:a14="http://schemas.microsoft.com/office/drawing/2010/main" w="9525">
+                <a14:hiddenLine xmlns:a14="http://schemas.microsoft.com/office/drawing/2010/main" xmlns="" w="9525">
                   <a:solidFill>
                     <a:srgbClr val="000000"/>
                   </a:solidFill>
@@ -3365,7 +3370,7 @@
             </a:ln>
             <a:extLst>
               <a:ext uri="{91240B29-F687-4f45-9708-019B960494DF}">
-                <a14:hiddenLine xmlns="" xmlns:a14="http://schemas.microsoft.com/office/drawing/2010/main" w="9525">
+                <a14:hiddenLine xmlns:a14="http://schemas.microsoft.com/office/drawing/2010/main" xmlns="" w="9525">
                   <a:solidFill>
                     <a:srgbClr val="000000"/>
                   </a:solidFill>
@@ -3433,7 +3438,7 @@
             </a:ln>
             <a:extLst>
               <a:ext uri="{91240B29-F687-4f45-9708-019B960494DF}">
-                <a14:hiddenLine xmlns="" xmlns:a14="http://schemas.microsoft.com/office/drawing/2010/main" w="9525">
+                <a14:hiddenLine xmlns:a14="http://schemas.microsoft.com/office/drawing/2010/main" xmlns="" w="9525">
                   <a:solidFill>
                     <a:srgbClr val="000000"/>
                   </a:solidFill>
@@ -3495,7 +3500,7 @@
             </a:ln>
             <a:extLst>
               <a:ext uri="{91240B29-F687-4f45-9708-019B960494DF}">
-                <a14:hiddenLine xmlns="" xmlns:a14="http://schemas.microsoft.com/office/drawing/2010/main" w="9525">
+                <a14:hiddenLine xmlns:a14="http://schemas.microsoft.com/office/drawing/2010/main" xmlns="" w="9525">
                   <a:solidFill>
                     <a:srgbClr val="000000"/>
                   </a:solidFill>
@@ -3585,7 +3590,7 @@
             </a:ln>
             <a:extLst>
               <a:ext uri="{91240B29-F687-4f45-9708-019B960494DF}">
-                <a14:hiddenLine xmlns="" xmlns:a14="http://schemas.microsoft.com/office/drawing/2010/main" w="9525">
+                <a14:hiddenLine xmlns:a14="http://schemas.microsoft.com/office/drawing/2010/main" xmlns="" w="9525">
                   <a:solidFill>
                     <a:srgbClr val="000000"/>
                   </a:solidFill>
@@ -3647,7 +3652,7 @@
             </a:ln>
             <a:extLst>
               <a:ext uri="{91240B29-F687-4f45-9708-019B960494DF}">
-                <a14:hiddenLine xmlns="" xmlns:a14="http://schemas.microsoft.com/office/drawing/2010/main" w="9525">
+                <a14:hiddenLine xmlns:a14="http://schemas.microsoft.com/office/drawing/2010/main" xmlns="" w="9525">
                   <a:solidFill>
                     <a:srgbClr val="000000"/>
                   </a:solidFill>
@@ -3737,7 +3742,7 @@
             </a:ln>
             <a:extLst>
               <a:ext uri="{91240B29-F687-4f45-9708-019B960494DF}">
-                <a14:hiddenLine xmlns="" xmlns:a14="http://schemas.microsoft.com/office/drawing/2010/main" w="9525">
+                <a14:hiddenLine xmlns:a14="http://schemas.microsoft.com/office/drawing/2010/main" xmlns="" w="9525">
                   <a:solidFill>
                     <a:srgbClr val="000000"/>
                   </a:solidFill>
@@ -3799,7 +3804,7 @@
             </a:ln>
             <a:extLst>
               <a:ext uri="{91240B29-F687-4f45-9708-019B960494DF}">
-                <a14:hiddenLine xmlns="" xmlns:a14="http://schemas.microsoft.com/office/drawing/2010/main" w="9525">
+                <a14:hiddenLine xmlns:a14="http://schemas.microsoft.com/office/drawing/2010/main" xmlns="" w="9525">
                   <a:solidFill>
                     <a:srgbClr val="000000"/>
                   </a:solidFill>
@@ -3889,7 +3894,7 @@
             </a:ln>
             <a:extLst>
               <a:ext uri="{91240B29-F687-4f45-9708-019B960494DF}">
-                <a14:hiddenLine xmlns="" xmlns:a14="http://schemas.microsoft.com/office/drawing/2010/main" w="9525">
+                <a14:hiddenLine xmlns:a14="http://schemas.microsoft.com/office/drawing/2010/main" xmlns="" w="9525">
                   <a:solidFill>
                     <a:srgbClr val="000000"/>
                   </a:solidFill>
@@ -3923,7 +3928,7 @@
             </a:ln>
             <a:extLst>
               <a:ext uri="{91240B29-F687-4f45-9708-019B960494DF}">
-                <a14:hiddenLine xmlns="" xmlns:a14="http://schemas.microsoft.com/office/drawing/2010/main" w="9525">
+                <a14:hiddenLine xmlns:a14="http://schemas.microsoft.com/office/drawing/2010/main" xmlns="" w="9525">
                   <a:solidFill>
                     <a:srgbClr val="000000"/>
                   </a:solidFill>
@@ -3988,7 +3993,7 @@
             </a:ln>
             <a:extLst>
               <a:ext uri="{91240B29-F687-4f45-9708-019B960494DF}">
-                <a14:hiddenLine xmlns="" xmlns:a14="http://schemas.microsoft.com/office/drawing/2010/main" w="9525">
+                <a14:hiddenLine xmlns:a14="http://schemas.microsoft.com/office/drawing/2010/main" xmlns="" w="9525">
                   <a:solidFill>
                     <a:srgbClr val="000000"/>
                   </a:solidFill>
@@ -4078,7 +4083,7 @@
             </a:ln>
             <a:extLst>
               <a:ext uri="{91240B29-F687-4f45-9708-019B960494DF}">
-                <a14:hiddenLine xmlns="" xmlns:a14="http://schemas.microsoft.com/office/drawing/2010/main" w="9525">
+                <a14:hiddenLine xmlns:a14="http://schemas.microsoft.com/office/drawing/2010/main" xmlns="" w="9525">
                   <a:solidFill>
                     <a:srgbClr val="000000"/>
                   </a:solidFill>
@@ -4140,7 +4145,7 @@
             </a:ln>
             <a:extLst>
               <a:ext uri="{91240B29-F687-4f45-9708-019B960494DF}">
-                <a14:hiddenLine xmlns="" xmlns:a14="http://schemas.microsoft.com/office/drawing/2010/main" w="9525">
+                <a14:hiddenLine xmlns:a14="http://schemas.microsoft.com/office/drawing/2010/main" xmlns="" w="9525">
                   <a:solidFill>
                     <a:srgbClr val="000000"/>
                   </a:solidFill>
@@ -4230,7 +4235,7 @@
             </a:ln>
             <a:extLst>
               <a:ext uri="{91240B29-F687-4f45-9708-019B960494DF}">
-                <a14:hiddenLine xmlns="" xmlns:a14="http://schemas.microsoft.com/office/drawing/2010/main" w="9525">
+                <a14:hiddenLine xmlns:a14="http://schemas.microsoft.com/office/drawing/2010/main" xmlns="" w="9525">
                   <a:solidFill>
                     <a:srgbClr val="000000"/>
                   </a:solidFill>
@@ -4320,7 +4325,7 @@
             </a:ln>
             <a:extLst>
               <a:ext uri="{91240B29-F687-4f45-9708-019B960494DF}">
-                <a14:hiddenLine xmlns="" xmlns:a14="http://schemas.microsoft.com/office/drawing/2010/main" w="9525">
+                <a14:hiddenLine xmlns:a14="http://schemas.microsoft.com/office/drawing/2010/main" xmlns="" w="9525">
                   <a:solidFill>
                     <a:srgbClr val="000000"/>
                   </a:solidFill>
@@ -4385,7 +4390,7 @@
             </a:ln>
             <a:extLst>
               <a:ext uri="{91240B29-F687-4f45-9708-019B960494DF}">
-                <a14:hiddenLine xmlns="" xmlns:a14="http://schemas.microsoft.com/office/drawing/2010/main" w="9525">
+                <a14:hiddenLine xmlns:a14="http://schemas.microsoft.com/office/drawing/2010/main" xmlns="" w="9525">
                   <a:solidFill>
                     <a:srgbClr val="000000"/>
                   </a:solidFill>
@@ -4447,7 +4452,7 @@
             </a:ln>
             <a:extLst>
               <a:ext uri="{91240B29-F687-4f45-9708-019B960494DF}">
-                <a14:hiddenLine xmlns="" xmlns:a14="http://schemas.microsoft.com/office/drawing/2010/main" w="9525">
+                <a14:hiddenLine xmlns:a14="http://schemas.microsoft.com/office/drawing/2010/main" xmlns="" w="9525">
                   <a:solidFill>
                     <a:srgbClr val="000000"/>
                   </a:solidFill>
@@ -4537,7 +4542,7 @@
             </a:ln>
             <a:extLst>
               <a:ext uri="{91240B29-F687-4f45-9708-019B960494DF}">
-                <a14:hiddenLine xmlns="" xmlns:a14="http://schemas.microsoft.com/office/drawing/2010/main" w="9525">
+                <a14:hiddenLine xmlns:a14="http://schemas.microsoft.com/office/drawing/2010/main" xmlns="" w="9525">
                   <a:solidFill>
                     <a:srgbClr val="000000"/>
                   </a:solidFill>
@@ -4627,7 +4632,7 @@
             </a:ln>
             <a:extLst>
               <a:ext uri="{91240B29-F687-4f45-9708-019B960494DF}">
-                <a14:hiddenLine xmlns="" xmlns:a14="http://schemas.microsoft.com/office/drawing/2010/main" w="9525">
+                <a14:hiddenLine xmlns:a14="http://schemas.microsoft.com/office/drawing/2010/main" xmlns="" w="9525">
                   <a:solidFill>
                     <a:srgbClr val="000000"/>
                   </a:solidFill>
@@ -4689,7 +4694,7 @@
             </a:ln>
             <a:extLst>
               <a:ext uri="{91240B29-F687-4f45-9708-019B960494DF}">
-                <a14:hiddenLine xmlns="" xmlns:a14="http://schemas.microsoft.com/office/drawing/2010/main" w="9525">
+                <a14:hiddenLine xmlns:a14="http://schemas.microsoft.com/office/drawing/2010/main" xmlns="" w="9525">
                   <a:solidFill>
                     <a:srgbClr val="000000"/>
                   </a:solidFill>
@@ -4809,7 +4814,7 @@
             </a:ln>
             <a:extLst>
               <a:ext uri="{91240B29-F687-4f45-9708-019B960494DF}">
-                <a14:hiddenLine xmlns="" xmlns:a14="http://schemas.microsoft.com/office/drawing/2010/main" w="9525">
+                <a14:hiddenLine xmlns:a14="http://schemas.microsoft.com/office/drawing/2010/main" xmlns="" w="9525">
                   <a:solidFill>
                     <a:srgbClr val="000000"/>
                   </a:solidFill>
@@ -4877,7 +4882,7 @@
             </a:ln>
             <a:extLst>
               <a:ext uri="{91240B29-F687-4f45-9708-019B960494DF}">
-                <a14:hiddenLine xmlns="" xmlns:a14="http://schemas.microsoft.com/office/drawing/2010/main" w="9525">
+                <a14:hiddenLine xmlns:a14="http://schemas.microsoft.com/office/drawing/2010/main" xmlns="" w="9525">
                   <a:solidFill>
                     <a:srgbClr val="000000"/>
                   </a:solidFill>
@@ -4967,7 +4972,7 @@
             </a:ln>
             <a:extLst>
               <a:ext uri="{91240B29-F687-4f45-9708-019B960494DF}">
-                <a14:hiddenLine xmlns="" xmlns:a14="http://schemas.microsoft.com/office/drawing/2010/main" w="9525">
+                <a14:hiddenLine xmlns:a14="http://schemas.microsoft.com/office/drawing/2010/main" xmlns="" w="9525">
                   <a:solidFill>
                     <a:srgbClr val="000000"/>
                   </a:solidFill>
@@ -5107,7 +5112,7 @@
           <a:p>
             <a:fld id="{48A87A34-81AB-432B-8DAE-1953F412C126}" type="datetimeFigureOut">
               <a:rPr lang="en-US" dirty="0"/>
-              <a:t>3/7/2017</a:t>
+              <a:t>6/13/2017</a:t>
             </a:fld>
             <a:endParaRPr lang="en-US" dirty="0"/>
           </a:p>
@@ -5369,7 +5374,7 @@
           <a:p>
             <a:fld id="{48A87A34-81AB-432B-8DAE-1953F412C126}" type="datetimeFigureOut">
               <a:rPr lang="en-US" dirty="0"/>
-              <a:t>3/7/2017</a:t>
+              <a:t>6/13/2017</a:t>
             </a:fld>
             <a:endParaRPr lang="en-US" dirty="0"/>
           </a:p>
@@ -5560,7 +5565,7 @@
           <a:p>
             <a:fld id="{48A87A34-81AB-432B-8DAE-1953F412C126}" type="datetimeFigureOut">
               <a:rPr lang="en-US" dirty="0"/>
-              <a:t>3/7/2017</a:t>
+              <a:t>6/13/2017</a:t>
             </a:fld>
             <a:endParaRPr lang="en-US" dirty="0"/>
           </a:p>
@@ -5818,7 +5823,7 @@
           <a:p>
             <a:fld id="{48A87A34-81AB-432B-8DAE-1953F412C126}" type="datetimeFigureOut">
               <a:rPr lang="en-US" dirty="0"/>
-              <a:t>3/7/2017</a:t>
+              <a:t>6/13/2017</a:t>
             </a:fld>
             <a:endParaRPr lang="en-US" dirty="0"/>
           </a:p>
@@ -6247,7 +6252,7 @@
           <a:p>
             <a:fld id="{48A87A34-81AB-432B-8DAE-1953F412C126}" type="datetimeFigureOut">
               <a:rPr lang="en-US" dirty="0"/>
-              <a:t>3/7/2017</a:t>
+              <a:t>6/13/2017</a:t>
             </a:fld>
             <a:endParaRPr lang="en-US" dirty="0"/>
           </a:p>
@@ -6788,7 +6793,7 @@
           <a:p>
             <a:fld id="{48A87A34-81AB-432B-8DAE-1953F412C126}" type="datetimeFigureOut">
               <a:rPr lang="en-US" dirty="0"/>
-              <a:t>3/7/2017</a:t>
+              <a:t>6/13/2017</a:t>
             </a:fld>
             <a:endParaRPr lang="en-US" dirty="0"/>
           </a:p>
@@ -7503,7 +7508,7 @@
           <a:p>
             <a:fld id="{48A87A34-81AB-432B-8DAE-1953F412C126}" type="datetimeFigureOut">
               <a:rPr lang="en-US" dirty="0"/>
-              <a:t>3/7/2017</a:t>
+              <a:t>6/13/2017</a:t>
             </a:fld>
             <a:endParaRPr lang="en-US" dirty="0"/>
           </a:p>
@@ -7668,7 +7673,7 @@
           <a:p>
             <a:fld id="{48A87A34-81AB-432B-8DAE-1953F412C126}" type="datetimeFigureOut">
               <a:rPr lang="en-US" dirty="0"/>
-              <a:t>3/7/2017</a:t>
+              <a:t>6/13/2017</a:t>
             </a:fld>
             <a:endParaRPr lang="en-US" dirty="0"/>
           </a:p>
@@ -7843,7 +7848,7 @@
           <a:p>
             <a:fld id="{48A87A34-81AB-432B-8DAE-1953F412C126}" type="datetimeFigureOut">
               <a:rPr lang="en-US" dirty="0"/>
-              <a:t>3/7/2017</a:t>
+              <a:t>6/13/2017</a:t>
             </a:fld>
             <a:endParaRPr lang="en-US" dirty="0"/>
           </a:p>
@@ -8008,7 +8013,7 @@
           <a:p>
             <a:fld id="{48A87A34-81AB-432B-8DAE-1953F412C126}" type="datetimeFigureOut">
               <a:rPr lang="en-US" dirty="0"/>
-              <a:t>3/7/2017</a:t>
+              <a:t>6/13/2017</a:t>
             </a:fld>
             <a:endParaRPr lang="en-US" dirty="0"/>
           </a:p>
@@ -8253,7 +8258,7 @@
           <a:p>
             <a:fld id="{48A87A34-81AB-432B-8DAE-1953F412C126}" type="datetimeFigureOut">
               <a:rPr lang="en-US" dirty="0"/>
-              <a:t>3/7/2017</a:t>
+              <a:t>6/13/2017</a:t>
             </a:fld>
             <a:endParaRPr lang="en-US" dirty="0"/>
           </a:p>
@@ -8480,7 +8485,7 @@
           <a:p>
             <a:fld id="{48A87A34-81AB-432B-8DAE-1953F412C126}" type="datetimeFigureOut">
               <a:rPr lang="en-US" dirty="0"/>
-              <a:t>3/7/2017</a:t>
+              <a:t>6/13/2017</a:t>
             </a:fld>
             <a:endParaRPr lang="en-US" dirty="0"/>
           </a:p>
@@ -8856,7 +8861,7 @@
           <a:p>
             <a:fld id="{48A87A34-81AB-432B-8DAE-1953F412C126}" type="datetimeFigureOut">
               <a:rPr lang="en-US" dirty="0"/>
-              <a:t>3/7/2017</a:t>
+              <a:t>6/13/2017</a:t>
             </a:fld>
             <a:endParaRPr lang="en-US" dirty="0"/>
           </a:p>
@@ -8969,7 +8974,7 @@
           <a:p>
             <a:fld id="{48A87A34-81AB-432B-8DAE-1953F412C126}" type="datetimeFigureOut">
               <a:rPr lang="en-US" dirty="0"/>
-              <a:t>3/7/2017</a:t>
+              <a:t>6/13/2017</a:t>
             </a:fld>
             <a:endParaRPr lang="en-US" dirty="0"/>
           </a:p>
@@ -9059,7 +9064,7 @@
           <a:p>
             <a:fld id="{48A87A34-81AB-432B-8DAE-1953F412C126}" type="datetimeFigureOut">
               <a:rPr lang="en-US" dirty="0"/>
-              <a:t>3/7/2017</a:t>
+              <a:t>6/13/2017</a:t>
             </a:fld>
             <a:endParaRPr lang="en-US" dirty="0"/>
           </a:p>
@@ -9303,7 +9308,7 @@
           <a:p>
             <a:fld id="{48A87A34-81AB-432B-8DAE-1953F412C126}" type="datetimeFigureOut">
               <a:rPr lang="en-US" dirty="0"/>
-              <a:t>3/7/2017</a:t>
+              <a:t>6/13/2017</a:t>
             </a:fld>
             <a:endParaRPr lang="en-US" dirty="0"/>
           </a:p>
@@ -9578,7 +9583,7 @@
           <a:p>
             <a:fld id="{48A87A34-81AB-432B-8DAE-1953F412C126}" type="datetimeFigureOut">
               <a:rPr lang="en-US" dirty="0"/>
-              <a:t>3/7/2017</a:t>
+              <a:t>6/13/2017</a:t>
             </a:fld>
             <a:endParaRPr lang="en-US" dirty="0"/>
           </a:p>
@@ -9689,7 +9694,7 @@
           <a:noFill/>
           <a:extLst>
             <a:ext uri="{909E8E84-426E-40dd-AFC4-6F175D3DCCD1}">
-              <a14:hiddenFill xmlns="" xmlns:a14="http://schemas.microsoft.com/office/drawing/2010/main">
+              <a14:hiddenFill xmlns:a14="http://schemas.microsoft.com/office/drawing/2010/main" xmlns="">
                 <a:solidFill>
                   <a:srgbClr val="FFFFFF"/>
                 </a:solidFill>
@@ -9763,7 +9768,7 @@
               </a:ln>
               <a:extLst>
                 <a:ext uri="{91240B29-F687-4f45-9708-019B960494DF}">
-                  <a14:hiddenLine xmlns="" xmlns:a14="http://schemas.microsoft.com/office/drawing/2010/main" w="9525">
+                  <a14:hiddenLine xmlns:a14="http://schemas.microsoft.com/office/drawing/2010/main" xmlns="" w="9525">
                     <a:solidFill>
                       <a:srgbClr val="000000"/>
                     </a:solidFill>
@@ -9853,7 +9858,7 @@
               </a:ln>
               <a:extLst>
                 <a:ext uri="{91240B29-F687-4f45-9708-019B960494DF}">
-                  <a14:hiddenLine xmlns="" xmlns:a14="http://schemas.microsoft.com/office/drawing/2010/main" w="9525">
+                  <a14:hiddenLine xmlns:a14="http://schemas.microsoft.com/office/drawing/2010/main" xmlns="" w="9525">
                     <a:solidFill>
                       <a:srgbClr val="000000"/>
                     </a:solidFill>
@@ -9943,7 +9948,7 @@
               </a:ln>
               <a:extLst>
                 <a:ext uri="{91240B29-F687-4f45-9708-019B960494DF}">
-                  <a14:hiddenLine xmlns="" xmlns:a14="http://schemas.microsoft.com/office/drawing/2010/main" w="9525">
+                  <a14:hiddenLine xmlns:a14="http://schemas.microsoft.com/office/drawing/2010/main" xmlns="" w="9525">
                     <a:solidFill>
                       <a:srgbClr val="000000"/>
                     </a:solidFill>
@@ -10005,7 +10010,7 @@
               </a:ln>
               <a:extLst>
                 <a:ext uri="{91240B29-F687-4f45-9708-019B960494DF}">
-                  <a14:hiddenLine xmlns="" xmlns:a14="http://schemas.microsoft.com/office/drawing/2010/main" w="9525">
+                  <a14:hiddenLine xmlns:a14="http://schemas.microsoft.com/office/drawing/2010/main" xmlns="" w="9525">
                     <a:solidFill>
                       <a:srgbClr val="000000"/>
                     </a:solidFill>
@@ -10095,7 +10100,7 @@
               </a:ln>
               <a:extLst>
                 <a:ext uri="{91240B29-F687-4f45-9708-019B960494DF}">
-                  <a14:hiddenLine xmlns="" xmlns:a14="http://schemas.microsoft.com/office/drawing/2010/main" w="9525">
+                  <a14:hiddenLine xmlns:a14="http://schemas.microsoft.com/office/drawing/2010/main" xmlns="" w="9525">
                     <a:solidFill>
                       <a:srgbClr val="000000"/>
                     </a:solidFill>
@@ -10157,7 +10162,7 @@
               </a:ln>
               <a:extLst>
                 <a:ext uri="{91240B29-F687-4f45-9708-019B960494DF}">
-                  <a14:hiddenLine xmlns="" xmlns:a14="http://schemas.microsoft.com/office/drawing/2010/main" w="9525">
+                  <a14:hiddenLine xmlns:a14="http://schemas.microsoft.com/office/drawing/2010/main" xmlns="" w="9525">
                     <a:solidFill>
                       <a:srgbClr val="000000"/>
                     </a:solidFill>
@@ -10219,7 +10224,7 @@
               </a:ln>
               <a:extLst>
                 <a:ext uri="{91240B29-F687-4f45-9708-019B960494DF}">
-                  <a14:hiddenLine xmlns="" xmlns:a14="http://schemas.microsoft.com/office/drawing/2010/main" w="9525">
+                  <a14:hiddenLine xmlns:a14="http://schemas.microsoft.com/office/drawing/2010/main" xmlns="" w="9525">
                     <a:solidFill>
                       <a:srgbClr val="000000"/>
                     </a:solidFill>
@@ -10309,7 +10314,7 @@
               </a:ln>
               <a:extLst>
                 <a:ext uri="{91240B29-F687-4f45-9708-019B960494DF}">
-                  <a14:hiddenLine xmlns="" xmlns:a14="http://schemas.microsoft.com/office/drawing/2010/main" w="9525">
+                  <a14:hiddenLine xmlns:a14="http://schemas.microsoft.com/office/drawing/2010/main" xmlns="" w="9525">
                     <a:solidFill>
                       <a:srgbClr val="000000"/>
                     </a:solidFill>
@@ -10399,7 +10404,7 @@
               </a:ln>
               <a:extLst>
                 <a:ext uri="{91240B29-F687-4f45-9708-019B960494DF}">
-                  <a14:hiddenLine xmlns="" xmlns:a14="http://schemas.microsoft.com/office/drawing/2010/main" w="9525">
+                  <a14:hiddenLine xmlns:a14="http://schemas.microsoft.com/office/drawing/2010/main" xmlns="" w="9525">
                     <a:solidFill>
                       <a:srgbClr val="000000"/>
                     </a:solidFill>
@@ -10461,7 +10466,7 @@
               </a:ln>
               <a:extLst>
                 <a:ext uri="{91240B29-F687-4f45-9708-019B960494DF}">
-                  <a14:hiddenLine xmlns="" xmlns:a14="http://schemas.microsoft.com/office/drawing/2010/main" w="9525">
+                  <a14:hiddenLine xmlns:a14="http://schemas.microsoft.com/office/drawing/2010/main" xmlns="" w="9525">
                     <a:solidFill>
                       <a:srgbClr val="000000"/>
                     </a:solidFill>
@@ -10571,7 +10576,7 @@
               </a:ln>
               <a:extLst>
                 <a:ext uri="{91240B29-F687-4f45-9708-019B960494DF}">
-                  <a14:hiddenLine xmlns="" xmlns:a14="http://schemas.microsoft.com/office/drawing/2010/main" w="9525">
+                  <a14:hiddenLine xmlns:a14="http://schemas.microsoft.com/office/drawing/2010/main" xmlns="" w="9525">
                     <a:solidFill>
                       <a:srgbClr val="000000"/>
                     </a:solidFill>
@@ -10655,7 +10660,7 @@
               </a:ln>
               <a:extLst>
                 <a:ext uri="{91240B29-F687-4f45-9708-019B960494DF}">
-                  <a14:hiddenLine xmlns="" xmlns:a14="http://schemas.microsoft.com/office/drawing/2010/main" w="9525">
+                  <a14:hiddenLine xmlns:a14="http://schemas.microsoft.com/office/drawing/2010/main" xmlns="" w="9525">
                     <a:solidFill>
                       <a:srgbClr val="000000"/>
                     </a:solidFill>
@@ -10717,7 +10722,7 @@
               </a:ln>
               <a:extLst>
                 <a:ext uri="{91240B29-F687-4f45-9708-019B960494DF}">
-                  <a14:hiddenLine xmlns="" xmlns:a14="http://schemas.microsoft.com/office/drawing/2010/main" w="9525">
+                  <a14:hiddenLine xmlns:a14="http://schemas.microsoft.com/office/drawing/2010/main" xmlns="" w="9525">
                     <a:solidFill>
                       <a:srgbClr val="000000"/>
                     </a:solidFill>
@@ -10779,7 +10784,7 @@
               </a:ln>
               <a:extLst>
                 <a:ext uri="{91240B29-F687-4f45-9708-019B960494DF}">
-                  <a14:hiddenLine xmlns="" xmlns:a14="http://schemas.microsoft.com/office/drawing/2010/main" w="9525">
+                  <a14:hiddenLine xmlns:a14="http://schemas.microsoft.com/office/drawing/2010/main" xmlns="" w="9525">
                     <a:solidFill>
                       <a:srgbClr val="000000"/>
                     </a:solidFill>
@@ -10869,7 +10874,7 @@
               </a:ln>
               <a:extLst>
                 <a:ext uri="{91240B29-F687-4f45-9708-019B960494DF}">
-                  <a14:hiddenLine xmlns="" xmlns:a14="http://schemas.microsoft.com/office/drawing/2010/main" w="9525">
+                  <a14:hiddenLine xmlns:a14="http://schemas.microsoft.com/office/drawing/2010/main" xmlns="" w="9525">
                     <a:solidFill>
                       <a:srgbClr val="000000"/>
                     </a:solidFill>
@@ -10903,7 +10908,7 @@
               </a:ln>
               <a:extLst>
                 <a:ext uri="{91240B29-F687-4f45-9708-019B960494DF}">
-                  <a14:hiddenLine xmlns="" xmlns:a14="http://schemas.microsoft.com/office/drawing/2010/main" w="9525">
+                  <a14:hiddenLine xmlns:a14="http://schemas.microsoft.com/office/drawing/2010/main" xmlns="" w="9525">
                     <a:solidFill>
                       <a:srgbClr val="000000"/>
                     </a:solidFill>
@@ -10968,7 +10973,7 @@
               </a:ln>
               <a:extLst>
                 <a:ext uri="{91240B29-F687-4f45-9708-019B960494DF}">
-                  <a14:hiddenLine xmlns="" xmlns:a14="http://schemas.microsoft.com/office/drawing/2010/main" w="9525">
+                  <a14:hiddenLine xmlns:a14="http://schemas.microsoft.com/office/drawing/2010/main" xmlns="" w="9525">
                     <a:solidFill>
                       <a:srgbClr val="000000"/>
                     </a:solidFill>
@@ -11058,7 +11063,7 @@
               </a:ln>
               <a:extLst>
                 <a:ext uri="{91240B29-F687-4f45-9708-019B960494DF}">
-                  <a14:hiddenLine xmlns="" xmlns:a14="http://schemas.microsoft.com/office/drawing/2010/main" w="9525">
+                  <a14:hiddenLine xmlns:a14="http://schemas.microsoft.com/office/drawing/2010/main" xmlns="" w="9525">
                     <a:solidFill>
                       <a:srgbClr val="000000"/>
                     </a:solidFill>
@@ -11120,7 +11125,7 @@
               </a:ln>
               <a:extLst>
                 <a:ext uri="{91240B29-F687-4f45-9708-019B960494DF}">
-                  <a14:hiddenLine xmlns="" xmlns:a14="http://schemas.microsoft.com/office/drawing/2010/main" w="9525">
+                  <a14:hiddenLine xmlns:a14="http://schemas.microsoft.com/office/drawing/2010/main" xmlns="" w="9525">
                     <a:solidFill>
                       <a:srgbClr val="000000"/>
                     </a:solidFill>
@@ -11210,7 +11215,7 @@
               </a:ln>
               <a:extLst>
                 <a:ext uri="{91240B29-F687-4f45-9708-019B960494DF}">
-                  <a14:hiddenLine xmlns="" xmlns:a14="http://schemas.microsoft.com/office/drawing/2010/main" w="9525">
+                  <a14:hiddenLine xmlns:a14="http://schemas.microsoft.com/office/drawing/2010/main" xmlns="" w="9525">
                     <a:solidFill>
                       <a:srgbClr val="000000"/>
                     </a:solidFill>
@@ -11275,7 +11280,7 @@
               </a:ln>
               <a:extLst>
                 <a:ext uri="{91240B29-F687-4f45-9708-019B960494DF}">
-                  <a14:hiddenLine xmlns="" xmlns:a14="http://schemas.microsoft.com/office/drawing/2010/main" w="9525">
+                  <a14:hiddenLine xmlns:a14="http://schemas.microsoft.com/office/drawing/2010/main" xmlns="" w="9525">
                     <a:solidFill>
                       <a:srgbClr val="000000"/>
                     </a:solidFill>
@@ -11337,7 +11342,7 @@
               </a:ln>
               <a:extLst>
                 <a:ext uri="{91240B29-F687-4f45-9708-019B960494DF}">
-                  <a14:hiddenLine xmlns="" xmlns:a14="http://schemas.microsoft.com/office/drawing/2010/main" w="9525">
+                  <a14:hiddenLine xmlns:a14="http://schemas.microsoft.com/office/drawing/2010/main" xmlns="" w="9525">
                     <a:solidFill>
                       <a:srgbClr val="000000"/>
                     </a:solidFill>
@@ -11427,7 +11432,7 @@
               </a:ln>
               <a:extLst>
                 <a:ext uri="{91240B29-F687-4f45-9708-019B960494DF}">
-                  <a14:hiddenLine xmlns="" xmlns:a14="http://schemas.microsoft.com/office/drawing/2010/main" w="9525">
+                  <a14:hiddenLine xmlns:a14="http://schemas.microsoft.com/office/drawing/2010/main" xmlns="" w="9525">
                     <a:solidFill>
                       <a:srgbClr val="000000"/>
                     </a:solidFill>
@@ -11517,7 +11522,7 @@
               </a:ln>
               <a:extLst>
                 <a:ext uri="{91240B29-F687-4f45-9708-019B960494DF}">
-                  <a14:hiddenLine xmlns="" xmlns:a14="http://schemas.microsoft.com/office/drawing/2010/main" w="9525">
+                  <a14:hiddenLine xmlns:a14="http://schemas.microsoft.com/office/drawing/2010/main" xmlns="" w="9525">
                     <a:solidFill>
                       <a:srgbClr val="000000"/>
                     </a:solidFill>
@@ -11582,7 +11587,7 @@
               </a:ln>
               <a:extLst>
                 <a:ext uri="{91240B29-F687-4f45-9708-019B960494DF}">
-                  <a14:hiddenLine xmlns="" xmlns:a14="http://schemas.microsoft.com/office/drawing/2010/main" w="9525">
+                  <a14:hiddenLine xmlns:a14="http://schemas.microsoft.com/office/drawing/2010/main" xmlns="" w="9525">
                     <a:solidFill>
                       <a:srgbClr val="000000"/>
                     </a:solidFill>
@@ -11702,7 +11707,7 @@
               </a:ln>
               <a:extLst>
                 <a:ext uri="{91240B29-F687-4f45-9708-019B960494DF}">
-                  <a14:hiddenLine xmlns="" xmlns:a14="http://schemas.microsoft.com/office/drawing/2010/main" w="9525">
+                  <a14:hiddenLine xmlns:a14="http://schemas.microsoft.com/office/drawing/2010/main" xmlns="" w="9525">
                     <a:solidFill>
                       <a:srgbClr val="000000"/>
                     </a:solidFill>
@@ -11800,7 +11805,7 @@
               </a:ln>
               <a:extLst>
                 <a:ext uri="{91240B29-F687-4f45-9708-019B960494DF}">
-                  <a14:hiddenLine xmlns="" xmlns:a14="http://schemas.microsoft.com/office/drawing/2010/main" w="9525">
+                  <a14:hiddenLine xmlns:a14="http://schemas.microsoft.com/office/drawing/2010/main" xmlns="" w="9525">
                     <a:solidFill>
                       <a:srgbClr val="000000"/>
                     </a:solidFill>
@@ -11915,7 +11920,7 @@
               </a:ln>
               <a:extLst>
                 <a:ext uri="{91240B29-F687-4f45-9708-019B960494DF}">
-                  <a14:hiddenLine xmlns="" xmlns:a14="http://schemas.microsoft.com/office/drawing/2010/main" w="9525">
+                  <a14:hiddenLine xmlns:a14="http://schemas.microsoft.com/office/drawing/2010/main" xmlns="" w="9525">
                     <a:solidFill>
                       <a:srgbClr val="000000"/>
                     </a:solidFill>
@@ -12005,7 +12010,7 @@
               </a:ln>
               <a:extLst>
                 <a:ext uri="{91240B29-F687-4f45-9708-019B960494DF}">
-                  <a14:hiddenLine xmlns="" xmlns:a14="http://schemas.microsoft.com/office/drawing/2010/main" w="9525">
+                  <a14:hiddenLine xmlns:a14="http://schemas.microsoft.com/office/drawing/2010/main" xmlns="" w="9525">
                     <a:solidFill>
                       <a:srgbClr val="000000"/>
                     </a:solidFill>
@@ -12070,7 +12075,7 @@
               </a:ln>
               <a:extLst>
                 <a:ext uri="{91240B29-F687-4f45-9708-019B960494DF}">
-                  <a14:hiddenLine xmlns="" xmlns:a14="http://schemas.microsoft.com/office/drawing/2010/main" w="9525">
+                  <a14:hiddenLine xmlns:a14="http://schemas.microsoft.com/office/drawing/2010/main" xmlns="" w="9525">
                     <a:solidFill>
                       <a:srgbClr val="000000"/>
                     </a:solidFill>
@@ -12160,7 +12165,7 @@
               </a:ln>
               <a:extLst>
                 <a:ext uri="{91240B29-F687-4f45-9708-019B960494DF}">
-                  <a14:hiddenLine xmlns="" xmlns:a14="http://schemas.microsoft.com/office/drawing/2010/main" w="9525">
+                  <a14:hiddenLine xmlns:a14="http://schemas.microsoft.com/office/drawing/2010/main" xmlns="" w="9525">
                     <a:solidFill>
                       <a:srgbClr val="000000"/>
                     </a:solidFill>
@@ -12228,7 +12233,7 @@
               </a:ln>
               <a:extLst>
                 <a:ext uri="{91240B29-F687-4f45-9708-019B960494DF}">
-                  <a14:hiddenLine xmlns="" xmlns:a14="http://schemas.microsoft.com/office/drawing/2010/main" w="9525">
+                  <a14:hiddenLine xmlns:a14="http://schemas.microsoft.com/office/drawing/2010/main" xmlns="" w="9525">
                     <a:solidFill>
                       <a:srgbClr val="000000"/>
                     </a:solidFill>
@@ -12318,7 +12323,7 @@
               </a:ln>
               <a:extLst>
                 <a:ext uri="{91240B29-F687-4f45-9708-019B960494DF}">
-                  <a14:hiddenLine xmlns="" xmlns:a14="http://schemas.microsoft.com/office/drawing/2010/main" w="9525">
+                  <a14:hiddenLine xmlns:a14="http://schemas.microsoft.com/office/drawing/2010/main" xmlns="" w="9525">
                     <a:solidFill>
                       <a:srgbClr val="000000"/>
                     </a:solidFill>
@@ -12386,7 +12391,7 @@
               </a:ln>
               <a:extLst>
                 <a:ext uri="{91240B29-F687-4f45-9708-019B960494DF}">
-                  <a14:hiddenLine xmlns="" xmlns:a14="http://schemas.microsoft.com/office/drawing/2010/main" w="9525">
+                  <a14:hiddenLine xmlns:a14="http://schemas.microsoft.com/office/drawing/2010/main" xmlns="" w="9525">
                     <a:solidFill>
                       <a:srgbClr val="000000"/>
                     </a:solidFill>
@@ -12476,7 +12481,7 @@
               </a:ln>
               <a:extLst>
                 <a:ext uri="{91240B29-F687-4f45-9708-019B960494DF}">
-                  <a14:hiddenLine xmlns="" xmlns:a14="http://schemas.microsoft.com/office/drawing/2010/main" w="9525">
+                  <a14:hiddenLine xmlns:a14="http://schemas.microsoft.com/office/drawing/2010/main" xmlns="" w="9525">
                     <a:solidFill>
                       <a:srgbClr val="000000"/>
                     </a:solidFill>
@@ -12510,7 +12515,7 @@
               </a:ln>
               <a:extLst>
                 <a:ext uri="{91240B29-F687-4f45-9708-019B960494DF}">
-                  <a14:hiddenLine xmlns="" xmlns:a14="http://schemas.microsoft.com/office/drawing/2010/main" w="9525">
+                  <a14:hiddenLine xmlns:a14="http://schemas.microsoft.com/office/drawing/2010/main" xmlns="" w="9525">
                     <a:solidFill>
                       <a:srgbClr val="000000"/>
                     </a:solidFill>
@@ -12651,7 +12656,7 @@
             <a:fld id="{48A87A34-81AB-432B-8DAE-1953F412C126}" type="datetimeFigureOut">
               <a:rPr lang="en-US" dirty="0"/>
               <a:pPr/>
-              <a:t>3/7/2017</a:t>
+              <a:t>6/13/2017</a:t>
             </a:fld>
             <a:endParaRPr lang="en-US" dirty="0"/>
           </a:p>
@@ -13529,6 +13534,136 @@
     <p:extLst>
       <p:ext uri="{BB962C8B-B14F-4D97-AF65-F5344CB8AC3E}">
         <p14:creationId xmlns:p14="http://schemas.microsoft.com/office/powerpoint/2010/main" val="2593188087"/>
+      </p:ext>
+    </p:extLst>
+  </p:cSld>
+  <p:clrMapOvr>
+    <a:masterClrMapping/>
+  </p:clrMapOvr>
+</p:sld>
+</file>
+
+<file path=ppt/slides/slide13.xml><?xml version="1.0" encoding="utf-8"?>
+<p:sld xmlns:a="http://schemas.openxmlformats.org/drawingml/2006/main" xmlns:r="http://schemas.openxmlformats.org/officeDocument/2006/relationships" xmlns:p="http://schemas.openxmlformats.org/presentationml/2006/main">
+  <p:cSld>
+    <p:spTree>
+      <p:nvGrpSpPr>
+        <p:cNvPr id="1" name=""/>
+        <p:cNvGrpSpPr/>
+        <p:nvPr/>
+      </p:nvGrpSpPr>
+      <p:grpSpPr>
+        <a:xfrm>
+          <a:off x="0" y="0"/>
+          <a:ext cx="0" cy="0"/>
+          <a:chOff x="0" y="0"/>
+          <a:chExt cx="0" cy="0"/>
+        </a:xfrm>
+      </p:grpSpPr>
+      <p:sp>
+        <p:nvSpPr>
+          <p:cNvPr id="2" name="Title 1">
+            <a:extLst>
+              <a:ext uri="{FF2B5EF4-FFF2-40B4-BE49-F238E27FC236}">
+                <a16:creationId xmlns:a16="http://schemas.microsoft.com/office/drawing/2014/main" id="{04444779-42F7-49DC-97AA-8477B22EB8AD}"/>
+              </a:ext>
+            </a:extLst>
+          </p:cNvPr>
+          <p:cNvSpPr>
+            <a:spLocks noGrp="1"/>
+          </p:cNvSpPr>
+          <p:nvPr>
+            <p:ph type="title"/>
+          </p:nvPr>
+        </p:nvSpPr>
+        <p:spPr/>
+        <p:txBody>
+          <a:bodyPr/>
+          <a:lstStyle/>
+          <a:p>
+            <a:r>
+              <a:rPr lang="en-US" dirty="0"/>
+              <a:t>Links</a:t>
+            </a:r>
+          </a:p>
+        </p:txBody>
+      </p:sp>
+      <p:sp>
+        <p:nvSpPr>
+          <p:cNvPr id="3" name="Content Placeholder 2">
+            <a:extLst>
+              <a:ext uri="{FF2B5EF4-FFF2-40B4-BE49-F238E27FC236}">
+                <a16:creationId xmlns:a16="http://schemas.microsoft.com/office/drawing/2014/main" id="{47738463-4CE1-4B6B-98F9-3ABF79410161}"/>
+              </a:ext>
+            </a:extLst>
+          </p:cNvPr>
+          <p:cNvSpPr>
+            <a:spLocks noGrp="1"/>
+          </p:cNvSpPr>
+          <p:nvPr>
+            <p:ph idx="1"/>
+          </p:nvPr>
+        </p:nvSpPr>
+        <p:spPr/>
+        <p:txBody>
+          <a:bodyPr/>
+          <a:lstStyle/>
+          <a:p>
+            <a:r>
+              <a:rPr lang="en-US" dirty="0"/>
+              <a:t>Source: </a:t>
+            </a:r>
+            <a:r>
+              <a:rPr lang="en-US" dirty="0">
+                <a:hlinkClick r:id="rId2"/>
+              </a:rPr>
+              <a:t>https://github.com/brskl/Ra</a:t>
+            </a:r>
+            <a:endParaRPr lang="en-US" dirty="0"/>
+          </a:p>
+          <a:p>
+            <a:r>
+              <a:rPr lang="en-US" dirty="0"/>
+              <a:t>Presentation video: </a:t>
+            </a:r>
+            <a:r>
+              <a:rPr lang="en-US" dirty="0">
+                <a:hlinkClick r:id="rId3"/>
+              </a:rPr>
+              <a:t>https://youtu.be/n_CXcqok1U0</a:t>
+            </a:r>
+            <a:endParaRPr lang="en-US" dirty="0"/>
+          </a:p>
+          <a:p>
+            <a:r>
+              <a:rPr lang="en-US" dirty="0"/>
+              <a:t>This </a:t>
+            </a:r>
+            <a:r>
+              <a:rPr lang="en-US" dirty="0" err="1"/>
+              <a:t>Powerpoint</a:t>
+            </a:r>
+            <a:r>
+              <a:rPr lang="en-US" dirty="0"/>
+              <a:t>: </a:t>
+            </a:r>
+            <a:r>
+              <a:rPr lang="en-US" dirty="0">
+                <a:hlinkClick r:id="rId4"/>
+              </a:rPr>
+              <a:t>https://github.com/brskl/Ra/blob/master/doc/Project%20Presentation%20-%20Ra%202017-03.pptx</a:t>
+            </a:r>
+            <a:endParaRPr lang="en-US" dirty="0"/>
+          </a:p>
+          <a:p>
+            <a:endParaRPr lang="en-US" dirty="0"/>
+          </a:p>
+        </p:txBody>
+      </p:sp>
+    </p:spTree>
+    <p:extLst>
+      <p:ext uri="{BB962C8B-B14F-4D97-AF65-F5344CB8AC3E}">
+        <p14:creationId xmlns:p14="http://schemas.microsoft.com/office/powerpoint/2010/main" val="2316774572"/>
       </p:ext>
     </p:extLst>
   </p:cSld>
